--- a/Section 3 - Slide Design (13 Functional Slides)/Learning.pptx
+++ b/Section 3 - Slide Design (13 Functional Slides)/Learning.pptx
@@ -5,7 +5,7 @@
     <p:sldMasterId id="2147483648" r:id="rId1"/>
   </p:sldMasterIdLst>
   <p:notesMasterIdLst>
-    <p:notesMasterId r:id="rId7"/>
+    <p:notesMasterId r:id="rId8"/>
   </p:notesMasterIdLst>
   <p:sldIdLst>
     <p:sldId id="256" r:id="rId2"/>
@@ -13,6 +13,7 @@
     <p:sldId id="258" r:id="rId4"/>
     <p:sldId id="259" r:id="rId5"/>
     <p:sldId id="260" r:id="rId6"/>
+    <p:sldId id="261" r:id="rId7"/>
   </p:sldIdLst>
   <p:sldSz cx="12192000" cy="6858000"/>
   <p:notesSz cx="6858000" cy="9144000"/>
@@ -135,6 +136,11 @@
             <p14:sldId id="260"/>
           </p14:sldIdLst>
         </p14:section>
+        <p14:section name="Animations" id="{B3CAABF9-98FC-4E33-8A4A-E2E038E5CE97}">
+          <p14:sldIdLst>
+            <p14:sldId id="261"/>
+          </p14:sldIdLst>
+        </p14:section>
       </p14:sectionLst>
     </p:ext>
     <p:ext uri="{EFAFB233-063F-42B5-8137-9DF3F51BA10A}">
@@ -252,7 +258,7 @@
           <a:p>
             <a:fld id="{F20E82B9-CCCA-490D-8368-0675B764C992}" type="datetimeFigureOut">
               <a:rPr lang="en-US" smtClean="0"/>
-              <a:t>9/30/2022</a:t>
+              <a:t>10/2/2022</a:t>
             </a:fld>
             <a:endParaRPr lang="en-US"/>
           </a:p>
@@ -1045,21 +1051,38 @@
               <a:buChar char="-"/>
             </a:pPr>
             <a:r>
-              <a:rPr lang="en-US" smtClean="0"/>
+              <a:rPr lang="en-US" dirty="0" smtClean="0"/>
               <a:t>Tạo</a:t>
             </a:r>
             <a:r>
-              <a:rPr lang="en-US" baseline="0" smtClean="0"/>
-              <a:t> </a:t>
+              <a:rPr lang="en-US" baseline="0" dirty="0" smtClean="0"/>
+              <a:t> round nhìn cho nó đẹp hơn: Formart shape  -&gt; Cap </a:t>
             </a:r>
             <a:r>
               <a:rPr lang="en-US" baseline="0" dirty="0" smtClean="0"/>
-              <a:t>round nhìn cho nó đẹp hơn: Formart shape  -&gt; </a:t>
+              <a:t>type</a:t>
             </a:r>
+          </a:p>
+          <a:p>
+            <a:pPr marL="171450" indent="-171450">
+              <a:buFontTx/>
+              <a:buChar char="-"/>
+            </a:pPr>
             <a:r>
-              <a:rPr lang="en-US" baseline="0" smtClean="0"/>
-              <a:t>Cap type</a:t>
+              <a:rPr lang="en-US" baseline="0" dirty="0" smtClean="0"/>
+              <a:t>Giữ phím shift tạo 1 đường thẳng</a:t>
             </a:r>
+          </a:p>
+          <a:p>
+            <a:pPr marL="171450" indent="-171450">
+              <a:buFontTx/>
+              <a:buChar char="-"/>
+            </a:pPr>
+            <a:r>
+              <a:rPr lang="en-US" baseline="0" dirty="0" smtClean="0"/>
+              <a:t>Shape connector</a:t>
+            </a:r>
+            <a:endParaRPr lang="en-US" baseline="0" dirty="0" smtClean="0"/>
           </a:p>
           <a:p>
             <a:pPr marL="171450" indent="-171450">
@@ -1097,6 +1120,108 @@
     <p:extLst>
       <p:ext uri="{BB962C8B-B14F-4D97-AF65-F5344CB8AC3E}">
         <p14:creationId xmlns:p14="http://schemas.microsoft.com/office/powerpoint/2010/main" val="227625374"/>
+      </p:ext>
+    </p:extLst>
+  </p:cSld>
+  <p:clrMapOvr>
+    <a:masterClrMapping/>
+  </p:clrMapOvr>
+</p:notes>
+</file>
+
+<file path=ppt/notesSlides/notesSlide5.xml><?xml version="1.0" encoding="utf-8"?>
+<p:notes xmlns:a="http://schemas.openxmlformats.org/drawingml/2006/main" xmlns:r="http://schemas.openxmlformats.org/officeDocument/2006/relationships" xmlns:p="http://schemas.openxmlformats.org/presentationml/2006/main">
+  <p:cSld>
+    <p:spTree>
+      <p:nvGrpSpPr>
+        <p:cNvPr id="1" name=""/>
+        <p:cNvGrpSpPr/>
+        <p:nvPr/>
+      </p:nvGrpSpPr>
+      <p:grpSpPr>
+        <a:xfrm>
+          <a:off x="0" y="0"/>
+          <a:ext cx="0" cy="0"/>
+          <a:chOff x="0" y="0"/>
+          <a:chExt cx="0" cy="0"/>
+        </a:xfrm>
+      </p:grpSpPr>
+      <p:sp>
+        <p:nvSpPr>
+          <p:cNvPr id="2" name="Slide Image Placeholder 1"/>
+          <p:cNvSpPr>
+            <a:spLocks noGrp="1" noRot="1" noChangeAspect="1"/>
+          </p:cNvSpPr>
+          <p:nvPr>
+            <p:ph type="sldImg"/>
+          </p:nvPr>
+        </p:nvSpPr>
+        <p:spPr/>
+      </p:sp>
+      <p:sp>
+        <p:nvSpPr>
+          <p:cNvPr id="3" name="Notes Placeholder 2"/>
+          <p:cNvSpPr>
+            <a:spLocks noGrp="1"/>
+          </p:cNvSpPr>
+          <p:nvPr>
+            <p:ph type="body" idx="1"/>
+          </p:nvPr>
+        </p:nvSpPr>
+        <p:spPr/>
+        <p:txBody>
+          <a:bodyPr/>
+          <a:lstStyle/>
+          <a:p>
+            <a:pPr marL="171450" indent="-171450">
+              <a:buFontTx/>
+              <a:buChar char="-"/>
+            </a:pPr>
+            <a:r>
+              <a:rPr lang="en-US" dirty="0" smtClean="0"/>
+              <a:t>Start</a:t>
+            </a:r>
+            <a:r>
+              <a:rPr lang="en-US" baseline="0" dirty="0" smtClean="0"/>
+              <a:t> after privous</a:t>
+            </a:r>
+          </a:p>
+          <a:p>
+            <a:pPr marL="171450" indent="-171450">
+              <a:buFontTx/>
+              <a:buChar char="-"/>
+            </a:pPr>
+            <a:endParaRPr lang="en-US" dirty="0"/>
+          </a:p>
+        </p:txBody>
+      </p:sp>
+      <p:sp>
+        <p:nvSpPr>
+          <p:cNvPr id="4" name="Slide Number Placeholder 3"/>
+          <p:cNvSpPr>
+            <a:spLocks noGrp="1"/>
+          </p:cNvSpPr>
+          <p:nvPr>
+            <p:ph type="sldNum" sz="quarter" idx="10"/>
+          </p:nvPr>
+        </p:nvSpPr>
+        <p:spPr/>
+        <p:txBody>
+          <a:bodyPr/>
+          <a:lstStyle/>
+          <a:p>
+            <a:fld id="{665692C8-586C-4E47-BE00-21460D96302E}" type="slidenum">
+              <a:rPr lang="en-US" smtClean="0"/>
+              <a:t>6</a:t>
+            </a:fld>
+            <a:endParaRPr lang="en-US"/>
+          </a:p>
+        </p:txBody>
+      </p:sp>
+    </p:spTree>
+    <p:extLst>
+      <p:ext uri="{BB962C8B-B14F-4D97-AF65-F5344CB8AC3E}">
+        <p14:creationId xmlns:p14="http://schemas.microsoft.com/office/powerpoint/2010/main" val="666507605"/>
       </p:ext>
     </p:extLst>
   </p:cSld>
@@ -1237,7 +1362,7 @@
           <a:p>
             <a:fld id="{D430E342-872F-4657-9FD8-840FD8D0441F}" type="datetimeFigureOut">
               <a:rPr lang="en-US" smtClean="0"/>
-              <a:t>9/30/2022</a:t>
+              <a:t>10/2/2022</a:t>
             </a:fld>
             <a:endParaRPr lang="en-US"/>
           </a:p>
@@ -1407,7 +1532,7 @@
           <a:p>
             <a:fld id="{D430E342-872F-4657-9FD8-840FD8D0441F}" type="datetimeFigureOut">
               <a:rPr lang="en-US" smtClean="0"/>
-              <a:t>9/30/2022</a:t>
+              <a:t>10/2/2022</a:t>
             </a:fld>
             <a:endParaRPr lang="en-US"/>
           </a:p>
@@ -1587,7 +1712,7 @@
           <a:p>
             <a:fld id="{D430E342-872F-4657-9FD8-840FD8D0441F}" type="datetimeFigureOut">
               <a:rPr lang="en-US" smtClean="0"/>
-              <a:t>9/30/2022</a:t>
+              <a:t>10/2/2022</a:t>
             </a:fld>
             <a:endParaRPr lang="en-US"/>
           </a:p>
@@ -1757,7 +1882,7 @@
           <a:p>
             <a:fld id="{D430E342-872F-4657-9FD8-840FD8D0441F}" type="datetimeFigureOut">
               <a:rPr lang="en-US" smtClean="0"/>
-              <a:t>9/30/2022</a:t>
+              <a:t>10/2/2022</a:t>
             </a:fld>
             <a:endParaRPr lang="en-US"/>
           </a:p>
@@ -2003,7 +2128,7 @@
           <a:p>
             <a:fld id="{D430E342-872F-4657-9FD8-840FD8D0441F}" type="datetimeFigureOut">
               <a:rPr lang="en-US" smtClean="0"/>
-              <a:t>9/30/2022</a:t>
+              <a:t>10/2/2022</a:t>
             </a:fld>
             <a:endParaRPr lang="en-US"/>
           </a:p>
@@ -2235,7 +2360,7 @@
           <a:p>
             <a:fld id="{D430E342-872F-4657-9FD8-840FD8D0441F}" type="datetimeFigureOut">
               <a:rPr lang="en-US" smtClean="0"/>
-              <a:t>9/30/2022</a:t>
+              <a:t>10/2/2022</a:t>
             </a:fld>
             <a:endParaRPr lang="en-US"/>
           </a:p>
@@ -2602,7 +2727,7 @@
           <a:p>
             <a:fld id="{D430E342-872F-4657-9FD8-840FD8D0441F}" type="datetimeFigureOut">
               <a:rPr lang="en-US" smtClean="0"/>
-              <a:t>9/30/2022</a:t>
+              <a:t>10/2/2022</a:t>
             </a:fld>
             <a:endParaRPr lang="en-US"/>
           </a:p>
@@ -2720,7 +2845,7 @@
           <a:p>
             <a:fld id="{D430E342-872F-4657-9FD8-840FD8D0441F}" type="datetimeFigureOut">
               <a:rPr lang="en-US" smtClean="0"/>
-              <a:t>9/30/2022</a:t>
+              <a:t>10/2/2022</a:t>
             </a:fld>
             <a:endParaRPr lang="en-US"/>
           </a:p>
@@ -2815,7 +2940,7 @@
           <a:p>
             <a:fld id="{D430E342-872F-4657-9FD8-840FD8D0441F}" type="datetimeFigureOut">
               <a:rPr lang="en-US" smtClean="0"/>
-              <a:t>9/30/2022</a:t>
+              <a:t>10/2/2022</a:t>
             </a:fld>
             <a:endParaRPr lang="en-US"/>
           </a:p>
@@ -3092,7 +3217,7 @@
           <a:p>
             <a:fld id="{D430E342-872F-4657-9FD8-840FD8D0441F}" type="datetimeFigureOut">
               <a:rPr lang="en-US" smtClean="0"/>
-              <a:t>9/30/2022</a:t>
+              <a:t>10/2/2022</a:t>
             </a:fld>
             <a:endParaRPr lang="en-US"/>
           </a:p>
@@ -3345,7 +3470,7 @@
           <a:p>
             <a:fld id="{D430E342-872F-4657-9FD8-840FD8D0441F}" type="datetimeFigureOut">
               <a:rPr lang="en-US" smtClean="0"/>
-              <a:t>9/30/2022</a:t>
+              <a:t>10/2/2022</a:t>
             </a:fld>
             <a:endParaRPr lang="en-US"/>
           </a:p>
@@ -3558,7 +3683,7 @@
           <a:p>
             <a:fld id="{D430E342-872F-4657-9FD8-840FD8D0441F}" type="datetimeFigureOut">
               <a:rPr lang="en-US" smtClean="0"/>
-              <a:t>9/30/2022</a:t>
+              <a:t>10/2/2022</a:t>
             </a:fld>
             <a:endParaRPr lang="en-US"/>
           </a:p>
@@ -4496,7 +4621,7 @@
             <a:effectLst/>
             <a:extLst>
               <a:ext uri="{91240B29-F687-4f45-9708-019B960494DF}">
-                <a14:hiddenLine xmlns:a14="http://schemas.microsoft.com/office/drawing/2010/main" xmlns="" w="12700" cap="flat" cmpd="sng">
+                <a14:hiddenLine xmlns="" xmlns:a14="http://schemas.microsoft.com/office/drawing/2010/main" w="12700" cap="flat" cmpd="sng">
                   <a:solidFill>
                     <a:srgbClr val="000000"/>
                   </a:solidFill>
@@ -4507,7 +4632,7 @@
                 </a14:hiddenLine>
               </a:ext>
               <a:ext uri="{AF507438-7753-43e0-B8FC-AC1667EBCBE1}">
-                <a14:hiddenEffects xmlns:a14="http://schemas.microsoft.com/office/drawing/2010/main" xmlns="">
+                <a14:hiddenEffects xmlns="" xmlns:a14="http://schemas.microsoft.com/office/drawing/2010/main">
                   <a:effectLst>
                     <a:outerShdw blurRad="63500" dist="38099" dir="2700000" algn="ctr" rotWithShape="0">
                       <a:srgbClr val="000000">
@@ -4880,7 +5005,7 @@
             <a:effectLst/>
             <a:extLst>
               <a:ext uri="{91240B29-F687-4f45-9708-019B960494DF}">
-                <a14:hiddenLine xmlns:a14="http://schemas.microsoft.com/office/drawing/2010/main" xmlns="" w="12700" cap="flat" cmpd="sng">
+                <a14:hiddenLine xmlns="" xmlns:a14="http://schemas.microsoft.com/office/drawing/2010/main" w="12700" cap="flat" cmpd="sng">
                   <a:solidFill>
                     <a:srgbClr val="000000"/>
                   </a:solidFill>
@@ -4891,7 +5016,7 @@
                 </a14:hiddenLine>
               </a:ext>
               <a:ext uri="{AF507438-7753-43e0-B8FC-AC1667EBCBE1}">
-                <a14:hiddenEffects xmlns:a14="http://schemas.microsoft.com/office/drawing/2010/main" xmlns="">
+                <a14:hiddenEffects xmlns="" xmlns:a14="http://schemas.microsoft.com/office/drawing/2010/main">
                   <a:effectLst>
                     <a:outerShdw blurRad="63500" dist="38099" dir="2700000" algn="ctr" rotWithShape="0">
                       <a:srgbClr val="000000">
@@ -5149,7 +5274,7 @@
             <a:effectLst/>
             <a:extLst>
               <a:ext uri="{91240B29-F687-4f45-9708-019B960494DF}">
-                <a14:hiddenLine xmlns:a14="http://schemas.microsoft.com/office/drawing/2010/main" xmlns="" w="12700" cap="flat" cmpd="sng">
+                <a14:hiddenLine xmlns="" xmlns:a14="http://schemas.microsoft.com/office/drawing/2010/main" w="12700" cap="flat" cmpd="sng">
                   <a:solidFill>
                     <a:srgbClr val="000000"/>
                   </a:solidFill>
@@ -5160,7 +5285,7 @@
                 </a14:hiddenLine>
               </a:ext>
               <a:ext uri="{AF507438-7753-43e0-B8FC-AC1667EBCBE1}">
-                <a14:hiddenEffects xmlns:a14="http://schemas.microsoft.com/office/drawing/2010/main" xmlns="">
+                <a14:hiddenEffects xmlns="" xmlns:a14="http://schemas.microsoft.com/office/drawing/2010/main">
                   <a:effectLst>
                     <a:outerShdw blurRad="63500" dist="38099" dir="2700000" algn="ctr" rotWithShape="0">
                       <a:srgbClr val="000000">
@@ -5272,7 +5397,7 @@
             <a:effectLst/>
             <a:extLst>
               <a:ext uri="{91240B29-F687-4f45-9708-019B960494DF}">
-                <a14:hiddenLine xmlns:a14="http://schemas.microsoft.com/office/drawing/2010/main" xmlns="" w="12700" cap="flat" cmpd="sng">
+                <a14:hiddenLine xmlns="" xmlns:a14="http://schemas.microsoft.com/office/drawing/2010/main" w="12700" cap="flat" cmpd="sng">
                   <a:solidFill>
                     <a:srgbClr val="000000"/>
                   </a:solidFill>
@@ -5283,7 +5408,7 @@
                 </a14:hiddenLine>
               </a:ext>
               <a:ext uri="{AF507438-7753-43e0-B8FC-AC1667EBCBE1}">
-                <a14:hiddenEffects xmlns:a14="http://schemas.microsoft.com/office/drawing/2010/main" xmlns="">
+                <a14:hiddenEffects xmlns="" xmlns:a14="http://schemas.microsoft.com/office/drawing/2010/main">
                   <a:effectLst>
                     <a:outerShdw blurRad="63500" dist="38099" dir="2700000" algn="ctr" rotWithShape="0">
                       <a:srgbClr val="000000">
@@ -5389,7 +5514,7 @@
             <a:effectLst/>
             <a:extLst>
               <a:ext uri="{91240B29-F687-4f45-9708-019B960494DF}">
-                <a14:hiddenLine xmlns:a14="http://schemas.microsoft.com/office/drawing/2010/main" xmlns="" w="12700" cap="flat" cmpd="sng">
+                <a14:hiddenLine xmlns="" xmlns:a14="http://schemas.microsoft.com/office/drawing/2010/main" w="12700" cap="flat" cmpd="sng">
                   <a:solidFill>
                     <a:srgbClr val="000000"/>
                   </a:solidFill>
@@ -5400,7 +5525,7 @@
                 </a14:hiddenLine>
               </a:ext>
               <a:ext uri="{AF507438-7753-43e0-B8FC-AC1667EBCBE1}">
-                <a14:hiddenEffects xmlns:a14="http://schemas.microsoft.com/office/drawing/2010/main" xmlns="">
+                <a14:hiddenEffects xmlns="" xmlns:a14="http://schemas.microsoft.com/office/drawing/2010/main">
                   <a:effectLst>
                     <a:outerShdw blurRad="63500" dist="38099" dir="2700000" algn="ctr" rotWithShape="0">
                       <a:srgbClr val="000000">
@@ -5624,7 +5749,7 @@
           <a:effectLst/>
           <a:extLst>
             <a:ext uri="{91240B29-F687-4f45-9708-019B960494DF}">
-              <a14:hiddenLine xmlns:a14="http://schemas.microsoft.com/office/drawing/2010/main" xmlns="" w="12700" cap="flat" cmpd="sng">
+              <a14:hiddenLine xmlns="" xmlns:a14="http://schemas.microsoft.com/office/drawing/2010/main" w="12700" cap="flat" cmpd="sng">
                 <a:solidFill>
                   <a:srgbClr val="000000"/>
                 </a:solidFill>
@@ -5635,7 +5760,7 @@
               </a14:hiddenLine>
             </a:ext>
             <a:ext uri="{AF507438-7753-43e0-B8FC-AC1667EBCBE1}">
-              <a14:hiddenEffects xmlns:a14="http://schemas.microsoft.com/office/drawing/2010/main" xmlns="">
+              <a14:hiddenEffects xmlns="" xmlns:a14="http://schemas.microsoft.com/office/drawing/2010/main">
                 <a:effectLst>
                   <a:outerShdw blurRad="63500" dist="38099" dir="2700000" algn="ctr" rotWithShape="0">
                     <a:srgbClr val="000000">
@@ -5781,7 +5906,7 @@
             <a:effectLst/>
             <a:extLst>
               <a:ext uri="{91240B29-F687-4f45-9708-019B960494DF}">
-                <a14:hiddenLine xmlns:a14="http://schemas.microsoft.com/office/drawing/2010/main" xmlns="" w="12700" cap="flat" cmpd="sng">
+                <a14:hiddenLine xmlns="" xmlns:a14="http://schemas.microsoft.com/office/drawing/2010/main" w="12700" cap="flat" cmpd="sng">
                   <a:solidFill>
                     <a:srgbClr val="000000"/>
                   </a:solidFill>
@@ -5792,7 +5917,7 @@
                 </a14:hiddenLine>
               </a:ext>
               <a:ext uri="{AF507438-7753-43e0-B8FC-AC1667EBCBE1}">
-                <a14:hiddenEffects xmlns:a14="http://schemas.microsoft.com/office/drawing/2010/main" xmlns="">
+                <a14:hiddenEffects xmlns="" xmlns:a14="http://schemas.microsoft.com/office/drawing/2010/main">
                   <a:effectLst>
                     <a:outerShdw blurRad="63500" dist="38099" dir="2700000" algn="ctr" rotWithShape="0">
                       <a:srgbClr val="000000">
@@ -5914,7 +6039,7 @@
             <a:effectLst/>
             <a:extLst>
               <a:ext uri="{91240B29-F687-4f45-9708-019B960494DF}">
-                <a14:hiddenLine xmlns:a14="http://schemas.microsoft.com/office/drawing/2010/main" xmlns="" w="12700" cap="flat" cmpd="sng">
+                <a14:hiddenLine xmlns="" xmlns:a14="http://schemas.microsoft.com/office/drawing/2010/main" w="12700" cap="flat" cmpd="sng">
                   <a:solidFill>
                     <a:srgbClr val="000000"/>
                   </a:solidFill>
@@ -5925,7 +6050,7 @@
                 </a14:hiddenLine>
               </a:ext>
               <a:ext uri="{AF507438-7753-43e0-B8FC-AC1667EBCBE1}">
-                <a14:hiddenEffects xmlns:a14="http://schemas.microsoft.com/office/drawing/2010/main" xmlns="">
+                <a14:hiddenEffects xmlns="" xmlns:a14="http://schemas.microsoft.com/office/drawing/2010/main">
                   <a:effectLst>
                     <a:outerShdw blurRad="63500" dist="38099" dir="2700000" algn="ctr" rotWithShape="0">
                       <a:srgbClr val="000000">
@@ -6125,7 +6250,7 @@
             <a:effectLst/>
             <a:extLst>
               <a:ext uri="{91240B29-F687-4f45-9708-019B960494DF}">
-                <a14:hiddenLine xmlns:a14="http://schemas.microsoft.com/office/drawing/2010/main" xmlns="" w="12700" cap="flat" cmpd="sng">
+                <a14:hiddenLine xmlns="" xmlns:a14="http://schemas.microsoft.com/office/drawing/2010/main" w="12700" cap="flat" cmpd="sng">
                   <a:solidFill>
                     <a:srgbClr val="000000"/>
                   </a:solidFill>
@@ -6136,7 +6261,7 @@
                 </a14:hiddenLine>
               </a:ext>
               <a:ext uri="{AF507438-7753-43e0-B8FC-AC1667EBCBE1}">
-                <a14:hiddenEffects xmlns:a14="http://schemas.microsoft.com/office/drawing/2010/main" xmlns="">
+                <a14:hiddenEffects xmlns="" xmlns:a14="http://schemas.microsoft.com/office/drawing/2010/main">
                   <a:effectLst>
                     <a:outerShdw blurRad="63500" dist="38099" dir="2700000" algn="ctr" rotWithShape="0">
                       <a:srgbClr val="000000">
@@ -6836,7 +6961,7 @@
             <a:effectLst/>
             <a:extLst>
               <a:ext uri="{91240B29-F687-4f45-9708-019B960494DF}">
-                <a14:hiddenLine xmlns:a14="http://schemas.microsoft.com/office/drawing/2010/main" xmlns="" w="12700" cap="flat" cmpd="sng">
+                <a14:hiddenLine xmlns="" xmlns:a14="http://schemas.microsoft.com/office/drawing/2010/main" w="12700" cap="flat" cmpd="sng">
                   <a:solidFill>
                     <a:srgbClr val="000000"/>
                   </a:solidFill>
@@ -6847,7 +6972,7 @@
                 </a14:hiddenLine>
               </a:ext>
               <a:ext uri="{AF507438-7753-43e0-B8FC-AC1667EBCBE1}">
-                <a14:hiddenEffects xmlns:a14="http://schemas.microsoft.com/office/drawing/2010/main" xmlns="">
+                <a14:hiddenEffects xmlns="" xmlns:a14="http://schemas.microsoft.com/office/drawing/2010/main">
                   <a:effectLst>
                     <a:outerShdw blurRad="63500" dist="38099" dir="2700000" algn="ctr" rotWithShape="0">
                       <a:srgbClr val="000000">
@@ -7220,7 +7345,7 @@
             <a:effectLst/>
             <a:extLst>
               <a:ext uri="{91240B29-F687-4f45-9708-019B960494DF}">
-                <a14:hiddenLine xmlns:a14="http://schemas.microsoft.com/office/drawing/2010/main" xmlns="" w="12700" cap="flat" cmpd="sng">
+                <a14:hiddenLine xmlns="" xmlns:a14="http://schemas.microsoft.com/office/drawing/2010/main" w="12700" cap="flat" cmpd="sng">
                   <a:solidFill>
                     <a:srgbClr val="000000"/>
                   </a:solidFill>
@@ -7231,7 +7356,7 @@
                 </a14:hiddenLine>
               </a:ext>
               <a:ext uri="{AF507438-7753-43e0-B8FC-AC1667EBCBE1}">
-                <a14:hiddenEffects xmlns:a14="http://schemas.microsoft.com/office/drawing/2010/main" xmlns="">
+                <a14:hiddenEffects xmlns="" xmlns:a14="http://schemas.microsoft.com/office/drawing/2010/main">
                   <a:effectLst>
                     <a:outerShdw blurRad="63500" dist="38099" dir="2700000" algn="ctr" rotWithShape="0">
                       <a:srgbClr val="000000">
@@ -7556,7 +7681,7 @@
               <a:effectLst/>
               <a:extLst>
                 <a:ext uri="{91240B29-F687-4f45-9708-019B960494DF}">
-                  <a14:hiddenLine xmlns:a14="http://schemas.microsoft.com/office/drawing/2010/main" xmlns="" w="12700" cap="flat" cmpd="sng">
+                  <a14:hiddenLine xmlns="" xmlns:a14="http://schemas.microsoft.com/office/drawing/2010/main" w="12700" cap="flat" cmpd="sng">
                     <a:solidFill>
                       <a:srgbClr val="000000"/>
                     </a:solidFill>
@@ -7567,7 +7692,7 @@
                   </a14:hiddenLine>
                 </a:ext>
                 <a:ext uri="{AF507438-7753-43e0-B8FC-AC1667EBCBE1}">
-                  <a14:hiddenEffects xmlns:a14="http://schemas.microsoft.com/office/drawing/2010/main" xmlns="">
+                  <a14:hiddenEffects xmlns="" xmlns:a14="http://schemas.microsoft.com/office/drawing/2010/main">
                     <a:effectLst>
                       <a:outerShdw blurRad="63500" dist="38099" dir="2700000" algn="ctr" rotWithShape="0">
                         <a:srgbClr val="000000">
@@ -7679,7 +7804,7 @@
               <a:effectLst/>
               <a:extLst>
                 <a:ext uri="{91240B29-F687-4f45-9708-019B960494DF}">
-                  <a14:hiddenLine xmlns:a14="http://schemas.microsoft.com/office/drawing/2010/main" xmlns="" w="12700" cap="flat" cmpd="sng">
+                  <a14:hiddenLine xmlns="" xmlns:a14="http://schemas.microsoft.com/office/drawing/2010/main" w="12700" cap="flat" cmpd="sng">
                     <a:solidFill>
                       <a:srgbClr val="000000"/>
                     </a:solidFill>
@@ -7690,7 +7815,7 @@
                   </a14:hiddenLine>
                 </a:ext>
                 <a:ext uri="{AF507438-7753-43e0-B8FC-AC1667EBCBE1}">
-                  <a14:hiddenEffects xmlns:a14="http://schemas.microsoft.com/office/drawing/2010/main" xmlns="">
+                  <a14:hiddenEffects xmlns="" xmlns:a14="http://schemas.microsoft.com/office/drawing/2010/main">
                     <a:effectLst>
                       <a:outerShdw blurRad="63500" dist="38099" dir="2700000" algn="ctr" rotWithShape="0">
                         <a:srgbClr val="000000">
@@ -7796,7 +7921,7 @@
               <a:effectLst/>
               <a:extLst>
                 <a:ext uri="{91240B29-F687-4f45-9708-019B960494DF}">
-                  <a14:hiddenLine xmlns:a14="http://schemas.microsoft.com/office/drawing/2010/main" xmlns="" w="12700" cap="flat" cmpd="sng">
+                  <a14:hiddenLine xmlns="" xmlns:a14="http://schemas.microsoft.com/office/drawing/2010/main" w="12700" cap="flat" cmpd="sng">
                     <a:solidFill>
                       <a:srgbClr val="000000"/>
                     </a:solidFill>
@@ -7807,7 +7932,7 @@
                   </a14:hiddenLine>
                 </a:ext>
                 <a:ext uri="{AF507438-7753-43e0-B8FC-AC1667EBCBE1}">
-                  <a14:hiddenEffects xmlns:a14="http://schemas.microsoft.com/office/drawing/2010/main" xmlns="">
+                  <a14:hiddenEffects xmlns="" xmlns:a14="http://schemas.microsoft.com/office/drawing/2010/main">
                     <a:effectLst>
                       <a:outerShdw blurRad="63500" dist="38099" dir="2700000" algn="ctr" rotWithShape="0">
                         <a:srgbClr val="000000">
@@ -8022,7 +8147,7 @@
               <a:effectLst/>
               <a:extLst>
                 <a:ext uri="{91240B29-F687-4f45-9708-019B960494DF}">
-                  <a14:hiddenLine xmlns:a14="http://schemas.microsoft.com/office/drawing/2010/main" xmlns="" w="12700" cap="flat" cmpd="sng">
+                  <a14:hiddenLine xmlns="" xmlns:a14="http://schemas.microsoft.com/office/drawing/2010/main" w="12700" cap="flat" cmpd="sng">
                     <a:solidFill>
                       <a:srgbClr val="000000"/>
                     </a:solidFill>
@@ -8033,7 +8158,7 @@
                   </a14:hiddenLine>
                 </a:ext>
                 <a:ext uri="{AF507438-7753-43e0-B8FC-AC1667EBCBE1}">
-                  <a14:hiddenEffects xmlns:a14="http://schemas.microsoft.com/office/drawing/2010/main" xmlns="">
+                  <a14:hiddenEffects xmlns="" xmlns:a14="http://schemas.microsoft.com/office/drawing/2010/main">
                     <a:effectLst>
                       <a:outerShdw blurRad="63500" dist="38099" dir="2700000" algn="ctr" rotWithShape="0">
                         <a:srgbClr val="000000">
@@ -8155,7 +8280,7 @@
               <a:effectLst/>
               <a:extLst>
                 <a:ext uri="{91240B29-F687-4f45-9708-019B960494DF}">
-                  <a14:hiddenLine xmlns:a14="http://schemas.microsoft.com/office/drawing/2010/main" xmlns="" w="12700" cap="flat" cmpd="sng">
+                  <a14:hiddenLine xmlns="" xmlns:a14="http://schemas.microsoft.com/office/drawing/2010/main" w="12700" cap="flat" cmpd="sng">
                     <a:solidFill>
                       <a:srgbClr val="000000"/>
                     </a:solidFill>
@@ -8166,7 +8291,7 @@
                   </a14:hiddenLine>
                 </a:ext>
                 <a:ext uri="{AF507438-7753-43e0-B8FC-AC1667EBCBE1}">
-                  <a14:hiddenEffects xmlns:a14="http://schemas.microsoft.com/office/drawing/2010/main" xmlns="">
+                  <a14:hiddenEffects xmlns="" xmlns:a14="http://schemas.microsoft.com/office/drawing/2010/main">
                     <a:effectLst>
                       <a:outerShdw blurRad="63500" dist="38099" dir="2700000" algn="ctr" rotWithShape="0">
                         <a:srgbClr val="000000">
@@ -8366,7 +8491,7 @@
               <a:effectLst/>
               <a:extLst>
                 <a:ext uri="{91240B29-F687-4f45-9708-019B960494DF}">
-                  <a14:hiddenLine xmlns:a14="http://schemas.microsoft.com/office/drawing/2010/main" xmlns="" w="12700" cap="flat" cmpd="sng">
+                  <a14:hiddenLine xmlns="" xmlns:a14="http://schemas.microsoft.com/office/drawing/2010/main" w="12700" cap="flat" cmpd="sng">
                     <a:solidFill>
                       <a:srgbClr val="000000"/>
                     </a:solidFill>
@@ -8377,7 +8502,7 @@
                   </a14:hiddenLine>
                 </a:ext>
                 <a:ext uri="{AF507438-7753-43e0-B8FC-AC1667EBCBE1}">
-                  <a14:hiddenEffects xmlns:a14="http://schemas.microsoft.com/office/drawing/2010/main" xmlns="">
+                  <a14:hiddenEffects xmlns="" xmlns:a14="http://schemas.microsoft.com/office/drawing/2010/main">
                     <a:effectLst>
                       <a:outerShdw blurRad="63500" dist="38099" dir="2700000" algn="ctr" rotWithShape="0">
                         <a:srgbClr val="000000">
@@ -9313,7 +9438,7 @@
             <a:effectLst/>
             <a:extLst>
               <a:ext uri="{91240B29-F687-4f45-9708-019B960494DF}">
-                <a14:hiddenLine xmlns:a14="http://schemas.microsoft.com/office/drawing/2010/main" xmlns="" w="12700" cap="flat" cmpd="sng">
+                <a14:hiddenLine xmlns="" xmlns:a14="http://schemas.microsoft.com/office/drawing/2010/main" w="12700" cap="flat" cmpd="sng">
                   <a:solidFill>
                     <a:srgbClr val="000000"/>
                   </a:solidFill>
@@ -9324,7 +9449,7 @@
                 </a14:hiddenLine>
               </a:ext>
               <a:ext uri="{AF507438-7753-43e0-B8FC-AC1667EBCBE1}">
-                <a14:hiddenEffects xmlns:a14="http://schemas.microsoft.com/office/drawing/2010/main" xmlns="">
+                <a14:hiddenEffects xmlns="" xmlns:a14="http://schemas.microsoft.com/office/drawing/2010/main">
                   <a:effectLst>
                     <a:outerShdw blurRad="63500" dist="38099" dir="2700000" algn="ctr" rotWithShape="0">
                       <a:srgbClr val="000000">
@@ -9562,15 +9687,7 @@
                   <a:schemeClr val="accent2"/>
                 </a:solidFill>
               </a:rPr>
-              <a:t>Lorem ipsum dolor sit amet, consectetuer adipiscing elit. Maecenas porttitor congue massa. </a:t>
-            </a:r>
-            <a:r>
-              <a:rPr lang="en-US" sz="1600" dirty="0" smtClean="0">
-                <a:solidFill>
-                  <a:schemeClr val="accent2"/>
-                </a:solidFill>
-              </a:rPr>
-              <a:t>Fusce posuere, magna sed pulvinar ultricies, purus lectus malesuada libero, sit amet commodo magna eros quis urna.</a:t>
+              <a:t>Lorem ipsum dolor sit amet, consectetuer adipiscing elit. Maecenas porttitor congue massa. Fusce posuere, magna sed pulvinar ultricies, purus lectus malesuada libero, sit amet commodo magna eros quis urna.</a:t>
             </a:r>
           </a:p>
         </p:txBody>
@@ -9733,7 +9850,7 @@
               <a:effectLst/>
               <a:extLst>
                 <a:ext uri="{91240B29-F687-4f45-9708-019B960494DF}">
-                  <a14:hiddenLine xmlns:a14="http://schemas.microsoft.com/office/drawing/2010/main" xmlns="" w="12700" cap="flat" cmpd="sng">
+                  <a14:hiddenLine xmlns="" xmlns:a14="http://schemas.microsoft.com/office/drawing/2010/main" w="12700" cap="flat" cmpd="sng">
                     <a:solidFill>
                       <a:srgbClr val="000000"/>
                     </a:solidFill>
@@ -9744,7 +9861,7 @@
                   </a14:hiddenLine>
                 </a:ext>
                 <a:ext uri="{AF507438-7753-43e0-B8FC-AC1667EBCBE1}">
-                  <a14:hiddenEffects xmlns:a14="http://schemas.microsoft.com/office/drawing/2010/main" xmlns="">
+                  <a14:hiddenEffects xmlns="" xmlns:a14="http://schemas.microsoft.com/office/drawing/2010/main">
                     <a:effectLst>
                       <a:outerShdw blurRad="63500" dist="38099" dir="2700000" algn="ctr" rotWithShape="0">
                         <a:srgbClr val="000000">
@@ -10117,7 +10234,7 @@
               <a:effectLst/>
               <a:extLst>
                 <a:ext uri="{91240B29-F687-4f45-9708-019B960494DF}">
-                  <a14:hiddenLine xmlns:a14="http://schemas.microsoft.com/office/drawing/2010/main" xmlns="" w="12700" cap="flat" cmpd="sng">
+                  <a14:hiddenLine xmlns="" xmlns:a14="http://schemas.microsoft.com/office/drawing/2010/main" w="12700" cap="flat" cmpd="sng">
                     <a:solidFill>
                       <a:srgbClr val="000000"/>
                     </a:solidFill>
@@ -10128,7 +10245,7 @@
                   </a14:hiddenLine>
                 </a:ext>
                 <a:ext uri="{AF507438-7753-43e0-B8FC-AC1667EBCBE1}">
-                  <a14:hiddenEffects xmlns:a14="http://schemas.microsoft.com/office/drawing/2010/main" xmlns="">
+                  <a14:hiddenEffects xmlns="" xmlns:a14="http://schemas.microsoft.com/office/drawing/2010/main">
                     <a:effectLst>
                       <a:outerShdw blurRad="63500" dist="38099" dir="2700000" algn="ctr" rotWithShape="0">
                         <a:srgbClr val="000000">
@@ -10452,7 +10569,7 @@
               <a:effectLst/>
               <a:extLst>
                 <a:ext uri="{91240B29-F687-4f45-9708-019B960494DF}">
-                  <a14:hiddenLine xmlns:a14="http://schemas.microsoft.com/office/drawing/2010/main" xmlns="" w="12700" cap="flat" cmpd="sng">
+                  <a14:hiddenLine xmlns="" xmlns:a14="http://schemas.microsoft.com/office/drawing/2010/main" w="12700" cap="flat" cmpd="sng">
                     <a:solidFill>
                       <a:srgbClr val="000000"/>
                     </a:solidFill>
@@ -10463,7 +10580,7 @@
                   </a14:hiddenLine>
                 </a:ext>
                 <a:ext uri="{AF507438-7753-43e0-B8FC-AC1667EBCBE1}">
-                  <a14:hiddenEffects xmlns:a14="http://schemas.microsoft.com/office/drawing/2010/main" xmlns="">
+                  <a14:hiddenEffects xmlns="" xmlns:a14="http://schemas.microsoft.com/office/drawing/2010/main">
                     <a:effectLst>
                       <a:outerShdw blurRad="63500" dist="38099" dir="2700000" algn="ctr" rotWithShape="0">
                         <a:srgbClr val="000000">
@@ -10575,7 +10692,7 @@
               <a:effectLst/>
               <a:extLst>
                 <a:ext uri="{91240B29-F687-4f45-9708-019B960494DF}">
-                  <a14:hiddenLine xmlns:a14="http://schemas.microsoft.com/office/drawing/2010/main" xmlns="" w="12700" cap="flat" cmpd="sng">
+                  <a14:hiddenLine xmlns="" xmlns:a14="http://schemas.microsoft.com/office/drawing/2010/main" w="12700" cap="flat" cmpd="sng">
                     <a:solidFill>
                       <a:srgbClr val="000000"/>
                     </a:solidFill>
@@ -10586,7 +10703,7 @@
                   </a14:hiddenLine>
                 </a:ext>
                 <a:ext uri="{AF507438-7753-43e0-B8FC-AC1667EBCBE1}">
-                  <a14:hiddenEffects xmlns:a14="http://schemas.microsoft.com/office/drawing/2010/main" xmlns="">
+                  <a14:hiddenEffects xmlns="" xmlns:a14="http://schemas.microsoft.com/office/drawing/2010/main">
                     <a:effectLst>
                       <a:outerShdw blurRad="63500" dist="38099" dir="2700000" algn="ctr" rotWithShape="0">
                         <a:srgbClr val="000000">
@@ -10692,7 +10809,7 @@
               <a:effectLst/>
               <a:extLst>
                 <a:ext uri="{91240B29-F687-4f45-9708-019B960494DF}">
-                  <a14:hiddenLine xmlns:a14="http://schemas.microsoft.com/office/drawing/2010/main" xmlns="" w="12700" cap="flat" cmpd="sng">
+                  <a14:hiddenLine xmlns="" xmlns:a14="http://schemas.microsoft.com/office/drawing/2010/main" w="12700" cap="flat" cmpd="sng">
                     <a:solidFill>
                       <a:srgbClr val="000000"/>
                     </a:solidFill>
@@ -10703,7 +10820,7 @@
                   </a14:hiddenLine>
                 </a:ext>
                 <a:ext uri="{AF507438-7753-43e0-B8FC-AC1667EBCBE1}">
-                  <a14:hiddenEffects xmlns:a14="http://schemas.microsoft.com/office/drawing/2010/main" xmlns="">
+                  <a14:hiddenEffects xmlns="" xmlns:a14="http://schemas.microsoft.com/office/drawing/2010/main">
                     <a:effectLst>
                       <a:outerShdw blurRad="63500" dist="38099" dir="2700000" algn="ctr" rotWithShape="0">
                         <a:srgbClr val="000000">
@@ -10993,7 +11110,7 @@
             <a:effectLst/>
             <a:extLst>
               <a:ext uri="{91240B29-F687-4f45-9708-019B960494DF}">
-                <a14:hiddenLine xmlns:a14="http://schemas.microsoft.com/office/drawing/2010/main" xmlns="" w="12700" cap="flat" cmpd="sng">
+                <a14:hiddenLine xmlns="" xmlns:a14="http://schemas.microsoft.com/office/drawing/2010/main" w="12700" cap="flat" cmpd="sng">
                   <a:solidFill>
                     <a:srgbClr val="000000"/>
                   </a:solidFill>
@@ -11004,7 +11121,7 @@
                 </a14:hiddenLine>
               </a:ext>
               <a:ext uri="{AF507438-7753-43e0-B8FC-AC1667EBCBE1}">
-                <a14:hiddenEffects xmlns:a14="http://schemas.microsoft.com/office/drawing/2010/main" xmlns="">
+                <a14:hiddenEffects xmlns="" xmlns:a14="http://schemas.microsoft.com/office/drawing/2010/main">
                   <a:effectLst>
                     <a:outerShdw blurRad="63500" dist="38099" dir="2700000" algn="ctr" rotWithShape="0">
                       <a:srgbClr val="000000">
@@ -11216,7 +11333,7 @@
               <a:effectLst/>
               <a:extLst>
                 <a:ext uri="{91240B29-F687-4f45-9708-019B960494DF}">
-                  <a14:hiddenLine xmlns:a14="http://schemas.microsoft.com/office/drawing/2010/main" xmlns="" w="12700" cap="flat" cmpd="sng">
+                  <a14:hiddenLine xmlns="" xmlns:a14="http://schemas.microsoft.com/office/drawing/2010/main" w="12700" cap="flat" cmpd="sng">
                     <a:solidFill>
                       <a:srgbClr val="000000"/>
                     </a:solidFill>
@@ -11227,7 +11344,7 @@
                   </a14:hiddenLine>
                 </a:ext>
                 <a:ext uri="{AF507438-7753-43e0-B8FC-AC1667EBCBE1}">
-                  <a14:hiddenEffects xmlns:a14="http://schemas.microsoft.com/office/drawing/2010/main" xmlns="">
+                  <a14:hiddenEffects xmlns="" xmlns:a14="http://schemas.microsoft.com/office/drawing/2010/main">
                     <a:effectLst>
                       <a:outerShdw blurRad="63500" dist="38099" dir="2700000" algn="ctr" rotWithShape="0">
                         <a:srgbClr val="000000">
@@ -11349,7 +11466,7 @@
               <a:effectLst/>
               <a:extLst>
                 <a:ext uri="{91240B29-F687-4f45-9708-019B960494DF}">
-                  <a14:hiddenLine xmlns:a14="http://schemas.microsoft.com/office/drawing/2010/main" xmlns="" w="12700" cap="flat" cmpd="sng">
+                  <a14:hiddenLine xmlns="" xmlns:a14="http://schemas.microsoft.com/office/drawing/2010/main" w="12700" cap="flat" cmpd="sng">
                     <a:solidFill>
                       <a:srgbClr val="000000"/>
                     </a:solidFill>
@@ -11360,7 +11477,7 @@
                   </a14:hiddenLine>
                 </a:ext>
                 <a:ext uri="{AF507438-7753-43e0-B8FC-AC1667EBCBE1}">
-                  <a14:hiddenEffects xmlns:a14="http://schemas.microsoft.com/office/drawing/2010/main" xmlns="">
+                  <a14:hiddenEffects xmlns="" xmlns:a14="http://schemas.microsoft.com/office/drawing/2010/main">
                     <a:effectLst>
                       <a:outerShdw blurRad="63500" dist="38099" dir="2700000" algn="ctr" rotWithShape="0">
                         <a:srgbClr val="000000">
@@ -11560,7 +11677,7 @@
               <a:effectLst/>
               <a:extLst>
                 <a:ext uri="{91240B29-F687-4f45-9708-019B960494DF}">
-                  <a14:hiddenLine xmlns:a14="http://schemas.microsoft.com/office/drawing/2010/main" xmlns="" w="12700" cap="flat" cmpd="sng">
+                  <a14:hiddenLine xmlns="" xmlns:a14="http://schemas.microsoft.com/office/drawing/2010/main" w="12700" cap="flat" cmpd="sng">
                     <a:solidFill>
                       <a:srgbClr val="000000"/>
                     </a:solidFill>
@@ -11571,7 +11688,7 @@
                   </a14:hiddenLine>
                 </a:ext>
                 <a:ext uri="{AF507438-7753-43e0-B8FC-AC1667EBCBE1}">
-                  <a14:hiddenEffects xmlns:a14="http://schemas.microsoft.com/office/drawing/2010/main" xmlns="">
+                  <a14:hiddenEffects xmlns="" xmlns:a14="http://schemas.microsoft.com/office/drawing/2010/main">
                     <a:effectLst>
                       <a:outerShdw blurRad="63500" dist="38099" dir="2700000" algn="ctr" rotWithShape="0">
                         <a:srgbClr val="000000">
@@ -11784,282 +11901,6 @@
           </a:fontRef>
         </p:style>
       </p:cxnSp>
-      <p:sp>
-        <p:nvSpPr>
-          <p:cNvPr id="14" name="Rectangle 13"/>
-          <p:cNvSpPr/>
-          <p:nvPr/>
-        </p:nvSpPr>
-        <p:spPr>
-          <a:xfrm>
-            <a:off x="2971800" y="1685925"/>
-            <a:ext cx="847725" cy="847725"/>
-          </a:xfrm>
-          <a:prstGeom prst="rect">
-            <a:avLst/>
-          </a:prstGeom>
-          <a:solidFill>
-            <a:schemeClr val="accent2"/>
-          </a:solidFill>
-          <a:ln>
-            <a:noFill/>
-          </a:ln>
-        </p:spPr>
-        <p:style>
-          <a:lnRef idx="2">
-            <a:schemeClr val="accent1">
-              <a:shade val="50000"/>
-            </a:schemeClr>
-          </a:lnRef>
-          <a:fillRef idx="1">
-            <a:schemeClr val="accent1"/>
-          </a:fillRef>
-          <a:effectRef idx="0">
-            <a:schemeClr val="accent1"/>
-          </a:effectRef>
-          <a:fontRef idx="minor">
-            <a:schemeClr val="lt1"/>
-          </a:fontRef>
-        </p:style>
-        <p:txBody>
-          <a:bodyPr rtlCol="0" anchor="ctr"/>
-          <a:lstStyle/>
-          <a:p>
-            <a:pPr algn="ctr"/>
-            <a:endParaRPr lang="en-US"/>
-          </a:p>
-        </p:txBody>
-      </p:sp>
-      <p:sp>
-        <p:nvSpPr>
-          <p:cNvPr id="15" name="Rectangle 14"/>
-          <p:cNvSpPr/>
-          <p:nvPr/>
-        </p:nvSpPr>
-        <p:spPr>
-          <a:xfrm>
-            <a:off x="2971800" y="4975225"/>
-            <a:ext cx="847725" cy="847725"/>
-          </a:xfrm>
-          <a:prstGeom prst="rect">
-            <a:avLst/>
-          </a:prstGeom>
-          <a:solidFill>
-            <a:schemeClr val="accent2"/>
-          </a:solidFill>
-          <a:ln>
-            <a:noFill/>
-          </a:ln>
-        </p:spPr>
-        <p:style>
-          <a:lnRef idx="2">
-            <a:schemeClr val="accent1">
-              <a:shade val="50000"/>
-            </a:schemeClr>
-          </a:lnRef>
-          <a:fillRef idx="1">
-            <a:schemeClr val="accent1"/>
-          </a:fillRef>
-          <a:effectRef idx="0">
-            <a:schemeClr val="accent1"/>
-          </a:effectRef>
-          <a:fontRef idx="minor">
-            <a:schemeClr val="lt1"/>
-          </a:fontRef>
-        </p:style>
-        <p:txBody>
-          <a:bodyPr rtlCol="0" anchor="ctr"/>
-          <a:lstStyle/>
-          <a:p>
-            <a:pPr algn="ctr"/>
-            <a:endParaRPr lang="en-US"/>
-          </a:p>
-        </p:txBody>
-      </p:sp>
-      <p:sp>
-        <p:nvSpPr>
-          <p:cNvPr id="16" name="Rectangle 15"/>
-          <p:cNvSpPr/>
-          <p:nvPr/>
-        </p:nvSpPr>
-        <p:spPr>
-          <a:xfrm>
-            <a:off x="2968052" y="3330575"/>
-            <a:ext cx="847725" cy="847725"/>
-          </a:xfrm>
-          <a:prstGeom prst="rect">
-            <a:avLst/>
-          </a:prstGeom>
-          <a:solidFill>
-            <a:schemeClr val="accent2"/>
-          </a:solidFill>
-          <a:ln>
-            <a:noFill/>
-          </a:ln>
-        </p:spPr>
-        <p:style>
-          <a:lnRef idx="2">
-            <a:schemeClr val="accent1">
-              <a:shade val="50000"/>
-            </a:schemeClr>
-          </a:lnRef>
-          <a:fillRef idx="1">
-            <a:schemeClr val="accent1"/>
-          </a:fillRef>
-          <a:effectRef idx="0">
-            <a:schemeClr val="accent1"/>
-          </a:effectRef>
-          <a:fontRef idx="minor">
-            <a:schemeClr val="lt1"/>
-          </a:fontRef>
-        </p:style>
-        <p:txBody>
-          <a:bodyPr rtlCol="0" anchor="ctr"/>
-          <a:lstStyle/>
-          <a:p>
-            <a:pPr algn="ctr"/>
-            <a:endParaRPr lang="en-US"/>
-          </a:p>
-        </p:txBody>
-      </p:sp>
-      <p:sp>
-        <p:nvSpPr>
-          <p:cNvPr id="17" name="Rectangle 16"/>
-          <p:cNvSpPr/>
-          <p:nvPr/>
-        </p:nvSpPr>
-        <p:spPr>
-          <a:xfrm>
-            <a:off x="8372475" y="1685925"/>
-            <a:ext cx="847725" cy="847725"/>
-          </a:xfrm>
-          <a:prstGeom prst="rect">
-            <a:avLst/>
-          </a:prstGeom>
-          <a:solidFill>
-            <a:schemeClr val="accent2"/>
-          </a:solidFill>
-          <a:ln>
-            <a:noFill/>
-          </a:ln>
-        </p:spPr>
-        <p:style>
-          <a:lnRef idx="2">
-            <a:schemeClr val="accent1">
-              <a:shade val="50000"/>
-            </a:schemeClr>
-          </a:lnRef>
-          <a:fillRef idx="1">
-            <a:schemeClr val="accent1"/>
-          </a:fillRef>
-          <a:effectRef idx="0">
-            <a:schemeClr val="accent1"/>
-          </a:effectRef>
-          <a:fontRef idx="minor">
-            <a:schemeClr val="lt1"/>
-          </a:fontRef>
-        </p:style>
-        <p:txBody>
-          <a:bodyPr rtlCol="0" anchor="ctr"/>
-          <a:lstStyle/>
-          <a:p>
-            <a:pPr algn="ctr"/>
-            <a:endParaRPr lang="en-US"/>
-          </a:p>
-        </p:txBody>
-      </p:sp>
-      <p:sp>
-        <p:nvSpPr>
-          <p:cNvPr id="18" name="Rectangle 17"/>
-          <p:cNvSpPr/>
-          <p:nvPr/>
-        </p:nvSpPr>
-        <p:spPr>
-          <a:xfrm>
-            <a:off x="8372475" y="4975225"/>
-            <a:ext cx="847725" cy="847725"/>
-          </a:xfrm>
-          <a:prstGeom prst="rect">
-            <a:avLst/>
-          </a:prstGeom>
-          <a:solidFill>
-            <a:schemeClr val="accent2"/>
-          </a:solidFill>
-          <a:ln>
-            <a:noFill/>
-          </a:ln>
-        </p:spPr>
-        <p:style>
-          <a:lnRef idx="2">
-            <a:schemeClr val="accent1">
-              <a:shade val="50000"/>
-            </a:schemeClr>
-          </a:lnRef>
-          <a:fillRef idx="1">
-            <a:schemeClr val="accent1"/>
-          </a:fillRef>
-          <a:effectRef idx="0">
-            <a:schemeClr val="accent1"/>
-          </a:effectRef>
-          <a:fontRef idx="minor">
-            <a:schemeClr val="lt1"/>
-          </a:fontRef>
-        </p:style>
-        <p:txBody>
-          <a:bodyPr rtlCol="0" anchor="ctr"/>
-          <a:lstStyle/>
-          <a:p>
-            <a:pPr algn="ctr"/>
-            <a:endParaRPr lang="en-US"/>
-          </a:p>
-        </p:txBody>
-      </p:sp>
-      <p:sp>
-        <p:nvSpPr>
-          <p:cNvPr id="19" name="Rectangle 18"/>
-          <p:cNvSpPr/>
-          <p:nvPr/>
-        </p:nvSpPr>
-        <p:spPr>
-          <a:xfrm>
-            <a:off x="8368727" y="3330575"/>
-            <a:ext cx="847725" cy="847725"/>
-          </a:xfrm>
-          <a:prstGeom prst="rect">
-            <a:avLst/>
-          </a:prstGeom>
-          <a:solidFill>
-            <a:schemeClr val="accent2"/>
-          </a:solidFill>
-          <a:ln>
-            <a:noFill/>
-          </a:ln>
-        </p:spPr>
-        <p:style>
-          <a:lnRef idx="2">
-            <a:schemeClr val="accent1">
-              <a:shade val="50000"/>
-            </a:schemeClr>
-          </a:lnRef>
-          <a:fillRef idx="1">
-            <a:schemeClr val="accent1"/>
-          </a:fillRef>
-          <a:effectRef idx="0">
-            <a:schemeClr val="accent1"/>
-          </a:effectRef>
-          <a:fontRef idx="minor">
-            <a:schemeClr val="lt1"/>
-          </a:fontRef>
-        </p:style>
-        <p:txBody>
-          <a:bodyPr rtlCol="0" anchor="ctr"/>
-          <a:lstStyle/>
-          <a:p>
-            <a:pPr algn="ctr"/>
-            <a:endParaRPr lang="en-US"/>
-          </a:p>
-        </p:txBody>
-      </p:sp>
       <p:grpSp>
         <p:nvGrpSpPr>
           <p:cNvPr id="30" name="Group 29"/>
@@ -12158,7 +11999,7 @@
         </p:nvGrpSpPr>
         <p:grpSpPr>
           <a:xfrm>
-            <a:off x="438150" y="1841704"/>
+            <a:off x="438150" y="1712690"/>
             <a:ext cx="2520950" cy="798297"/>
             <a:chOff x="285750" y="1689304"/>
             <a:chExt cx="2520950" cy="798297"/>
@@ -12600,6 +12441,4253 @@
           </p:txBody>
         </p:sp>
       </p:grpSp>
+      <p:cxnSp>
+        <p:nvCxnSpPr>
+          <p:cNvPr id="6" name="Straight Connector 5"/>
+          <p:cNvCxnSpPr/>
+          <p:nvPr/>
+        </p:nvCxnSpPr>
+        <p:spPr>
+          <a:xfrm>
+            <a:off x="6191250" y="2109787"/>
+            <a:ext cx="0" cy="3289300"/>
+          </a:xfrm>
+          <a:prstGeom prst="line">
+            <a:avLst/>
+          </a:prstGeom>
+          <a:ln w="28575" cap="rnd">
+            <a:solidFill>
+              <a:schemeClr val="bg2">
+                <a:lumMod val="50000"/>
+              </a:schemeClr>
+            </a:solidFill>
+            <a:prstDash val="sysDot"/>
+          </a:ln>
+        </p:spPr>
+        <p:style>
+          <a:lnRef idx="1">
+            <a:schemeClr val="accent1"/>
+          </a:lnRef>
+          <a:fillRef idx="0">
+            <a:schemeClr val="accent1"/>
+          </a:fillRef>
+          <a:effectRef idx="0">
+            <a:schemeClr val="accent1"/>
+          </a:effectRef>
+          <a:fontRef idx="minor">
+            <a:schemeClr val="tx1"/>
+          </a:fontRef>
+        </p:style>
+      </p:cxnSp>
+      <p:cxnSp>
+        <p:nvCxnSpPr>
+          <p:cNvPr id="46" name="Straight Connector 45"/>
+          <p:cNvCxnSpPr>
+            <a:stCxn id="14" idx="3"/>
+            <a:endCxn id="17" idx="1"/>
+          </p:cNvCxnSpPr>
+          <p:nvPr/>
+        </p:nvCxnSpPr>
+        <p:spPr>
+          <a:xfrm>
+            <a:off x="3819525" y="2109788"/>
+            <a:ext cx="4552950" cy="0"/>
+          </a:xfrm>
+          <a:prstGeom prst="line">
+            <a:avLst/>
+          </a:prstGeom>
+          <a:ln w="28575" cap="rnd">
+            <a:solidFill>
+              <a:schemeClr val="bg2">
+                <a:lumMod val="50000"/>
+              </a:schemeClr>
+            </a:solidFill>
+            <a:prstDash val="sysDot"/>
+          </a:ln>
+        </p:spPr>
+        <p:style>
+          <a:lnRef idx="1">
+            <a:schemeClr val="accent1"/>
+          </a:lnRef>
+          <a:fillRef idx="0">
+            <a:schemeClr val="accent1"/>
+          </a:fillRef>
+          <a:effectRef idx="0">
+            <a:schemeClr val="accent1"/>
+          </a:effectRef>
+          <a:fontRef idx="minor">
+            <a:schemeClr val="tx1"/>
+          </a:fontRef>
+        </p:style>
+      </p:cxnSp>
+      <p:cxnSp>
+        <p:nvCxnSpPr>
+          <p:cNvPr id="47" name="Straight Connector 46"/>
+          <p:cNvCxnSpPr>
+            <a:stCxn id="16" idx="3"/>
+            <a:endCxn id="19" idx="1"/>
+          </p:cNvCxnSpPr>
+          <p:nvPr/>
+        </p:nvCxnSpPr>
+        <p:spPr>
+          <a:xfrm>
+            <a:off x="3815777" y="3754438"/>
+            <a:ext cx="4552950" cy="0"/>
+          </a:xfrm>
+          <a:prstGeom prst="line">
+            <a:avLst/>
+          </a:prstGeom>
+          <a:ln w="28575" cap="rnd">
+            <a:solidFill>
+              <a:schemeClr val="bg2">
+                <a:lumMod val="50000"/>
+              </a:schemeClr>
+            </a:solidFill>
+            <a:prstDash val="sysDot"/>
+          </a:ln>
+        </p:spPr>
+        <p:style>
+          <a:lnRef idx="1">
+            <a:schemeClr val="accent1"/>
+          </a:lnRef>
+          <a:fillRef idx="0">
+            <a:schemeClr val="accent1"/>
+          </a:fillRef>
+          <a:effectRef idx="0">
+            <a:schemeClr val="accent1"/>
+          </a:effectRef>
+          <a:fontRef idx="minor">
+            <a:schemeClr val="tx1"/>
+          </a:fontRef>
+        </p:style>
+      </p:cxnSp>
+      <p:cxnSp>
+        <p:nvCxnSpPr>
+          <p:cNvPr id="48" name="Straight Connector 47"/>
+          <p:cNvCxnSpPr>
+            <a:stCxn id="15" idx="3"/>
+            <a:endCxn id="18" idx="1"/>
+          </p:cNvCxnSpPr>
+          <p:nvPr/>
+        </p:nvCxnSpPr>
+        <p:spPr>
+          <a:xfrm>
+            <a:off x="3819525" y="5399088"/>
+            <a:ext cx="4552950" cy="0"/>
+          </a:xfrm>
+          <a:prstGeom prst="line">
+            <a:avLst/>
+          </a:prstGeom>
+          <a:ln w="28575" cap="rnd">
+            <a:solidFill>
+              <a:schemeClr val="bg2">
+                <a:lumMod val="50000"/>
+              </a:schemeClr>
+            </a:solidFill>
+            <a:prstDash val="sysDot"/>
+          </a:ln>
+        </p:spPr>
+        <p:style>
+          <a:lnRef idx="1">
+            <a:schemeClr val="accent1"/>
+          </a:lnRef>
+          <a:fillRef idx="0">
+            <a:schemeClr val="accent1"/>
+          </a:fillRef>
+          <a:effectRef idx="0">
+            <a:schemeClr val="accent1"/>
+          </a:effectRef>
+          <a:fontRef idx="minor">
+            <a:schemeClr val="tx1"/>
+          </a:fontRef>
+        </p:style>
+      </p:cxnSp>
+      <p:grpSp>
+        <p:nvGrpSpPr>
+          <p:cNvPr id="87" name="Group 86"/>
+          <p:cNvGrpSpPr/>
+          <p:nvPr/>
+        </p:nvGrpSpPr>
+        <p:grpSpPr>
+          <a:xfrm>
+            <a:off x="8372475" y="1685925"/>
+            <a:ext cx="847725" cy="847725"/>
+            <a:chOff x="8372475" y="1685925"/>
+            <a:chExt cx="847725" cy="847725"/>
+          </a:xfrm>
+        </p:grpSpPr>
+        <p:sp>
+          <p:nvSpPr>
+            <p:cNvPr id="17" name="Rectangle 16"/>
+            <p:cNvSpPr/>
+            <p:nvPr/>
+          </p:nvSpPr>
+          <p:spPr>
+            <a:xfrm>
+              <a:off x="8372475" y="1685925"/>
+              <a:ext cx="847725" cy="847725"/>
+            </a:xfrm>
+            <a:prstGeom prst="rect">
+              <a:avLst/>
+            </a:prstGeom>
+            <a:solidFill>
+              <a:schemeClr val="bg2">
+                <a:lumMod val="25000"/>
+              </a:schemeClr>
+            </a:solidFill>
+            <a:ln>
+              <a:noFill/>
+            </a:ln>
+          </p:spPr>
+          <p:style>
+            <a:lnRef idx="2">
+              <a:schemeClr val="accent1">
+                <a:shade val="50000"/>
+              </a:schemeClr>
+            </a:lnRef>
+            <a:fillRef idx="1">
+              <a:schemeClr val="accent1"/>
+            </a:fillRef>
+            <a:effectRef idx="0">
+              <a:schemeClr val="accent1"/>
+            </a:effectRef>
+            <a:fontRef idx="minor">
+              <a:schemeClr val="lt1"/>
+            </a:fontRef>
+          </p:style>
+          <p:txBody>
+            <a:bodyPr rtlCol="0" anchor="ctr"/>
+            <a:lstStyle/>
+            <a:p>
+              <a:pPr algn="ctr"/>
+              <a:endParaRPr lang="en-US"/>
+            </a:p>
+          </p:txBody>
+        </p:sp>
+        <p:grpSp>
+          <p:nvGrpSpPr>
+            <p:cNvPr id="66" name="Group 65"/>
+            <p:cNvGrpSpPr/>
+            <p:nvPr/>
+          </p:nvGrpSpPr>
+          <p:grpSpPr>
+            <a:xfrm>
+              <a:off x="8628225" y="1865337"/>
+              <a:ext cx="336224" cy="488901"/>
+              <a:chOff x="10116474" y="2042327"/>
+              <a:chExt cx="336224" cy="488901"/>
+            </a:xfrm>
+            <a:solidFill>
+              <a:schemeClr val="bg1"/>
+            </a:solidFill>
+          </p:grpSpPr>
+          <p:sp>
+            <p:nvSpPr>
+              <p:cNvPr id="67" name="AutoShape 30"/>
+              <p:cNvSpPr>
+                <a:spLocks/>
+              </p:cNvSpPr>
+              <p:nvPr/>
+            </p:nvSpPr>
+            <p:spPr bwMode="auto">
+              <a:xfrm>
+                <a:off x="10116474" y="2042327"/>
+                <a:ext cx="336224" cy="488901"/>
+              </a:xfrm>
+              <a:custGeom>
+                <a:avLst/>
+                <a:gdLst>
+                  <a:gd name="T0" fmla="*/ 10383 w 20767"/>
+                  <a:gd name="T1" fmla="*/ 10800 h 21600"/>
+                  <a:gd name="T2" fmla="*/ 10383 w 20767"/>
+                  <a:gd name="T3" fmla="*/ 10800 h 21600"/>
+                  <a:gd name="T4" fmla="*/ 10383 w 20767"/>
+                  <a:gd name="T5" fmla="*/ 10800 h 21600"/>
+                  <a:gd name="T6" fmla="*/ 10383 w 20767"/>
+                  <a:gd name="T7" fmla="*/ 10800 h 21600"/>
+                </a:gdLst>
+                <a:ahLst/>
+                <a:cxnLst>
+                  <a:cxn ang="0">
+                    <a:pos x="T0" y="T1"/>
+                  </a:cxn>
+                  <a:cxn ang="0">
+                    <a:pos x="T2" y="T3"/>
+                  </a:cxn>
+                  <a:cxn ang="0">
+                    <a:pos x="T4" y="T5"/>
+                  </a:cxn>
+                  <a:cxn ang="0">
+                    <a:pos x="T6" y="T7"/>
+                  </a:cxn>
+                </a:cxnLst>
+                <a:rect l="0" t="0" r="r" b="b"/>
+                <a:pathLst>
+                  <a:path w="20767" h="21600">
+                    <a:moveTo>
+                      <a:pt x="18566" y="16551"/>
+                    </a:moveTo>
+                    <a:cubicBezTo>
+                      <a:pt x="17960" y="18284"/>
+                      <a:pt x="17274" y="20249"/>
+                      <a:pt x="9436" y="20249"/>
+                    </a:cubicBezTo>
+                    <a:cubicBezTo>
+                      <a:pt x="4711" y="20249"/>
+                      <a:pt x="1888" y="17809"/>
+                      <a:pt x="1888" y="15451"/>
+                    </a:cubicBezTo>
+                    <a:cubicBezTo>
+                      <a:pt x="1888" y="13645"/>
+                      <a:pt x="2349" y="12161"/>
+                      <a:pt x="2835" y="10591"/>
+                    </a:cubicBezTo>
+                    <a:cubicBezTo>
+                      <a:pt x="3454" y="8600"/>
+                      <a:pt x="4088" y="6563"/>
+                      <a:pt x="3813" y="3868"/>
+                    </a:cubicBezTo>
+                    <a:cubicBezTo>
+                      <a:pt x="6723" y="6750"/>
+                      <a:pt x="7759" y="10567"/>
+                      <a:pt x="7759" y="10567"/>
+                    </a:cubicBezTo>
+                    <a:cubicBezTo>
+                      <a:pt x="7759" y="10567"/>
+                      <a:pt x="10468" y="7846"/>
+                      <a:pt x="11196" y="6582"/>
+                    </a:cubicBezTo>
+                    <a:cubicBezTo>
+                      <a:pt x="11755" y="7395"/>
+                      <a:pt x="12267" y="10124"/>
+                      <a:pt x="12267" y="12825"/>
+                    </a:cubicBezTo>
+                    <a:cubicBezTo>
+                      <a:pt x="12267" y="12825"/>
+                      <a:pt x="14773" y="11347"/>
+                      <a:pt x="16653" y="9127"/>
+                    </a:cubicBezTo>
+                    <a:cubicBezTo>
+                      <a:pt x="18632" y="11666"/>
+                      <a:pt x="19346" y="14320"/>
+                      <a:pt x="18566" y="16551"/>
+                    </a:cubicBezTo>
+                    <a:moveTo>
+                      <a:pt x="16041" y="6075"/>
+                    </a:moveTo>
+                    <a:cubicBezTo>
+                      <a:pt x="15982" y="7879"/>
+                      <a:pt x="14088" y="9404"/>
+                      <a:pt x="14088" y="9404"/>
+                    </a:cubicBezTo>
+                    <a:cubicBezTo>
+                      <a:pt x="14088" y="6046"/>
+                      <a:pt x="10380" y="3375"/>
+                      <a:pt x="10380" y="3375"/>
+                    </a:cubicBezTo>
+                    <a:cubicBezTo>
+                      <a:pt x="10380" y="3375"/>
+                      <a:pt x="10330" y="5373"/>
+                      <a:pt x="8452" y="7389"/>
+                    </a:cubicBezTo>
+                    <a:cubicBezTo>
+                      <a:pt x="6574" y="2686"/>
+                      <a:pt x="938" y="0"/>
+                      <a:pt x="938" y="0"/>
+                    </a:cubicBezTo>
+                    <a:cubicBezTo>
+                      <a:pt x="3756" y="7389"/>
+                      <a:pt x="0" y="10076"/>
+                      <a:pt x="0" y="15451"/>
+                    </a:cubicBezTo>
+                    <a:cubicBezTo>
+                      <a:pt x="0" y="18604"/>
+                      <a:pt x="3730" y="21599"/>
+                      <a:pt x="9436" y="21599"/>
+                    </a:cubicBezTo>
+                    <a:cubicBezTo>
+                      <a:pt x="17888" y="21599"/>
+                      <a:pt x="19523" y="19379"/>
+                      <a:pt x="20396" y="16878"/>
+                    </a:cubicBezTo>
+                    <a:cubicBezTo>
+                      <a:pt x="21599" y="13436"/>
+                      <a:pt x="19797" y="9432"/>
+                      <a:pt x="16041" y="6075"/>
+                    </a:cubicBezTo>
+                  </a:path>
+                </a:pathLst>
+              </a:custGeom>
+              <a:grpFill/>
+              <a:ln>
+                <a:noFill/>
+              </a:ln>
+              <a:effectLst/>
+              <a:extLst>
+                <a:ext uri="{91240B29-F687-4f45-9708-019B960494DF}">
+                  <a14:hiddenLine xmlns:a14="http://schemas.microsoft.com/office/drawing/2010/main" xmlns="" w="12700" cap="flat" cmpd="sng">
+                    <a:solidFill>
+                      <a:srgbClr val="000000"/>
+                    </a:solidFill>
+                    <a:prstDash val="solid"/>
+                    <a:miter lim="0"/>
+                    <a:headEnd/>
+                    <a:tailEnd/>
+                  </a14:hiddenLine>
+                </a:ext>
+                <a:ext uri="{AF507438-7753-43e0-B8FC-AC1667EBCBE1}">
+                  <a14:hiddenEffects xmlns:a14="http://schemas.microsoft.com/office/drawing/2010/main" xmlns="">
+                    <a:effectLst>
+                      <a:outerShdw blurRad="63500" dist="38099" dir="2700000" algn="ctr" rotWithShape="0">
+                        <a:srgbClr val="000000">
+                          <a:alpha val="74998"/>
+                        </a:srgbClr>
+                      </a:outerShdw>
+                    </a:effectLst>
+                  </a14:hiddenEffects>
+                </a:ext>
+              </a:extLst>
+            </p:spPr>
+            <p:txBody>
+              <a:bodyPr lIns="50800" tIns="50800" rIns="50800" bIns="50800" anchor="ctr"/>
+              <a:lstStyle/>
+              <a:p>
+                <a:pPr defTabSz="609585"/>
+                <a:endParaRPr lang="en-US" sz="4000" dirty="0">
+                  <a:solidFill>
+                    <a:srgbClr val="FFFFFF"/>
+                  </a:solidFill>
+                  <a:effectLst>
+                    <a:outerShdw blurRad="38100" dist="38100" dir="2700000" algn="tl">
+                      <a:srgbClr val="000000"/>
+                    </a:outerShdw>
+                  </a:effectLst>
+                </a:endParaRPr>
+              </a:p>
+            </p:txBody>
+          </p:sp>
+          <p:sp>
+            <p:nvSpPr>
+              <p:cNvPr id="68" name="AutoShape 31"/>
+              <p:cNvSpPr>
+                <a:spLocks/>
+              </p:cNvSpPr>
+              <p:nvPr/>
+            </p:nvSpPr>
+            <p:spPr bwMode="auto">
+              <a:xfrm>
+                <a:off x="10178213" y="2255912"/>
+                <a:ext cx="216084" cy="175204"/>
+              </a:xfrm>
+              <a:custGeom>
+                <a:avLst/>
+                <a:gdLst>
+                  <a:gd name="T0" fmla="*/ 10641 w 21282"/>
+                  <a:gd name="T1" fmla="*/ 10800 h 21600"/>
+                  <a:gd name="T2" fmla="*/ 10641 w 21282"/>
+                  <a:gd name="T3" fmla="*/ 10800 h 21600"/>
+                  <a:gd name="T4" fmla="*/ 10641 w 21282"/>
+                  <a:gd name="T5" fmla="*/ 10800 h 21600"/>
+                  <a:gd name="T6" fmla="*/ 10641 w 21282"/>
+                  <a:gd name="T7" fmla="*/ 10800 h 21600"/>
+                </a:gdLst>
+                <a:ahLst/>
+                <a:cxnLst>
+                  <a:cxn ang="0">
+                    <a:pos x="T0" y="T1"/>
+                  </a:cxn>
+                  <a:cxn ang="0">
+                    <a:pos x="T2" y="T3"/>
+                  </a:cxn>
+                  <a:cxn ang="0">
+                    <a:pos x="T4" y="T5"/>
+                  </a:cxn>
+                  <a:cxn ang="0">
+                    <a:pos x="T6" y="T7"/>
+                  </a:cxn>
+                </a:cxnLst>
+                <a:rect l="0" t="0" r="r" b="b"/>
+                <a:pathLst>
+                  <a:path w="21282" h="21600">
+                    <a:moveTo>
+                      <a:pt x="20698" y="5891"/>
+                    </a:moveTo>
+                    <a:lnTo>
+                      <a:pt x="19424" y="7749"/>
+                    </a:lnTo>
+                    <a:cubicBezTo>
+                      <a:pt x="17846" y="10064"/>
+                      <a:pt x="16352" y="12259"/>
+                      <a:pt x="12365" y="14784"/>
+                    </a:cubicBezTo>
+                    <a:cubicBezTo>
+                      <a:pt x="11794" y="12631"/>
+                      <a:pt x="11275" y="10259"/>
+                      <a:pt x="11275" y="6631"/>
+                    </a:cubicBezTo>
+                    <a:lnTo>
+                      <a:pt x="11275" y="3408"/>
+                    </a:lnTo>
+                    <a:lnTo>
+                      <a:pt x="9000" y="7893"/>
+                    </a:lnTo>
+                    <a:cubicBezTo>
+                      <a:pt x="8233" y="9421"/>
+                      <a:pt x="7598" y="10690"/>
+                      <a:pt x="6649" y="12373"/>
+                    </a:cubicBezTo>
+                    <a:cubicBezTo>
+                      <a:pt x="5211" y="8296"/>
+                      <a:pt x="4195" y="5281"/>
+                      <a:pt x="3422" y="2545"/>
+                    </a:cubicBezTo>
+                    <a:lnTo>
+                      <a:pt x="2705" y="0"/>
+                    </a:lnTo>
+                    <a:lnTo>
+                      <a:pt x="1926" y="2847"/>
+                    </a:lnTo>
+                    <a:cubicBezTo>
+                      <a:pt x="936" y="6469"/>
+                      <a:pt x="0" y="9891"/>
+                      <a:pt x="0" y="18771"/>
+                    </a:cubicBezTo>
+                    <a:cubicBezTo>
+                      <a:pt x="0" y="19292"/>
+                      <a:pt x="333" y="19714"/>
+                      <a:pt x="749" y="19714"/>
+                    </a:cubicBezTo>
+                    <a:cubicBezTo>
+                      <a:pt x="1162" y="19714"/>
+                      <a:pt x="1499" y="19292"/>
+                      <a:pt x="1499" y="18771"/>
+                    </a:cubicBezTo>
+                    <a:cubicBezTo>
+                      <a:pt x="1499" y="11964"/>
+                      <a:pt x="2037" y="8594"/>
+                      <a:pt x="2758" y="5681"/>
+                    </a:cubicBezTo>
+                    <a:cubicBezTo>
+                      <a:pt x="3537" y="8174"/>
+                      <a:pt x="4520" y="11009"/>
+                      <a:pt x="5812" y="14638"/>
+                    </a:cubicBezTo>
+                    <a:lnTo>
+                      <a:pt x="6339" y="16117"/>
+                    </a:lnTo>
+                    <a:lnTo>
+                      <a:pt x="7100" y="14811"/>
+                    </a:lnTo>
+                    <a:cubicBezTo>
+                      <a:pt x="8344" y="12681"/>
+                      <a:pt x="9085" y="11248"/>
+                      <a:pt x="9896" y="9638"/>
+                    </a:cubicBezTo>
+                    <a:cubicBezTo>
+                      <a:pt x="10133" y="12428"/>
+                      <a:pt x="10681" y="14428"/>
+                      <a:pt x="11223" y="16408"/>
+                    </a:cubicBezTo>
+                    <a:lnTo>
+                      <a:pt x="11495" y="17404"/>
+                    </a:lnTo>
+                    <a:lnTo>
+                      <a:pt x="12253" y="16953"/>
+                    </a:lnTo>
+                    <a:cubicBezTo>
+                      <a:pt x="16306" y="14531"/>
+                      <a:pt x="18203" y="12327"/>
+                      <a:pt x="19708" y="10211"/>
+                    </a:cubicBezTo>
+                    <a:cubicBezTo>
+                      <a:pt x="19942" y="13727"/>
+                      <a:pt x="19573" y="17574"/>
+                      <a:pt x="18698" y="20305"/>
+                    </a:cubicBezTo>
+                    <a:cubicBezTo>
+                      <a:pt x="18543" y="20787"/>
+                      <a:pt x="18730" y="21336"/>
+                      <a:pt x="19114" y="21531"/>
+                    </a:cubicBezTo>
+                    <a:cubicBezTo>
+                      <a:pt x="19204" y="21577"/>
+                      <a:pt x="19301" y="21599"/>
+                      <a:pt x="19395" y="21599"/>
+                    </a:cubicBezTo>
+                    <a:cubicBezTo>
+                      <a:pt x="19690" y="21599"/>
+                      <a:pt x="19972" y="21377"/>
+                      <a:pt x="20089" y="21008"/>
+                    </a:cubicBezTo>
+                    <a:cubicBezTo>
+                      <a:pt x="21251" y="17380"/>
+                      <a:pt x="21600" y="12213"/>
+                      <a:pt x="20976" y="7841"/>
+                    </a:cubicBezTo>
+                    <a:cubicBezTo>
+                      <a:pt x="20976" y="7841"/>
+                      <a:pt x="20698" y="5891"/>
+                      <a:pt x="20698" y="5891"/>
+                    </a:cubicBezTo>
+                    <a:close/>
+                  </a:path>
+                </a:pathLst>
+              </a:custGeom>
+              <a:grpFill/>
+              <a:ln>
+                <a:noFill/>
+              </a:ln>
+              <a:effectLst/>
+              <a:extLst>
+                <a:ext uri="{91240B29-F687-4f45-9708-019B960494DF}">
+                  <a14:hiddenLine xmlns:a14="http://schemas.microsoft.com/office/drawing/2010/main" xmlns="" w="12700" cap="flat" cmpd="sng">
+                    <a:solidFill>
+                      <a:srgbClr val="000000"/>
+                    </a:solidFill>
+                    <a:prstDash val="solid"/>
+                    <a:miter lim="0"/>
+                    <a:headEnd/>
+                    <a:tailEnd/>
+                  </a14:hiddenLine>
+                </a:ext>
+                <a:ext uri="{AF507438-7753-43e0-B8FC-AC1667EBCBE1}">
+                  <a14:hiddenEffects xmlns:a14="http://schemas.microsoft.com/office/drawing/2010/main" xmlns="">
+                    <a:effectLst>
+                      <a:outerShdw blurRad="63500" dist="38099" dir="2700000" algn="ctr" rotWithShape="0">
+                        <a:srgbClr val="000000">
+                          <a:alpha val="74998"/>
+                        </a:srgbClr>
+                      </a:outerShdw>
+                    </a:effectLst>
+                  </a14:hiddenEffects>
+                </a:ext>
+              </a:extLst>
+            </p:spPr>
+            <p:txBody>
+              <a:bodyPr lIns="50800" tIns="50800" rIns="50800" bIns="50800" anchor="ctr"/>
+              <a:lstStyle/>
+              <a:p>
+                <a:pPr defTabSz="609585"/>
+                <a:endParaRPr lang="en-US" sz="4000" dirty="0">
+                  <a:solidFill>
+                    <a:srgbClr val="FFFFFF"/>
+                  </a:solidFill>
+                  <a:effectLst>
+                    <a:outerShdw blurRad="38100" dist="38100" dir="2700000" algn="tl">
+                      <a:srgbClr val="000000"/>
+                    </a:outerShdw>
+                  </a:effectLst>
+                </a:endParaRPr>
+              </a:p>
+            </p:txBody>
+          </p:sp>
+        </p:grpSp>
+      </p:grpSp>
+      <p:grpSp>
+        <p:nvGrpSpPr>
+          <p:cNvPr id="88" name="Group 87"/>
+          <p:cNvGrpSpPr/>
+          <p:nvPr/>
+        </p:nvGrpSpPr>
+        <p:grpSpPr>
+          <a:xfrm>
+            <a:off x="8368727" y="3330575"/>
+            <a:ext cx="847725" cy="847725"/>
+            <a:chOff x="8368727" y="3330575"/>
+            <a:chExt cx="847725" cy="847725"/>
+          </a:xfrm>
+        </p:grpSpPr>
+        <p:sp>
+          <p:nvSpPr>
+            <p:cNvPr id="19" name="Rectangle 18"/>
+            <p:cNvSpPr/>
+            <p:nvPr/>
+          </p:nvSpPr>
+          <p:spPr>
+            <a:xfrm>
+              <a:off x="8368727" y="3330575"/>
+              <a:ext cx="847725" cy="847725"/>
+            </a:xfrm>
+            <a:prstGeom prst="rect">
+              <a:avLst/>
+            </a:prstGeom>
+            <a:solidFill>
+              <a:schemeClr val="accent3">
+                <a:lumMod val="75000"/>
+              </a:schemeClr>
+            </a:solidFill>
+            <a:ln>
+              <a:noFill/>
+            </a:ln>
+          </p:spPr>
+          <p:style>
+            <a:lnRef idx="2">
+              <a:schemeClr val="accent1">
+                <a:shade val="50000"/>
+              </a:schemeClr>
+            </a:lnRef>
+            <a:fillRef idx="1">
+              <a:schemeClr val="accent1"/>
+            </a:fillRef>
+            <a:effectRef idx="0">
+              <a:schemeClr val="accent1"/>
+            </a:effectRef>
+            <a:fontRef idx="minor">
+              <a:schemeClr val="lt1"/>
+            </a:fontRef>
+          </p:style>
+          <p:txBody>
+            <a:bodyPr rtlCol="0" anchor="ctr"/>
+            <a:lstStyle/>
+            <a:p>
+              <a:pPr algn="ctr"/>
+              <a:endParaRPr lang="en-US"/>
+            </a:p>
+          </p:txBody>
+        </p:sp>
+        <p:grpSp>
+          <p:nvGrpSpPr>
+            <p:cNvPr id="69" name="Group 68"/>
+            <p:cNvGrpSpPr/>
+            <p:nvPr/>
+          </p:nvGrpSpPr>
+          <p:grpSpPr>
+            <a:xfrm>
+              <a:off x="8548555" y="3509987"/>
+              <a:ext cx="488068" cy="488901"/>
+              <a:chOff x="7111316" y="2042329"/>
+              <a:chExt cx="488068" cy="488901"/>
+            </a:xfrm>
+            <a:solidFill>
+              <a:schemeClr val="bg1"/>
+            </a:solidFill>
+          </p:grpSpPr>
+          <p:sp>
+            <p:nvSpPr>
+              <p:cNvPr id="70" name="AutoShape 37"/>
+              <p:cNvSpPr>
+                <a:spLocks/>
+              </p:cNvSpPr>
+              <p:nvPr/>
+            </p:nvSpPr>
+            <p:spPr bwMode="auto">
+              <a:xfrm>
+                <a:off x="7111316" y="2088214"/>
+                <a:ext cx="444684" cy="443016"/>
+              </a:xfrm>
+              <a:custGeom>
+                <a:avLst/>
+                <a:gdLst>
+                  <a:gd name="T0" fmla="+- 0 10849 98"/>
+                  <a:gd name="T1" fmla="*/ T0 w 21502"/>
+                  <a:gd name="T2" fmla="*/ 10800 h 21600"/>
+                  <a:gd name="T3" fmla="+- 0 10849 98"/>
+                  <a:gd name="T4" fmla="*/ T3 w 21502"/>
+                  <a:gd name="T5" fmla="*/ 10800 h 21600"/>
+                  <a:gd name="T6" fmla="+- 0 10849 98"/>
+                  <a:gd name="T7" fmla="*/ T6 w 21502"/>
+                  <a:gd name="T8" fmla="*/ 10800 h 21600"/>
+                  <a:gd name="T9" fmla="+- 0 10849 98"/>
+                  <a:gd name="T10" fmla="*/ T9 w 21502"/>
+                  <a:gd name="T11" fmla="*/ 10800 h 21600"/>
+                </a:gdLst>
+                <a:ahLst/>
+                <a:cxnLst>
+                  <a:cxn ang="0">
+                    <a:pos x="T1" y="T2"/>
+                  </a:cxn>
+                  <a:cxn ang="0">
+                    <a:pos x="T4" y="T5"/>
+                  </a:cxn>
+                  <a:cxn ang="0">
+                    <a:pos x="T7" y="T8"/>
+                  </a:cxn>
+                  <a:cxn ang="0">
+                    <a:pos x="T10" y="T11"/>
+                  </a:cxn>
+                </a:cxnLst>
+                <a:rect l="0" t="0" r="r" b="b"/>
+                <a:pathLst>
+                  <a:path w="21502" h="21600">
+                    <a:moveTo>
+                      <a:pt x="19917" y="7880"/>
+                    </a:moveTo>
+                    <a:lnTo>
+                      <a:pt x="18875" y="8932"/>
+                    </a:lnTo>
+                    <a:cubicBezTo>
+                      <a:pt x="18730" y="9079"/>
+                      <a:pt x="18497" y="9079"/>
+                      <a:pt x="18353" y="8932"/>
+                    </a:cubicBezTo>
+                    <a:lnTo>
+                      <a:pt x="17048" y="7617"/>
+                    </a:lnTo>
+                    <a:lnTo>
+                      <a:pt x="15991" y="10290"/>
+                    </a:lnTo>
+                    <a:lnTo>
+                      <a:pt x="16080" y="10064"/>
+                    </a:lnTo>
+                    <a:cubicBezTo>
+                      <a:pt x="13859" y="7826"/>
+                      <a:pt x="11601" y="7544"/>
+                      <a:pt x="9565" y="7291"/>
+                    </a:cubicBezTo>
+                    <a:cubicBezTo>
+                      <a:pt x="8910" y="7210"/>
+                      <a:pt x="8276" y="7126"/>
+                      <a:pt x="7652" y="6990"/>
+                    </a:cubicBezTo>
+                    <a:lnTo>
+                      <a:pt x="13918" y="4456"/>
+                    </a:lnTo>
+                    <a:lnTo>
+                      <a:pt x="12652" y="3179"/>
+                    </a:lnTo>
+                    <a:cubicBezTo>
+                      <a:pt x="12508" y="3033"/>
+                      <a:pt x="12508" y="2798"/>
+                      <a:pt x="12652" y="2652"/>
+                    </a:cubicBezTo>
+                    <a:lnTo>
+                      <a:pt x="13695" y="1598"/>
+                    </a:lnTo>
+                    <a:cubicBezTo>
+                      <a:pt x="13840" y="1453"/>
+                      <a:pt x="14073" y="1453"/>
+                      <a:pt x="14217" y="1598"/>
+                    </a:cubicBezTo>
+                    <a:lnTo>
+                      <a:pt x="19917" y="7353"/>
+                    </a:lnTo>
+                    <a:cubicBezTo>
+                      <a:pt x="20062" y="7499"/>
+                      <a:pt x="20062" y="7734"/>
+                      <a:pt x="19917" y="7880"/>
+                    </a:cubicBezTo>
+                    <a:moveTo>
+                      <a:pt x="12292" y="19639"/>
+                    </a:moveTo>
+                    <a:cubicBezTo>
+                      <a:pt x="12200" y="19872"/>
+                      <a:pt x="11999" y="20044"/>
+                      <a:pt x="11756" y="20095"/>
+                    </a:cubicBezTo>
+                    <a:cubicBezTo>
+                      <a:pt x="11700" y="20106"/>
+                      <a:pt x="11643" y="20111"/>
+                      <a:pt x="11587" y="20110"/>
+                    </a:cubicBezTo>
+                    <a:cubicBezTo>
+                      <a:pt x="11400" y="20105"/>
+                      <a:pt x="11219" y="20030"/>
+                      <a:pt x="11084" y="19892"/>
+                    </a:cubicBezTo>
+                    <a:lnTo>
+                      <a:pt x="1692" y="10517"/>
+                    </a:lnTo>
+                    <a:cubicBezTo>
+                      <a:pt x="1519" y="10343"/>
+                      <a:pt x="1443" y="10094"/>
+                      <a:pt x="1488" y="9852"/>
+                    </a:cubicBezTo>
+                    <a:cubicBezTo>
+                      <a:pt x="1533" y="9610"/>
+                      <a:pt x="1695" y="9407"/>
+                      <a:pt x="1917" y="9308"/>
+                    </a:cubicBezTo>
+                    <a:lnTo>
+                      <a:pt x="6505" y="7453"/>
+                    </a:lnTo>
+                    <a:cubicBezTo>
+                      <a:pt x="9597" y="8490"/>
+                      <a:pt x="12689" y="7491"/>
+                      <a:pt x="15781" y="10821"/>
+                    </a:cubicBezTo>
+                    <a:cubicBezTo>
+                      <a:pt x="15781" y="10821"/>
+                      <a:pt x="12292" y="19639"/>
+                      <a:pt x="12292" y="19639"/>
+                    </a:cubicBezTo>
+                    <a:close/>
+                    <a:moveTo>
+                      <a:pt x="15260" y="545"/>
+                    </a:moveTo>
+                    <a:cubicBezTo>
+                      <a:pt x="14912" y="193"/>
+                      <a:pt x="14449" y="0"/>
+                      <a:pt x="13956" y="0"/>
+                    </a:cubicBezTo>
+                    <a:cubicBezTo>
+                      <a:pt x="13463" y="0"/>
+                      <a:pt x="13000" y="193"/>
+                      <a:pt x="12651" y="546"/>
+                    </a:cubicBezTo>
+                    <a:lnTo>
+                      <a:pt x="11610" y="1598"/>
+                    </a:lnTo>
+                    <a:cubicBezTo>
+                      <a:pt x="11261" y="1949"/>
+                      <a:pt x="11068" y="2417"/>
+                      <a:pt x="11068" y="2915"/>
+                    </a:cubicBezTo>
+                    <a:cubicBezTo>
+                      <a:pt x="11068" y="3265"/>
+                      <a:pt x="11164" y="3601"/>
+                      <a:pt x="11342" y="3893"/>
+                    </a:cubicBezTo>
+                    <a:lnTo>
+                      <a:pt x="1324" y="7944"/>
+                    </a:lnTo>
+                    <a:cubicBezTo>
+                      <a:pt x="654" y="8241"/>
+                      <a:pt x="173" y="8851"/>
+                      <a:pt x="38" y="9575"/>
+                    </a:cubicBezTo>
+                    <a:cubicBezTo>
+                      <a:pt x="-98" y="10302"/>
+                      <a:pt x="130" y="11048"/>
+                      <a:pt x="654" y="11576"/>
+                    </a:cubicBezTo>
+                    <a:lnTo>
+                      <a:pt x="10041" y="20946"/>
+                    </a:lnTo>
+                    <a:cubicBezTo>
+                      <a:pt x="10445" y="21354"/>
+                      <a:pt x="10982" y="21586"/>
+                      <a:pt x="11549" y="21599"/>
+                    </a:cubicBezTo>
+                    <a:cubicBezTo>
+                      <a:pt x="11562" y="21599"/>
+                      <a:pt x="11593" y="21599"/>
+                      <a:pt x="11605" y="21599"/>
+                    </a:cubicBezTo>
+                    <a:cubicBezTo>
+                      <a:pt x="11754" y="21599"/>
+                      <a:pt x="11906" y="21584"/>
+                      <a:pt x="12056" y="21553"/>
+                    </a:cubicBezTo>
+                    <a:cubicBezTo>
+                      <a:pt x="12789" y="21399"/>
+                      <a:pt x="13390" y="20888"/>
+                      <a:pt x="13662" y="20191"/>
+                    </a:cubicBezTo>
+                    <a:lnTo>
+                      <a:pt x="17604" y="10229"/>
+                    </a:lnTo>
+                    <a:cubicBezTo>
+                      <a:pt x="17902" y="10426"/>
+                      <a:pt x="18250" y="10532"/>
+                      <a:pt x="18613" y="10532"/>
+                    </a:cubicBezTo>
+                    <a:cubicBezTo>
+                      <a:pt x="19107" y="10532"/>
+                      <a:pt x="19570" y="10338"/>
+                      <a:pt x="19918" y="9986"/>
+                    </a:cubicBezTo>
+                    <a:lnTo>
+                      <a:pt x="20957" y="8937"/>
+                    </a:lnTo>
+                    <a:cubicBezTo>
+                      <a:pt x="21308" y="8585"/>
+                      <a:pt x="21502" y="8116"/>
+                      <a:pt x="21502" y="7617"/>
+                    </a:cubicBezTo>
+                    <a:cubicBezTo>
+                      <a:pt x="21502" y="7117"/>
+                      <a:pt x="21308" y="6648"/>
+                      <a:pt x="20961" y="6300"/>
+                    </a:cubicBezTo>
+                    <a:cubicBezTo>
+                      <a:pt x="20961" y="6300"/>
+                      <a:pt x="15260" y="545"/>
+                      <a:pt x="15260" y="545"/>
+                    </a:cubicBezTo>
+                    <a:close/>
+                  </a:path>
+                </a:pathLst>
+              </a:custGeom>
+              <a:grpFill/>
+              <a:ln>
+                <a:noFill/>
+              </a:ln>
+              <a:effectLst/>
+              <a:extLst>
+                <a:ext uri="{91240B29-F687-4f45-9708-019B960494DF}">
+                  <a14:hiddenLine xmlns:a14="http://schemas.microsoft.com/office/drawing/2010/main" xmlns="" w="12700" cap="flat" cmpd="sng">
+                    <a:solidFill>
+                      <a:srgbClr val="000000"/>
+                    </a:solidFill>
+                    <a:prstDash val="solid"/>
+                    <a:miter lim="0"/>
+                    <a:headEnd/>
+                    <a:tailEnd/>
+                  </a14:hiddenLine>
+                </a:ext>
+                <a:ext uri="{AF507438-7753-43e0-B8FC-AC1667EBCBE1}">
+                  <a14:hiddenEffects xmlns:a14="http://schemas.microsoft.com/office/drawing/2010/main" xmlns="">
+                    <a:effectLst>
+                      <a:outerShdw blurRad="63500" dist="38099" dir="2700000" algn="ctr" rotWithShape="0">
+                        <a:srgbClr val="000000">
+                          <a:alpha val="74998"/>
+                        </a:srgbClr>
+                      </a:outerShdw>
+                    </a:effectLst>
+                  </a14:hiddenEffects>
+                </a:ext>
+              </a:extLst>
+            </p:spPr>
+            <p:txBody>
+              <a:bodyPr lIns="50800" tIns="50800" rIns="50800" bIns="50800" anchor="ctr"/>
+              <a:lstStyle/>
+              <a:p>
+                <a:pPr defTabSz="609585"/>
+                <a:endParaRPr lang="en-US" sz="4000" dirty="0">
+                  <a:solidFill>
+                    <a:srgbClr val="FFFFFF"/>
+                  </a:solidFill>
+                  <a:effectLst>
+                    <a:outerShdw blurRad="38100" dist="38100" dir="2700000" algn="tl">
+                      <a:srgbClr val="000000"/>
+                    </a:outerShdw>
+                  </a:effectLst>
+                </a:endParaRPr>
+              </a:p>
+            </p:txBody>
+          </p:sp>
+          <p:sp>
+            <p:nvSpPr>
+              <p:cNvPr id="71" name="AutoShape 38"/>
+              <p:cNvSpPr>
+                <a:spLocks/>
+              </p:cNvSpPr>
+              <p:nvPr/>
+            </p:nvSpPr>
+            <p:spPr bwMode="auto">
+              <a:xfrm>
+                <a:off x="7324898" y="2286780"/>
+                <a:ext cx="75921" cy="76756"/>
+              </a:xfrm>
+              <a:custGeom>
+                <a:avLst/>
+                <a:gdLst>
+                  <a:gd name="T0" fmla="*/ 10800 w 21600"/>
+                  <a:gd name="T1" fmla="*/ 10800 h 21600"/>
+                  <a:gd name="T2" fmla="*/ 10800 w 21600"/>
+                  <a:gd name="T3" fmla="*/ 10800 h 21600"/>
+                  <a:gd name="T4" fmla="*/ 10800 w 21600"/>
+                  <a:gd name="T5" fmla="*/ 10800 h 21600"/>
+                  <a:gd name="T6" fmla="*/ 10800 w 21600"/>
+                  <a:gd name="T7" fmla="*/ 10800 h 21600"/>
+                </a:gdLst>
+                <a:ahLst/>
+                <a:cxnLst>
+                  <a:cxn ang="0">
+                    <a:pos x="T0" y="T1"/>
+                  </a:cxn>
+                  <a:cxn ang="0">
+                    <a:pos x="T2" y="T3"/>
+                  </a:cxn>
+                  <a:cxn ang="0">
+                    <a:pos x="T4" y="T5"/>
+                  </a:cxn>
+                  <a:cxn ang="0">
+                    <a:pos x="T6" y="T7"/>
+                  </a:cxn>
+                </a:cxnLst>
+                <a:rect l="0" t="0" r="r" b="b"/>
+                <a:pathLst>
+                  <a:path w="21600" h="21600">
+                    <a:moveTo>
+                      <a:pt x="10800" y="4320"/>
+                    </a:moveTo>
+                    <a:cubicBezTo>
+                      <a:pt x="14381" y="4320"/>
+                      <a:pt x="17279" y="7222"/>
+                      <a:pt x="17279" y="10800"/>
+                    </a:cubicBezTo>
+                    <a:cubicBezTo>
+                      <a:pt x="17279" y="14377"/>
+                      <a:pt x="14381" y="17279"/>
+                      <a:pt x="10800" y="17279"/>
+                    </a:cubicBezTo>
+                    <a:cubicBezTo>
+                      <a:pt x="7218" y="17279"/>
+                      <a:pt x="4319" y="14377"/>
+                      <a:pt x="4319" y="10800"/>
+                    </a:cubicBezTo>
+                    <a:cubicBezTo>
+                      <a:pt x="4319" y="7222"/>
+                      <a:pt x="7218" y="4320"/>
+                      <a:pt x="10800" y="4320"/>
+                    </a:cubicBezTo>
+                    <a:moveTo>
+                      <a:pt x="10800" y="21599"/>
+                    </a:moveTo>
+                    <a:cubicBezTo>
+                      <a:pt x="16752" y="21599"/>
+                      <a:pt x="21600" y="16756"/>
+                      <a:pt x="21600" y="10800"/>
+                    </a:cubicBezTo>
+                    <a:cubicBezTo>
+                      <a:pt x="21600" y="4843"/>
+                      <a:pt x="16752" y="0"/>
+                      <a:pt x="10800" y="0"/>
+                    </a:cubicBezTo>
+                    <a:cubicBezTo>
+                      <a:pt x="4847" y="0"/>
+                      <a:pt x="0" y="4843"/>
+                      <a:pt x="0" y="10800"/>
+                    </a:cubicBezTo>
+                    <a:cubicBezTo>
+                      <a:pt x="0" y="16756"/>
+                      <a:pt x="4847" y="21599"/>
+                      <a:pt x="10800" y="21599"/>
+                    </a:cubicBezTo>
+                  </a:path>
+                </a:pathLst>
+              </a:custGeom>
+              <a:grpFill/>
+              <a:ln>
+                <a:noFill/>
+              </a:ln>
+              <a:effectLst/>
+              <a:extLst>
+                <a:ext uri="{91240B29-F687-4f45-9708-019B960494DF}">
+                  <a14:hiddenLine xmlns:a14="http://schemas.microsoft.com/office/drawing/2010/main" xmlns="" w="12700" cap="flat" cmpd="sng">
+                    <a:solidFill>
+                      <a:srgbClr val="000000"/>
+                    </a:solidFill>
+                    <a:prstDash val="solid"/>
+                    <a:miter lim="0"/>
+                    <a:headEnd/>
+                    <a:tailEnd/>
+                  </a14:hiddenLine>
+                </a:ext>
+                <a:ext uri="{AF507438-7753-43e0-B8FC-AC1667EBCBE1}">
+                  <a14:hiddenEffects xmlns:a14="http://schemas.microsoft.com/office/drawing/2010/main" xmlns="">
+                    <a:effectLst>
+                      <a:outerShdw blurRad="63500" dist="38099" dir="2700000" algn="ctr" rotWithShape="0">
+                        <a:srgbClr val="000000">
+                          <a:alpha val="74998"/>
+                        </a:srgbClr>
+                      </a:outerShdw>
+                    </a:effectLst>
+                  </a14:hiddenEffects>
+                </a:ext>
+              </a:extLst>
+            </p:spPr>
+            <p:txBody>
+              <a:bodyPr lIns="50800" tIns="50800" rIns="50800" bIns="50800" anchor="ctr"/>
+              <a:lstStyle/>
+              <a:p>
+                <a:pPr defTabSz="609585"/>
+                <a:endParaRPr lang="en-US" sz="4000" dirty="0">
+                  <a:solidFill>
+                    <a:srgbClr val="FFFFFF"/>
+                  </a:solidFill>
+                  <a:effectLst>
+                    <a:outerShdw blurRad="38100" dist="38100" dir="2700000" algn="tl">
+                      <a:srgbClr val="000000"/>
+                    </a:outerShdw>
+                  </a:effectLst>
+                </a:endParaRPr>
+              </a:p>
+            </p:txBody>
+          </p:sp>
+          <p:sp>
+            <p:nvSpPr>
+              <p:cNvPr id="72" name="AutoShape 39"/>
+              <p:cNvSpPr>
+                <a:spLocks/>
+              </p:cNvSpPr>
+              <p:nvPr/>
+            </p:nvSpPr>
+            <p:spPr bwMode="auto">
+              <a:xfrm>
+                <a:off x="7523463" y="2042329"/>
+                <a:ext cx="75921" cy="76756"/>
+              </a:xfrm>
+              <a:custGeom>
+                <a:avLst/>
+                <a:gdLst>
+                  <a:gd name="T0" fmla="*/ 10800 w 21600"/>
+                  <a:gd name="T1" fmla="*/ 10800 h 21600"/>
+                  <a:gd name="T2" fmla="*/ 10800 w 21600"/>
+                  <a:gd name="T3" fmla="*/ 10800 h 21600"/>
+                  <a:gd name="T4" fmla="*/ 10800 w 21600"/>
+                  <a:gd name="T5" fmla="*/ 10800 h 21600"/>
+                  <a:gd name="T6" fmla="*/ 10800 w 21600"/>
+                  <a:gd name="T7" fmla="*/ 10800 h 21600"/>
+                </a:gdLst>
+                <a:ahLst/>
+                <a:cxnLst>
+                  <a:cxn ang="0">
+                    <a:pos x="T0" y="T1"/>
+                  </a:cxn>
+                  <a:cxn ang="0">
+                    <a:pos x="T2" y="T3"/>
+                  </a:cxn>
+                  <a:cxn ang="0">
+                    <a:pos x="T4" y="T5"/>
+                  </a:cxn>
+                  <a:cxn ang="0">
+                    <a:pos x="T6" y="T7"/>
+                  </a:cxn>
+                </a:cxnLst>
+                <a:rect l="0" t="0" r="r" b="b"/>
+                <a:pathLst>
+                  <a:path w="21600" h="21600">
+                    <a:moveTo>
+                      <a:pt x="10800" y="17279"/>
+                    </a:moveTo>
+                    <a:cubicBezTo>
+                      <a:pt x="7218" y="17279"/>
+                      <a:pt x="4320" y="14377"/>
+                      <a:pt x="4320" y="10800"/>
+                    </a:cubicBezTo>
+                    <a:cubicBezTo>
+                      <a:pt x="4320" y="7222"/>
+                      <a:pt x="7218" y="4320"/>
+                      <a:pt x="10800" y="4320"/>
+                    </a:cubicBezTo>
+                    <a:cubicBezTo>
+                      <a:pt x="14381" y="4320"/>
+                      <a:pt x="17280" y="7222"/>
+                      <a:pt x="17280" y="10800"/>
+                    </a:cubicBezTo>
+                    <a:cubicBezTo>
+                      <a:pt x="17280" y="14377"/>
+                      <a:pt x="14381" y="17279"/>
+                      <a:pt x="10800" y="17279"/>
+                    </a:cubicBezTo>
+                    <a:moveTo>
+                      <a:pt x="10800" y="0"/>
+                    </a:moveTo>
+                    <a:cubicBezTo>
+                      <a:pt x="4847" y="0"/>
+                      <a:pt x="0" y="4843"/>
+                      <a:pt x="0" y="10800"/>
+                    </a:cubicBezTo>
+                    <a:cubicBezTo>
+                      <a:pt x="0" y="16756"/>
+                      <a:pt x="4847" y="21599"/>
+                      <a:pt x="10800" y="21599"/>
+                    </a:cubicBezTo>
+                    <a:cubicBezTo>
+                      <a:pt x="16752" y="21599"/>
+                      <a:pt x="21600" y="16756"/>
+                      <a:pt x="21600" y="10800"/>
+                    </a:cubicBezTo>
+                    <a:cubicBezTo>
+                      <a:pt x="21600" y="4843"/>
+                      <a:pt x="16752" y="0"/>
+                      <a:pt x="10800" y="0"/>
+                    </a:cubicBezTo>
+                  </a:path>
+                </a:pathLst>
+              </a:custGeom>
+              <a:grpFill/>
+              <a:ln>
+                <a:noFill/>
+              </a:ln>
+              <a:effectLst/>
+              <a:extLst>
+                <a:ext uri="{91240B29-F687-4f45-9708-019B960494DF}">
+                  <a14:hiddenLine xmlns:a14="http://schemas.microsoft.com/office/drawing/2010/main" xmlns="" w="12700" cap="flat" cmpd="sng">
+                    <a:solidFill>
+                      <a:srgbClr val="000000"/>
+                    </a:solidFill>
+                    <a:prstDash val="solid"/>
+                    <a:miter lim="0"/>
+                    <a:headEnd/>
+                    <a:tailEnd/>
+                  </a14:hiddenLine>
+                </a:ext>
+                <a:ext uri="{AF507438-7753-43e0-B8FC-AC1667EBCBE1}">
+                  <a14:hiddenEffects xmlns:a14="http://schemas.microsoft.com/office/drawing/2010/main" xmlns="">
+                    <a:effectLst>
+                      <a:outerShdw blurRad="63500" dist="38099" dir="2700000" algn="ctr" rotWithShape="0">
+                        <a:srgbClr val="000000">
+                          <a:alpha val="74998"/>
+                        </a:srgbClr>
+                      </a:outerShdw>
+                    </a:effectLst>
+                  </a14:hiddenEffects>
+                </a:ext>
+              </a:extLst>
+            </p:spPr>
+            <p:txBody>
+              <a:bodyPr lIns="50800" tIns="50800" rIns="50800" bIns="50800" anchor="ctr"/>
+              <a:lstStyle/>
+              <a:p>
+                <a:pPr defTabSz="609585"/>
+                <a:endParaRPr lang="en-US" sz="4000" dirty="0">
+                  <a:solidFill>
+                    <a:srgbClr val="FFFFFF"/>
+                  </a:solidFill>
+                  <a:effectLst>
+                    <a:outerShdw blurRad="38100" dist="38100" dir="2700000" algn="tl">
+                      <a:srgbClr val="000000"/>
+                    </a:outerShdw>
+                  </a:effectLst>
+                </a:endParaRPr>
+              </a:p>
+            </p:txBody>
+          </p:sp>
+          <p:sp>
+            <p:nvSpPr>
+              <p:cNvPr id="73" name="AutoShape 40"/>
+              <p:cNvSpPr>
+                <a:spLocks/>
+              </p:cNvSpPr>
+              <p:nvPr/>
+            </p:nvSpPr>
+            <p:spPr bwMode="auto">
+              <a:xfrm>
+                <a:off x="7233121" y="2271762"/>
+                <a:ext cx="60904" cy="60904"/>
+              </a:xfrm>
+              <a:custGeom>
+                <a:avLst/>
+                <a:gdLst>
+                  <a:gd name="T0" fmla="*/ 10800 w 21600"/>
+                  <a:gd name="T1" fmla="*/ 10800 h 21600"/>
+                  <a:gd name="T2" fmla="*/ 10800 w 21600"/>
+                  <a:gd name="T3" fmla="*/ 10800 h 21600"/>
+                  <a:gd name="T4" fmla="*/ 10800 w 21600"/>
+                  <a:gd name="T5" fmla="*/ 10800 h 21600"/>
+                  <a:gd name="T6" fmla="*/ 10800 w 21600"/>
+                  <a:gd name="T7" fmla="*/ 10800 h 21600"/>
+                </a:gdLst>
+                <a:ahLst/>
+                <a:cxnLst>
+                  <a:cxn ang="0">
+                    <a:pos x="T0" y="T1"/>
+                  </a:cxn>
+                  <a:cxn ang="0">
+                    <a:pos x="T2" y="T3"/>
+                  </a:cxn>
+                  <a:cxn ang="0">
+                    <a:pos x="T4" y="T5"/>
+                  </a:cxn>
+                  <a:cxn ang="0">
+                    <a:pos x="T6" y="T7"/>
+                  </a:cxn>
+                </a:cxnLst>
+                <a:rect l="0" t="0" r="r" b="b"/>
+                <a:pathLst>
+                  <a:path w="21600" h="21600">
+                    <a:moveTo>
+                      <a:pt x="10800" y="5400"/>
+                    </a:moveTo>
+                    <a:cubicBezTo>
+                      <a:pt x="13779" y="5400"/>
+                      <a:pt x="16199" y="7815"/>
+                      <a:pt x="16199" y="10800"/>
+                    </a:cubicBezTo>
+                    <a:cubicBezTo>
+                      <a:pt x="16199" y="13784"/>
+                      <a:pt x="13779" y="16200"/>
+                      <a:pt x="10800" y="16200"/>
+                    </a:cubicBezTo>
+                    <a:cubicBezTo>
+                      <a:pt x="7820" y="16200"/>
+                      <a:pt x="5399" y="13784"/>
+                      <a:pt x="5399" y="10800"/>
+                    </a:cubicBezTo>
+                    <a:cubicBezTo>
+                      <a:pt x="5399" y="7815"/>
+                      <a:pt x="7820" y="5400"/>
+                      <a:pt x="10800" y="5400"/>
+                    </a:cubicBezTo>
+                    <a:moveTo>
+                      <a:pt x="0" y="10800"/>
+                    </a:moveTo>
+                    <a:cubicBezTo>
+                      <a:pt x="0" y="16753"/>
+                      <a:pt x="4843" y="21599"/>
+                      <a:pt x="10800" y="21599"/>
+                    </a:cubicBezTo>
+                    <a:cubicBezTo>
+                      <a:pt x="16756" y="21599"/>
+                      <a:pt x="21600" y="16753"/>
+                      <a:pt x="21600" y="10800"/>
+                    </a:cubicBezTo>
+                    <a:cubicBezTo>
+                      <a:pt x="21600" y="4846"/>
+                      <a:pt x="16756" y="0"/>
+                      <a:pt x="10800" y="0"/>
+                    </a:cubicBezTo>
+                    <a:cubicBezTo>
+                      <a:pt x="4843" y="0"/>
+                      <a:pt x="0" y="4846"/>
+                      <a:pt x="0" y="10800"/>
+                    </a:cubicBezTo>
+                  </a:path>
+                </a:pathLst>
+              </a:custGeom>
+              <a:grpFill/>
+              <a:ln>
+                <a:noFill/>
+              </a:ln>
+              <a:effectLst/>
+              <a:extLst>
+                <a:ext uri="{91240B29-F687-4f45-9708-019B960494DF}">
+                  <a14:hiddenLine xmlns:a14="http://schemas.microsoft.com/office/drawing/2010/main" xmlns="" w="12700" cap="flat" cmpd="sng">
+                    <a:solidFill>
+                      <a:srgbClr val="000000"/>
+                    </a:solidFill>
+                    <a:prstDash val="solid"/>
+                    <a:miter lim="0"/>
+                    <a:headEnd/>
+                    <a:tailEnd/>
+                  </a14:hiddenLine>
+                </a:ext>
+                <a:ext uri="{AF507438-7753-43e0-B8FC-AC1667EBCBE1}">
+                  <a14:hiddenEffects xmlns:a14="http://schemas.microsoft.com/office/drawing/2010/main" xmlns="">
+                    <a:effectLst>
+                      <a:outerShdw blurRad="63500" dist="38099" dir="2700000" algn="ctr" rotWithShape="0">
+                        <a:srgbClr val="000000">
+                          <a:alpha val="74998"/>
+                        </a:srgbClr>
+                      </a:outerShdw>
+                    </a:effectLst>
+                  </a14:hiddenEffects>
+                </a:ext>
+              </a:extLst>
+            </p:spPr>
+            <p:txBody>
+              <a:bodyPr lIns="50800" tIns="50800" rIns="50800" bIns="50800" anchor="ctr"/>
+              <a:lstStyle/>
+              <a:p>
+                <a:pPr defTabSz="609585"/>
+                <a:endParaRPr lang="en-US" sz="4000" dirty="0">
+                  <a:solidFill>
+                    <a:srgbClr val="FFFFFF"/>
+                  </a:solidFill>
+                  <a:effectLst>
+                    <a:outerShdw blurRad="38100" dist="38100" dir="2700000" algn="tl">
+                      <a:srgbClr val="000000"/>
+                    </a:outerShdw>
+                  </a:effectLst>
+                </a:endParaRPr>
+              </a:p>
+            </p:txBody>
+          </p:sp>
+          <p:sp>
+            <p:nvSpPr>
+              <p:cNvPr id="74" name="AutoShape 41"/>
+              <p:cNvSpPr>
+                <a:spLocks/>
+              </p:cNvSpPr>
+              <p:nvPr/>
+            </p:nvSpPr>
+            <p:spPr bwMode="auto">
+              <a:xfrm>
+                <a:off x="7294025" y="2378552"/>
+                <a:ext cx="30869" cy="30035"/>
+              </a:xfrm>
+              <a:custGeom>
+                <a:avLst/>
+                <a:gdLst>
+                  <a:gd name="T0" fmla="*/ 10800 w 21600"/>
+                  <a:gd name="T1" fmla="*/ 10800 h 21600"/>
+                  <a:gd name="T2" fmla="*/ 10800 w 21600"/>
+                  <a:gd name="T3" fmla="*/ 10800 h 21600"/>
+                  <a:gd name="T4" fmla="*/ 10800 w 21600"/>
+                  <a:gd name="T5" fmla="*/ 10800 h 21600"/>
+                  <a:gd name="T6" fmla="*/ 10800 w 21600"/>
+                  <a:gd name="T7" fmla="*/ 10800 h 21600"/>
+                </a:gdLst>
+                <a:ahLst/>
+                <a:cxnLst>
+                  <a:cxn ang="0">
+                    <a:pos x="T0" y="T1"/>
+                  </a:cxn>
+                  <a:cxn ang="0">
+                    <a:pos x="T2" y="T3"/>
+                  </a:cxn>
+                  <a:cxn ang="0">
+                    <a:pos x="T4" y="T5"/>
+                  </a:cxn>
+                  <a:cxn ang="0">
+                    <a:pos x="T6" y="T7"/>
+                  </a:cxn>
+                </a:cxnLst>
+                <a:rect l="0" t="0" r="r" b="b"/>
+                <a:pathLst>
+                  <a:path w="21600" h="21600">
+                    <a:moveTo>
+                      <a:pt x="10800" y="21599"/>
+                    </a:moveTo>
+                    <a:cubicBezTo>
+                      <a:pt x="16758" y="21599"/>
+                      <a:pt x="21600" y="16769"/>
+                      <a:pt x="21600" y="10800"/>
+                    </a:cubicBezTo>
+                    <a:cubicBezTo>
+                      <a:pt x="21600" y="4830"/>
+                      <a:pt x="16758" y="0"/>
+                      <a:pt x="10800" y="0"/>
+                    </a:cubicBezTo>
+                    <a:cubicBezTo>
+                      <a:pt x="4841" y="0"/>
+                      <a:pt x="0" y="4830"/>
+                      <a:pt x="0" y="10800"/>
+                    </a:cubicBezTo>
+                    <a:cubicBezTo>
+                      <a:pt x="0" y="16769"/>
+                      <a:pt x="4841" y="21599"/>
+                      <a:pt x="10800" y="21599"/>
+                    </a:cubicBezTo>
+                  </a:path>
+                </a:pathLst>
+              </a:custGeom>
+              <a:grpFill/>
+              <a:ln>
+                <a:noFill/>
+              </a:ln>
+              <a:effectLst/>
+              <a:extLst>
+                <a:ext uri="{91240B29-F687-4f45-9708-019B960494DF}">
+                  <a14:hiddenLine xmlns:a14="http://schemas.microsoft.com/office/drawing/2010/main" xmlns="" w="12700" cap="flat" cmpd="sng">
+                    <a:solidFill>
+                      <a:srgbClr val="000000"/>
+                    </a:solidFill>
+                    <a:prstDash val="solid"/>
+                    <a:miter lim="0"/>
+                    <a:headEnd/>
+                    <a:tailEnd/>
+                  </a14:hiddenLine>
+                </a:ext>
+                <a:ext uri="{AF507438-7753-43e0-B8FC-AC1667EBCBE1}">
+                  <a14:hiddenEffects xmlns:a14="http://schemas.microsoft.com/office/drawing/2010/main" xmlns="">
+                    <a:effectLst>
+                      <a:outerShdw blurRad="63500" dist="38099" dir="2700000" algn="ctr" rotWithShape="0">
+                        <a:srgbClr val="000000">
+                          <a:alpha val="74998"/>
+                        </a:srgbClr>
+                      </a:outerShdw>
+                    </a:effectLst>
+                  </a14:hiddenEffects>
+                </a:ext>
+              </a:extLst>
+            </p:spPr>
+            <p:txBody>
+              <a:bodyPr lIns="50800" tIns="50800" rIns="50800" bIns="50800" anchor="ctr"/>
+              <a:lstStyle/>
+              <a:p>
+                <a:pPr defTabSz="609585"/>
+                <a:endParaRPr lang="en-US" sz="4000" dirty="0">
+                  <a:solidFill>
+                    <a:srgbClr val="FFFFFF"/>
+                  </a:solidFill>
+                  <a:effectLst>
+                    <a:outerShdw blurRad="38100" dist="38100" dir="2700000" algn="tl">
+                      <a:srgbClr val="000000"/>
+                    </a:outerShdw>
+                  </a:effectLst>
+                </a:endParaRPr>
+              </a:p>
+            </p:txBody>
+          </p:sp>
+          <p:sp>
+            <p:nvSpPr>
+              <p:cNvPr id="75" name="AutoShape 42"/>
+              <p:cNvSpPr>
+                <a:spLocks/>
+              </p:cNvSpPr>
+              <p:nvPr/>
+            </p:nvSpPr>
+            <p:spPr bwMode="auto">
+              <a:xfrm>
+                <a:off x="7538477" y="2149119"/>
+                <a:ext cx="30035" cy="30869"/>
+              </a:xfrm>
+              <a:custGeom>
+                <a:avLst/>
+                <a:gdLst>
+                  <a:gd name="T0" fmla="*/ 10800 w 21600"/>
+                  <a:gd name="T1" fmla="*/ 10800 h 21600"/>
+                  <a:gd name="T2" fmla="*/ 10800 w 21600"/>
+                  <a:gd name="T3" fmla="*/ 10800 h 21600"/>
+                  <a:gd name="T4" fmla="*/ 10800 w 21600"/>
+                  <a:gd name="T5" fmla="*/ 10800 h 21600"/>
+                  <a:gd name="T6" fmla="*/ 10800 w 21600"/>
+                  <a:gd name="T7" fmla="*/ 10800 h 21600"/>
+                </a:gdLst>
+                <a:ahLst/>
+                <a:cxnLst>
+                  <a:cxn ang="0">
+                    <a:pos x="T0" y="T1"/>
+                  </a:cxn>
+                  <a:cxn ang="0">
+                    <a:pos x="T2" y="T3"/>
+                  </a:cxn>
+                  <a:cxn ang="0">
+                    <a:pos x="T4" y="T5"/>
+                  </a:cxn>
+                  <a:cxn ang="0">
+                    <a:pos x="T6" y="T7"/>
+                  </a:cxn>
+                </a:cxnLst>
+                <a:rect l="0" t="0" r="r" b="b"/>
+                <a:pathLst>
+                  <a:path w="21600" h="21600">
+                    <a:moveTo>
+                      <a:pt x="10800" y="0"/>
+                    </a:moveTo>
+                    <a:cubicBezTo>
+                      <a:pt x="4841" y="0"/>
+                      <a:pt x="0" y="4830"/>
+                      <a:pt x="0" y="10800"/>
+                    </a:cubicBezTo>
+                    <a:cubicBezTo>
+                      <a:pt x="0" y="16769"/>
+                      <a:pt x="4841" y="21599"/>
+                      <a:pt x="10800" y="21599"/>
+                    </a:cubicBezTo>
+                    <a:cubicBezTo>
+                      <a:pt x="16758" y="21599"/>
+                      <a:pt x="21600" y="16769"/>
+                      <a:pt x="21600" y="10800"/>
+                    </a:cubicBezTo>
+                    <a:cubicBezTo>
+                      <a:pt x="21600" y="4830"/>
+                      <a:pt x="16758" y="0"/>
+                      <a:pt x="10800" y="0"/>
+                    </a:cubicBezTo>
+                  </a:path>
+                </a:pathLst>
+              </a:custGeom>
+              <a:grpFill/>
+              <a:ln>
+                <a:noFill/>
+              </a:ln>
+              <a:effectLst/>
+              <a:extLst>
+                <a:ext uri="{91240B29-F687-4f45-9708-019B960494DF}">
+                  <a14:hiddenLine xmlns:a14="http://schemas.microsoft.com/office/drawing/2010/main" xmlns="" w="12700" cap="flat" cmpd="sng">
+                    <a:solidFill>
+                      <a:srgbClr val="000000"/>
+                    </a:solidFill>
+                    <a:prstDash val="solid"/>
+                    <a:miter lim="0"/>
+                    <a:headEnd/>
+                    <a:tailEnd/>
+                  </a14:hiddenLine>
+                </a:ext>
+                <a:ext uri="{AF507438-7753-43e0-B8FC-AC1667EBCBE1}">
+                  <a14:hiddenEffects xmlns:a14="http://schemas.microsoft.com/office/drawing/2010/main" xmlns="">
+                    <a:effectLst>
+                      <a:outerShdw blurRad="63500" dist="38099" dir="2700000" algn="ctr" rotWithShape="0">
+                        <a:srgbClr val="000000">
+                          <a:alpha val="74998"/>
+                        </a:srgbClr>
+                      </a:outerShdw>
+                    </a:effectLst>
+                  </a14:hiddenEffects>
+                </a:ext>
+              </a:extLst>
+            </p:spPr>
+            <p:txBody>
+              <a:bodyPr lIns="50800" tIns="50800" rIns="50800" bIns="50800" anchor="ctr"/>
+              <a:lstStyle/>
+              <a:p>
+                <a:pPr defTabSz="609585"/>
+                <a:endParaRPr lang="en-US" sz="4000" dirty="0">
+                  <a:solidFill>
+                    <a:srgbClr val="FFFFFF"/>
+                  </a:solidFill>
+                  <a:effectLst>
+                    <a:outerShdw blurRad="38100" dist="38100" dir="2700000" algn="tl">
+                      <a:srgbClr val="000000"/>
+                    </a:outerShdw>
+                  </a:effectLst>
+                </a:endParaRPr>
+              </a:p>
+            </p:txBody>
+          </p:sp>
+        </p:grpSp>
+      </p:grpSp>
+      <p:grpSp>
+        <p:nvGrpSpPr>
+          <p:cNvPr id="89" name="Group 88"/>
+          <p:cNvGrpSpPr/>
+          <p:nvPr/>
+        </p:nvGrpSpPr>
+        <p:grpSpPr>
+          <a:xfrm>
+            <a:off x="8372475" y="4975225"/>
+            <a:ext cx="847725" cy="847725"/>
+            <a:chOff x="8372475" y="4975225"/>
+            <a:chExt cx="847725" cy="847725"/>
+          </a:xfrm>
+        </p:grpSpPr>
+        <p:sp>
+          <p:nvSpPr>
+            <p:cNvPr id="18" name="Rectangle 17"/>
+            <p:cNvSpPr/>
+            <p:nvPr/>
+          </p:nvSpPr>
+          <p:spPr>
+            <a:xfrm>
+              <a:off x="8372475" y="4975225"/>
+              <a:ext cx="847725" cy="847725"/>
+            </a:xfrm>
+            <a:prstGeom prst="rect">
+              <a:avLst/>
+            </a:prstGeom>
+            <a:solidFill>
+              <a:schemeClr val="accent4">
+                <a:lumMod val="75000"/>
+              </a:schemeClr>
+            </a:solidFill>
+            <a:ln>
+              <a:noFill/>
+            </a:ln>
+          </p:spPr>
+          <p:style>
+            <a:lnRef idx="2">
+              <a:schemeClr val="accent1">
+                <a:shade val="50000"/>
+              </a:schemeClr>
+            </a:lnRef>
+            <a:fillRef idx="1">
+              <a:schemeClr val="accent1"/>
+            </a:fillRef>
+            <a:effectRef idx="0">
+              <a:schemeClr val="accent1"/>
+            </a:effectRef>
+            <a:fontRef idx="minor">
+              <a:schemeClr val="lt1"/>
+            </a:fontRef>
+          </p:style>
+          <p:txBody>
+            <a:bodyPr rtlCol="0" anchor="ctr"/>
+            <a:lstStyle/>
+            <a:p>
+              <a:pPr algn="ctr"/>
+              <a:endParaRPr lang="en-US"/>
+            </a:p>
+          </p:txBody>
+        </p:sp>
+        <p:sp>
+          <p:nvSpPr>
+            <p:cNvPr id="76" name="AutoShape 46"/>
+            <p:cNvSpPr>
+              <a:spLocks/>
+            </p:cNvSpPr>
+            <p:nvPr/>
+          </p:nvSpPr>
+          <p:spPr bwMode="auto">
+            <a:xfrm>
+              <a:off x="8552303" y="5155054"/>
+              <a:ext cx="488068" cy="488067"/>
+            </a:xfrm>
+            <a:custGeom>
+              <a:avLst/>
+              <a:gdLst>
+                <a:gd name="T0" fmla="*/ 10800 w 21600"/>
+                <a:gd name="T1" fmla="*/ 10800 h 21600"/>
+                <a:gd name="T2" fmla="*/ 10800 w 21600"/>
+                <a:gd name="T3" fmla="*/ 10800 h 21600"/>
+                <a:gd name="T4" fmla="*/ 10800 w 21600"/>
+                <a:gd name="T5" fmla="*/ 10800 h 21600"/>
+                <a:gd name="T6" fmla="*/ 10800 w 21600"/>
+                <a:gd name="T7" fmla="*/ 10800 h 21600"/>
+              </a:gdLst>
+              <a:ahLst/>
+              <a:cxnLst>
+                <a:cxn ang="0">
+                  <a:pos x="T0" y="T1"/>
+                </a:cxn>
+                <a:cxn ang="0">
+                  <a:pos x="T2" y="T3"/>
+                </a:cxn>
+                <a:cxn ang="0">
+                  <a:pos x="T4" y="T5"/>
+                </a:cxn>
+                <a:cxn ang="0">
+                  <a:pos x="T6" y="T7"/>
+                </a:cxn>
+              </a:cxnLst>
+              <a:rect l="0" t="0" r="r" b="b"/>
+              <a:pathLst>
+                <a:path w="21600" h="21600">
+                  <a:moveTo>
+                    <a:pt x="16874" y="17549"/>
+                  </a:moveTo>
+                  <a:cubicBezTo>
+                    <a:pt x="15513" y="17549"/>
+                    <a:pt x="14343" y="15612"/>
+                    <a:pt x="13809" y="12825"/>
+                  </a:cubicBezTo>
+                  <a:lnTo>
+                    <a:pt x="15524" y="12825"/>
+                  </a:lnTo>
+                  <a:cubicBezTo>
+                    <a:pt x="17038" y="12825"/>
+                    <a:pt x="18224" y="11343"/>
+                    <a:pt x="18224" y="9450"/>
+                  </a:cubicBezTo>
+                  <a:cubicBezTo>
+                    <a:pt x="18224" y="7558"/>
+                    <a:pt x="17038" y="6075"/>
+                    <a:pt x="15524" y="6075"/>
+                  </a:cubicBezTo>
+                  <a:lnTo>
+                    <a:pt x="13809" y="6075"/>
+                  </a:lnTo>
+                  <a:cubicBezTo>
+                    <a:pt x="14343" y="3289"/>
+                    <a:pt x="15513" y="1350"/>
+                    <a:pt x="16874" y="1350"/>
+                  </a:cubicBezTo>
+                  <a:cubicBezTo>
+                    <a:pt x="18739" y="1350"/>
+                    <a:pt x="20249" y="4976"/>
+                    <a:pt x="20249" y="9450"/>
+                  </a:cubicBezTo>
+                  <a:cubicBezTo>
+                    <a:pt x="20249" y="13923"/>
+                    <a:pt x="18739" y="17549"/>
+                    <a:pt x="16874" y="17549"/>
+                  </a:cubicBezTo>
+                  <a:moveTo>
+                    <a:pt x="8926" y="11482"/>
+                  </a:moveTo>
+                  <a:lnTo>
+                    <a:pt x="8774" y="11482"/>
+                  </a:lnTo>
+                  <a:lnTo>
+                    <a:pt x="8774" y="11475"/>
+                  </a:lnTo>
+                  <a:cubicBezTo>
+                    <a:pt x="8028" y="11475"/>
+                    <a:pt x="7424" y="10569"/>
+                    <a:pt x="7424" y="9450"/>
+                  </a:cubicBezTo>
+                  <a:cubicBezTo>
+                    <a:pt x="7424" y="8332"/>
+                    <a:pt x="8028" y="7425"/>
+                    <a:pt x="8774" y="7425"/>
+                  </a:cubicBezTo>
+                  <a:lnTo>
+                    <a:pt x="8926" y="7425"/>
+                  </a:lnTo>
+                  <a:cubicBezTo>
+                    <a:pt x="10200" y="7425"/>
+                    <a:pt x="11391" y="6924"/>
+                    <a:pt x="12441" y="6063"/>
+                  </a:cubicBezTo>
+                  <a:cubicBezTo>
+                    <a:pt x="12248" y="7149"/>
+                    <a:pt x="12149" y="8300"/>
+                    <a:pt x="12149" y="9450"/>
+                  </a:cubicBezTo>
+                  <a:cubicBezTo>
+                    <a:pt x="12149" y="10603"/>
+                    <a:pt x="12248" y="11758"/>
+                    <a:pt x="12442" y="12846"/>
+                  </a:cubicBezTo>
+                  <a:cubicBezTo>
+                    <a:pt x="11393" y="11983"/>
+                    <a:pt x="10200" y="11482"/>
+                    <a:pt x="8926" y="11482"/>
+                  </a:cubicBezTo>
+                  <a:moveTo>
+                    <a:pt x="8096" y="20249"/>
+                  </a:moveTo>
+                  <a:lnTo>
+                    <a:pt x="5396" y="20249"/>
+                  </a:lnTo>
+                  <a:lnTo>
+                    <a:pt x="5396" y="14175"/>
+                  </a:lnTo>
+                  <a:cubicBezTo>
+                    <a:pt x="5396" y="13683"/>
+                    <a:pt x="5264" y="13223"/>
+                    <a:pt x="5033" y="12825"/>
+                  </a:cubicBezTo>
+                  <a:lnTo>
+                    <a:pt x="5505" y="12825"/>
+                  </a:lnTo>
+                  <a:lnTo>
+                    <a:pt x="5505" y="12832"/>
+                  </a:lnTo>
+                  <a:lnTo>
+                    <a:pt x="7535" y="12832"/>
+                  </a:lnTo>
+                  <a:cubicBezTo>
+                    <a:pt x="7463" y="13042"/>
+                    <a:pt x="7421" y="13265"/>
+                    <a:pt x="7421" y="13500"/>
+                  </a:cubicBezTo>
+                  <a:lnTo>
+                    <a:pt x="7421" y="18225"/>
+                  </a:lnTo>
+                  <a:cubicBezTo>
+                    <a:pt x="7421" y="18874"/>
+                    <a:pt x="7784" y="19307"/>
+                    <a:pt x="8001" y="19565"/>
+                  </a:cubicBezTo>
+                  <a:cubicBezTo>
+                    <a:pt x="8031" y="19601"/>
+                    <a:pt x="8065" y="19638"/>
+                    <a:pt x="8096" y="19677"/>
+                  </a:cubicBezTo>
+                  <a:cubicBezTo>
+                    <a:pt x="8096" y="19677"/>
+                    <a:pt x="8096" y="20249"/>
+                    <a:pt x="8096" y="20249"/>
+                  </a:cubicBezTo>
+                  <a:close/>
+                  <a:moveTo>
+                    <a:pt x="1349" y="9450"/>
+                  </a:moveTo>
+                  <a:cubicBezTo>
+                    <a:pt x="1349" y="8332"/>
+                    <a:pt x="1953" y="7425"/>
+                    <a:pt x="2699" y="7425"/>
+                  </a:cubicBezTo>
+                  <a:lnTo>
+                    <a:pt x="7434" y="7425"/>
+                  </a:lnTo>
+                  <a:cubicBezTo>
+                    <a:pt x="7014" y="7916"/>
+                    <a:pt x="6749" y="8631"/>
+                    <a:pt x="6749" y="9450"/>
+                  </a:cubicBezTo>
+                  <a:cubicBezTo>
+                    <a:pt x="6749" y="10270"/>
+                    <a:pt x="7014" y="10984"/>
+                    <a:pt x="7434" y="11475"/>
+                  </a:cubicBezTo>
+                  <a:lnTo>
+                    <a:pt x="2699" y="11475"/>
+                  </a:lnTo>
+                  <a:cubicBezTo>
+                    <a:pt x="1953" y="11475"/>
+                    <a:pt x="1349" y="10569"/>
+                    <a:pt x="1349" y="9450"/>
+                  </a:cubicBezTo>
+                  <a:moveTo>
+                    <a:pt x="13499" y="9450"/>
+                  </a:moveTo>
+                  <a:cubicBezTo>
+                    <a:pt x="13499" y="8749"/>
+                    <a:pt x="13540" y="8073"/>
+                    <a:pt x="13610" y="7425"/>
+                  </a:cubicBezTo>
+                  <a:lnTo>
+                    <a:pt x="15524" y="7425"/>
+                  </a:lnTo>
+                  <a:cubicBezTo>
+                    <a:pt x="16269" y="7425"/>
+                    <a:pt x="16874" y="8332"/>
+                    <a:pt x="16874" y="9450"/>
+                  </a:cubicBezTo>
+                  <a:cubicBezTo>
+                    <a:pt x="16874" y="10569"/>
+                    <a:pt x="16269" y="11475"/>
+                    <a:pt x="15524" y="11475"/>
+                  </a:cubicBezTo>
+                  <a:lnTo>
+                    <a:pt x="13610" y="11475"/>
+                  </a:lnTo>
+                  <a:cubicBezTo>
+                    <a:pt x="13540" y="10826"/>
+                    <a:pt x="13499" y="10151"/>
+                    <a:pt x="13499" y="9450"/>
+                  </a:cubicBezTo>
+                  <a:moveTo>
+                    <a:pt x="16874" y="0"/>
+                  </a:moveTo>
+                  <a:cubicBezTo>
+                    <a:pt x="15489" y="0"/>
+                    <a:pt x="14400" y="951"/>
+                    <a:pt x="13618" y="2420"/>
+                  </a:cubicBezTo>
+                  <a:lnTo>
+                    <a:pt x="13604" y="2412"/>
+                  </a:lnTo>
+                  <a:cubicBezTo>
+                    <a:pt x="12469" y="4635"/>
+                    <a:pt x="10778" y="6075"/>
+                    <a:pt x="8926" y="6075"/>
+                  </a:cubicBezTo>
+                  <a:lnTo>
+                    <a:pt x="8479" y="6075"/>
+                  </a:lnTo>
+                  <a:lnTo>
+                    <a:pt x="5505" y="6075"/>
+                  </a:lnTo>
+                  <a:lnTo>
+                    <a:pt x="2699" y="6075"/>
+                  </a:lnTo>
+                  <a:cubicBezTo>
+                    <a:pt x="1185" y="6075"/>
+                    <a:pt x="0" y="7558"/>
+                    <a:pt x="0" y="9450"/>
+                  </a:cubicBezTo>
+                  <a:cubicBezTo>
+                    <a:pt x="0" y="11343"/>
+                    <a:pt x="1185" y="12825"/>
+                    <a:pt x="2699" y="12825"/>
+                  </a:cubicBezTo>
+                  <a:cubicBezTo>
+                    <a:pt x="3443" y="12827"/>
+                    <a:pt x="4046" y="13430"/>
+                    <a:pt x="4046" y="14175"/>
+                  </a:cubicBezTo>
+                  <a:lnTo>
+                    <a:pt x="4046" y="20249"/>
+                  </a:lnTo>
+                  <a:cubicBezTo>
+                    <a:pt x="4046" y="20996"/>
+                    <a:pt x="4651" y="21599"/>
+                    <a:pt x="5396" y="21599"/>
+                  </a:cubicBezTo>
+                  <a:lnTo>
+                    <a:pt x="8096" y="21599"/>
+                  </a:lnTo>
+                  <a:cubicBezTo>
+                    <a:pt x="8842" y="21599"/>
+                    <a:pt x="9446" y="20996"/>
+                    <a:pt x="9446" y="20249"/>
+                  </a:cubicBezTo>
+                  <a:lnTo>
+                    <a:pt x="9446" y="19575"/>
+                  </a:lnTo>
+                  <a:cubicBezTo>
+                    <a:pt x="9446" y="18900"/>
+                    <a:pt x="8771" y="18598"/>
+                    <a:pt x="8771" y="18225"/>
+                  </a:cubicBezTo>
+                  <a:lnTo>
+                    <a:pt x="8771" y="13500"/>
+                  </a:lnTo>
+                  <a:cubicBezTo>
+                    <a:pt x="8771" y="13484"/>
+                    <a:pt x="8781" y="13473"/>
+                    <a:pt x="8782" y="13458"/>
+                  </a:cubicBezTo>
+                  <a:cubicBezTo>
+                    <a:pt x="8789" y="13361"/>
+                    <a:pt x="8815" y="13271"/>
+                    <a:pt x="8859" y="13191"/>
+                  </a:cubicBezTo>
+                  <a:cubicBezTo>
+                    <a:pt x="8871" y="13169"/>
+                    <a:pt x="8884" y="13151"/>
+                    <a:pt x="8898" y="13132"/>
+                  </a:cubicBezTo>
+                  <a:cubicBezTo>
+                    <a:pt x="8952" y="13051"/>
+                    <a:pt x="9020" y="12985"/>
+                    <a:pt x="9103" y="12934"/>
+                  </a:cubicBezTo>
+                  <a:cubicBezTo>
+                    <a:pt x="9107" y="12931"/>
+                    <a:pt x="9108" y="12927"/>
+                    <a:pt x="9112" y="12925"/>
+                  </a:cubicBezTo>
+                  <a:cubicBezTo>
+                    <a:pt x="9115" y="12925"/>
+                    <a:pt x="9117" y="12922"/>
+                    <a:pt x="9120" y="12922"/>
+                  </a:cubicBezTo>
+                  <a:cubicBezTo>
+                    <a:pt x="9174" y="12892"/>
+                    <a:pt x="9238" y="12885"/>
+                    <a:pt x="9299" y="12868"/>
+                  </a:cubicBezTo>
+                  <a:cubicBezTo>
+                    <a:pt x="11003" y="13049"/>
+                    <a:pt x="12545" y="14424"/>
+                    <a:pt x="13604" y="16495"/>
+                  </a:cubicBezTo>
+                  <a:lnTo>
+                    <a:pt x="13621" y="16487"/>
+                  </a:lnTo>
+                  <a:cubicBezTo>
+                    <a:pt x="14404" y="17950"/>
+                    <a:pt x="15490" y="18900"/>
+                    <a:pt x="16874" y="18900"/>
+                  </a:cubicBezTo>
+                  <a:cubicBezTo>
+                    <a:pt x="19977" y="18900"/>
+                    <a:pt x="21600" y="14145"/>
+                    <a:pt x="21600" y="9450"/>
+                  </a:cubicBezTo>
+                  <a:cubicBezTo>
+                    <a:pt x="21600" y="4754"/>
+                    <a:pt x="19977" y="0"/>
+                    <a:pt x="16874" y="0"/>
+                  </a:cubicBezTo>
+                </a:path>
+              </a:pathLst>
+            </a:custGeom>
+            <a:solidFill>
+              <a:schemeClr val="bg1"/>
+            </a:solidFill>
+            <a:ln>
+              <a:noFill/>
+            </a:ln>
+            <a:effectLst/>
+            <a:extLst>
+              <a:ext uri="{91240B29-F687-4f45-9708-019B960494DF}">
+                <a14:hiddenLine xmlns:a14="http://schemas.microsoft.com/office/drawing/2010/main" xmlns="" w="12700" cap="flat" cmpd="sng">
+                  <a:solidFill>
+                    <a:srgbClr val="000000"/>
+                  </a:solidFill>
+                  <a:prstDash val="solid"/>
+                  <a:miter lim="0"/>
+                  <a:headEnd/>
+                  <a:tailEnd/>
+                </a14:hiddenLine>
+              </a:ext>
+              <a:ext uri="{AF507438-7753-43e0-B8FC-AC1667EBCBE1}">
+                <a14:hiddenEffects xmlns:a14="http://schemas.microsoft.com/office/drawing/2010/main" xmlns="">
+                  <a:effectLst>
+                    <a:outerShdw blurRad="63500" dist="38099" dir="2700000" algn="ctr" rotWithShape="0">
+                      <a:srgbClr val="000000">
+                        <a:alpha val="74998"/>
+                      </a:srgbClr>
+                    </a:outerShdw>
+                  </a:effectLst>
+                </a14:hiddenEffects>
+              </a:ext>
+            </a:extLst>
+          </p:spPr>
+          <p:txBody>
+            <a:bodyPr lIns="50800" tIns="50800" rIns="50800" bIns="50800" anchor="ctr"/>
+            <a:lstStyle/>
+            <a:p>
+              <a:pPr defTabSz="609585"/>
+              <a:endParaRPr lang="en-US" sz="4000" dirty="0">
+                <a:solidFill>
+                  <a:srgbClr val="FFFFFF"/>
+                </a:solidFill>
+                <a:effectLst>
+                  <a:outerShdw blurRad="38100" dist="38100" dir="2700000" algn="tl">
+                    <a:srgbClr val="000000"/>
+                  </a:outerShdw>
+                </a:effectLst>
+              </a:endParaRPr>
+            </a:p>
+          </p:txBody>
+        </p:sp>
+      </p:grpSp>
+      <p:grpSp>
+        <p:nvGrpSpPr>
+          <p:cNvPr id="83" name="Group 82"/>
+          <p:cNvGrpSpPr/>
+          <p:nvPr/>
+        </p:nvGrpSpPr>
+        <p:grpSpPr>
+          <a:xfrm>
+            <a:off x="2971800" y="1685925"/>
+            <a:ext cx="847725" cy="847725"/>
+            <a:chOff x="2971800" y="1685925"/>
+            <a:chExt cx="847725" cy="847725"/>
+          </a:xfrm>
+        </p:grpSpPr>
+        <p:sp>
+          <p:nvSpPr>
+            <p:cNvPr id="14" name="Rectangle 13"/>
+            <p:cNvSpPr/>
+            <p:nvPr/>
+          </p:nvSpPr>
+          <p:spPr>
+            <a:xfrm>
+              <a:off x="2971800" y="1685925"/>
+              <a:ext cx="847725" cy="847725"/>
+            </a:xfrm>
+            <a:prstGeom prst="rect">
+              <a:avLst/>
+            </a:prstGeom>
+            <a:solidFill>
+              <a:schemeClr val="accent2"/>
+            </a:solidFill>
+            <a:ln>
+              <a:noFill/>
+            </a:ln>
+          </p:spPr>
+          <p:style>
+            <a:lnRef idx="2">
+              <a:schemeClr val="accent1">
+                <a:shade val="50000"/>
+              </a:schemeClr>
+            </a:lnRef>
+            <a:fillRef idx="1">
+              <a:schemeClr val="accent1"/>
+            </a:fillRef>
+            <a:effectRef idx="0">
+              <a:schemeClr val="accent1"/>
+            </a:effectRef>
+            <a:fontRef idx="minor">
+              <a:schemeClr val="lt1"/>
+            </a:fontRef>
+          </p:style>
+          <p:txBody>
+            <a:bodyPr rtlCol="0" anchor="ctr"/>
+            <a:lstStyle/>
+            <a:p>
+              <a:pPr algn="ctr"/>
+              <a:endParaRPr lang="en-US"/>
+            </a:p>
+          </p:txBody>
+        </p:sp>
+        <p:grpSp>
+          <p:nvGrpSpPr>
+            <p:cNvPr id="77" name="Group 76"/>
+            <p:cNvGrpSpPr/>
+            <p:nvPr/>
+          </p:nvGrpSpPr>
+          <p:grpSpPr>
+            <a:xfrm>
+              <a:off x="3151212" y="1904131"/>
+              <a:ext cx="488901" cy="411312"/>
+              <a:chOff x="5093968" y="1117084"/>
+              <a:chExt cx="488901" cy="411312"/>
+            </a:xfrm>
+            <a:solidFill>
+              <a:schemeClr val="bg1"/>
+            </a:solidFill>
+          </p:grpSpPr>
+          <p:sp>
+            <p:nvSpPr>
+              <p:cNvPr id="78" name="AutoShape 120"/>
+              <p:cNvSpPr>
+                <a:spLocks/>
+              </p:cNvSpPr>
+              <p:nvPr/>
+            </p:nvSpPr>
+            <p:spPr bwMode="auto">
+              <a:xfrm>
+                <a:off x="5216609" y="1223878"/>
+                <a:ext cx="243616" cy="243616"/>
+              </a:xfrm>
+              <a:custGeom>
+                <a:avLst/>
+                <a:gdLst>
+                  <a:gd name="T0" fmla="*/ 10800 w 21600"/>
+                  <a:gd name="T1" fmla="*/ 10800 h 21600"/>
+                  <a:gd name="T2" fmla="*/ 10800 w 21600"/>
+                  <a:gd name="T3" fmla="*/ 10800 h 21600"/>
+                  <a:gd name="T4" fmla="*/ 10800 w 21600"/>
+                  <a:gd name="T5" fmla="*/ 10800 h 21600"/>
+                  <a:gd name="T6" fmla="*/ 10800 w 21600"/>
+                  <a:gd name="T7" fmla="*/ 10800 h 21600"/>
+                </a:gdLst>
+                <a:ahLst/>
+                <a:cxnLst>
+                  <a:cxn ang="0">
+                    <a:pos x="T0" y="T1"/>
+                  </a:cxn>
+                  <a:cxn ang="0">
+                    <a:pos x="T2" y="T3"/>
+                  </a:cxn>
+                  <a:cxn ang="0">
+                    <a:pos x="T4" y="T5"/>
+                  </a:cxn>
+                  <a:cxn ang="0">
+                    <a:pos x="T6" y="T7"/>
+                  </a:cxn>
+                </a:cxnLst>
+                <a:rect l="0" t="0" r="r" b="b"/>
+                <a:pathLst>
+                  <a:path w="21600" h="21600">
+                    <a:moveTo>
+                      <a:pt x="16948" y="16070"/>
+                    </a:moveTo>
+                    <a:cubicBezTo>
+                      <a:pt x="14037" y="19468"/>
+                      <a:pt x="8925" y="19859"/>
+                      <a:pt x="5529" y="16948"/>
+                    </a:cubicBezTo>
+                    <a:cubicBezTo>
+                      <a:pt x="2130" y="14038"/>
+                      <a:pt x="1740" y="8924"/>
+                      <a:pt x="4651" y="5527"/>
+                    </a:cubicBezTo>
+                    <a:cubicBezTo>
+                      <a:pt x="7559" y="2131"/>
+                      <a:pt x="12674" y="1740"/>
+                      <a:pt x="16070" y="4650"/>
+                    </a:cubicBezTo>
+                    <a:cubicBezTo>
+                      <a:pt x="19466" y="7560"/>
+                      <a:pt x="19859" y="12673"/>
+                      <a:pt x="16948" y="16070"/>
+                    </a:cubicBezTo>
+                    <a:moveTo>
+                      <a:pt x="10800" y="0"/>
+                    </a:moveTo>
+                    <a:cubicBezTo>
+                      <a:pt x="4833" y="0"/>
+                      <a:pt x="0" y="4834"/>
+                      <a:pt x="0" y="10800"/>
+                    </a:cubicBezTo>
+                    <a:cubicBezTo>
+                      <a:pt x="0" y="16765"/>
+                      <a:pt x="4833" y="21599"/>
+                      <a:pt x="10800" y="21599"/>
+                    </a:cubicBezTo>
+                    <a:cubicBezTo>
+                      <a:pt x="16764" y="21599"/>
+                      <a:pt x="21600" y="16765"/>
+                      <a:pt x="21600" y="10800"/>
+                    </a:cubicBezTo>
+                    <a:cubicBezTo>
+                      <a:pt x="21600" y="4834"/>
+                      <a:pt x="16764" y="0"/>
+                      <a:pt x="10800" y="0"/>
+                    </a:cubicBezTo>
+                  </a:path>
+                </a:pathLst>
+              </a:custGeom>
+              <a:grpFill/>
+              <a:ln>
+                <a:noFill/>
+              </a:ln>
+              <a:effectLst/>
+              <a:extLst>
+                <a:ext uri="{91240B29-F687-4f45-9708-019B960494DF}">
+                  <a14:hiddenLine xmlns:a14="http://schemas.microsoft.com/office/drawing/2010/main" xmlns="" w="12700" cap="flat" cmpd="sng">
+                    <a:solidFill>
+                      <a:srgbClr val="000000"/>
+                    </a:solidFill>
+                    <a:prstDash val="solid"/>
+                    <a:miter lim="0"/>
+                    <a:headEnd/>
+                    <a:tailEnd/>
+                  </a14:hiddenLine>
+                </a:ext>
+                <a:ext uri="{AF507438-7753-43e0-B8FC-AC1667EBCBE1}">
+                  <a14:hiddenEffects xmlns:a14="http://schemas.microsoft.com/office/drawing/2010/main" xmlns="">
+                    <a:effectLst>
+                      <a:outerShdw blurRad="63500" dist="38099" dir="2700000" algn="ctr" rotWithShape="0">
+                        <a:srgbClr val="000000">
+                          <a:alpha val="74998"/>
+                        </a:srgbClr>
+                      </a:outerShdw>
+                    </a:effectLst>
+                  </a14:hiddenEffects>
+                </a:ext>
+              </a:extLst>
+            </p:spPr>
+            <p:txBody>
+              <a:bodyPr lIns="50800" tIns="50800" rIns="50800" bIns="50800" anchor="ctr"/>
+              <a:lstStyle/>
+              <a:p>
+                <a:pPr defTabSz="609585"/>
+                <a:endParaRPr lang="en-US" sz="4000" dirty="0">
+                  <a:solidFill>
+                    <a:srgbClr val="FFFFFF"/>
+                  </a:solidFill>
+                  <a:effectLst>
+                    <a:outerShdw blurRad="38100" dist="38100" dir="2700000" algn="tl">
+                      <a:srgbClr val="000000"/>
+                    </a:outerShdw>
+                  </a:effectLst>
+                </a:endParaRPr>
+              </a:p>
+            </p:txBody>
+          </p:sp>
+          <p:sp>
+            <p:nvSpPr>
+              <p:cNvPr id="79" name="AutoShape 121"/>
+              <p:cNvSpPr>
+                <a:spLocks/>
+              </p:cNvSpPr>
+              <p:nvPr/>
+            </p:nvSpPr>
+            <p:spPr bwMode="auto">
+              <a:xfrm>
+                <a:off x="5277514" y="1284781"/>
+                <a:ext cx="68413" cy="68413"/>
+              </a:xfrm>
+              <a:custGeom>
+                <a:avLst/>
+                <a:gdLst>
+                  <a:gd name="T0" fmla="*/ 10800 w 21600"/>
+                  <a:gd name="T1" fmla="*/ 10800 h 21600"/>
+                  <a:gd name="T2" fmla="*/ 10800 w 21600"/>
+                  <a:gd name="T3" fmla="*/ 10800 h 21600"/>
+                  <a:gd name="T4" fmla="*/ 10800 w 21600"/>
+                  <a:gd name="T5" fmla="*/ 10800 h 21600"/>
+                  <a:gd name="T6" fmla="*/ 10800 w 21600"/>
+                  <a:gd name="T7" fmla="*/ 10800 h 21600"/>
+                </a:gdLst>
+                <a:ahLst/>
+                <a:cxnLst>
+                  <a:cxn ang="0">
+                    <a:pos x="T0" y="T1"/>
+                  </a:cxn>
+                  <a:cxn ang="0">
+                    <a:pos x="T2" y="T3"/>
+                  </a:cxn>
+                  <a:cxn ang="0">
+                    <a:pos x="T4" y="T5"/>
+                  </a:cxn>
+                  <a:cxn ang="0">
+                    <a:pos x="T6" y="T7"/>
+                  </a:cxn>
+                </a:cxnLst>
+                <a:rect l="0" t="0" r="r" b="b"/>
+                <a:pathLst>
+                  <a:path w="21600" h="21600">
+                    <a:moveTo>
+                      <a:pt x="19200" y="0"/>
+                    </a:moveTo>
+                    <a:cubicBezTo>
+                      <a:pt x="8596" y="0"/>
+                      <a:pt x="0" y="8596"/>
+                      <a:pt x="0" y="19195"/>
+                    </a:cubicBezTo>
+                    <a:lnTo>
+                      <a:pt x="0" y="19199"/>
+                    </a:lnTo>
+                    <a:cubicBezTo>
+                      <a:pt x="0" y="20524"/>
+                      <a:pt x="1068" y="21599"/>
+                      <a:pt x="2400" y="21599"/>
+                    </a:cubicBezTo>
+                    <a:cubicBezTo>
+                      <a:pt x="3721" y="21599"/>
+                      <a:pt x="4800" y="20524"/>
+                      <a:pt x="4800" y="19199"/>
+                    </a:cubicBezTo>
+                    <a:lnTo>
+                      <a:pt x="4800" y="19195"/>
+                    </a:lnTo>
+                    <a:cubicBezTo>
+                      <a:pt x="4800" y="11247"/>
+                      <a:pt x="11240" y="4799"/>
+                      <a:pt x="19200" y="4799"/>
+                    </a:cubicBezTo>
+                    <a:cubicBezTo>
+                      <a:pt x="20521" y="4799"/>
+                      <a:pt x="21600" y="3724"/>
+                      <a:pt x="21600" y="2399"/>
+                    </a:cubicBezTo>
+                    <a:cubicBezTo>
+                      <a:pt x="21600" y="1075"/>
+                      <a:pt x="20521" y="0"/>
+                      <a:pt x="19200" y="0"/>
+                    </a:cubicBezTo>
+                  </a:path>
+                </a:pathLst>
+              </a:custGeom>
+              <a:grpFill/>
+              <a:ln>
+                <a:noFill/>
+              </a:ln>
+              <a:effectLst/>
+              <a:extLst>
+                <a:ext uri="{91240B29-F687-4f45-9708-019B960494DF}">
+                  <a14:hiddenLine xmlns:a14="http://schemas.microsoft.com/office/drawing/2010/main" xmlns="" w="12700" cap="flat" cmpd="sng">
+                    <a:solidFill>
+                      <a:srgbClr val="000000"/>
+                    </a:solidFill>
+                    <a:prstDash val="solid"/>
+                    <a:miter lim="0"/>
+                    <a:headEnd/>
+                    <a:tailEnd/>
+                  </a14:hiddenLine>
+                </a:ext>
+                <a:ext uri="{AF507438-7753-43e0-B8FC-AC1667EBCBE1}">
+                  <a14:hiddenEffects xmlns:a14="http://schemas.microsoft.com/office/drawing/2010/main" xmlns="">
+                    <a:effectLst>
+                      <a:outerShdw blurRad="63500" dist="38099" dir="2700000" algn="ctr" rotWithShape="0">
+                        <a:srgbClr val="000000">
+                          <a:alpha val="74998"/>
+                        </a:srgbClr>
+                      </a:outerShdw>
+                    </a:effectLst>
+                  </a14:hiddenEffects>
+                </a:ext>
+              </a:extLst>
+            </p:spPr>
+            <p:txBody>
+              <a:bodyPr lIns="50800" tIns="50800" rIns="50800" bIns="50800" anchor="ctr"/>
+              <a:lstStyle/>
+              <a:p>
+                <a:pPr defTabSz="609585"/>
+                <a:endParaRPr lang="en-US" sz="4000" dirty="0">
+                  <a:solidFill>
+                    <a:srgbClr val="FFFFFF"/>
+                  </a:solidFill>
+                  <a:effectLst>
+                    <a:outerShdw blurRad="38100" dist="38100" dir="2700000" algn="tl">
+                      <a:srgbClr val="000000"/>
+                    </a:outerShdw>
+                  </a:effectLst>
+                </a:endParaRPr>
+              </a:p>
+            </p:txBody>
+          </p:sp>
+          <p:sp>
+            <p:nvSpPr>
+              <p:cNvPr id="80" name="AutoShape 122"/>
+              <p:cNvSpPr>
+                <a:spLocks/>
+              </p:cNvSpPr>
+              <p:nvPr/>
+            </p:nvSpPr>
+            <p:spPr bwMode="auto">
+              <a:xfrm>
+                <a:off x="5093968" y="1117084"/>
+                <a:ext cx="488901" cy="411312"/>
+              </a:xfrm>
+              <a:custGeom>
+                <a:avLst/>
+                <a:gdLst>
+                  <a:gd name="T0" fmla="*/ 10800 w 21600"/>
+                  <a:gd name="T1" fmla="*/ 10800 h 21600"/>
+                  <a:gd name="T2" fmla="*/ 10800 w 21600"/>
+                  <a:gd name="T3" fmla="*/ 10800 h 21600"/>
+                  <a:gd name="T4" fmla="*/ 10800 w 21600"/>
+                  <a:gd name="T5" fmla="*/ 10800 h 21600"/>
+                  <a:gd name="T6" fmla="*/ 10800 w 21600"/>
+                  <a:gd name="T7" fmla="*/ 10800 h 21600"/>
+                </a:gdLst>
+                <a:ahLst/>
+                <a:cxnLst>
+                  <a:cxn ang="0">
+                    <a:pos x="T0" y="T1"/>
+                  </a:cxn>
+                  <a:cxn ang="0">
+                    <a:pos x="T2" y="T3"/>
+                  </a:cxn>
+                  <a:cxn ang="0">
+                    <a:pos x="T4" y="T5"/>
+                  </a:cxn>
+                  <a:cxn ang="0">
+                    <a:pos x="T6" y="T7"/>
+                  </a:cxn>
+                </a:cxnLst>
+                <a:rect l="0" t="0" r="r" b="b"/>
+                <a:pathLst>
+                  <a:path w="21600" h="21600">
+                    <a:moveTo>
+                      <a:pt x="20249" y="19199"/>
+                    </a:moveTo>
+                    <a:cubicBezTo>
+                      <a:pt x="20249" y="19642"/>
+                      <a:pt x="19948" y="19999"/>
+                      <a:pt x="19575" y="19999"/>
+                    </a:cubicBezTo>
+                    <a:lnTo>
+                      <a:pt x="2024" y="19999"/>
+                    </a:lnTo>
+                    <a:cubicBezTo>
+                      <a:pt x="1651" y="19999"/>
+                      <a:pt x="1349" y="19642"/>
+                      <a:pt x="1349" y="19199"/>
+                    </a:cubicBezTo>
+                    <a:lnTo>
+                      <a:pt x="1349" y="7200"/>
+                    </a:lnTo>
+                    <a:cubicBezTo>
+                      <a:pt x="1349" y="6809"/>
+                      <a:pt x="1588" y="6475"/>
+                      <a:pt x="1914" y="6411"/>
+                    </a:cubicBezTo>
+                    <a:lnTo>
+                      <a:pt x="5588" y="5684"/>
+                    </a:lnTo>
+                    <a:lnTo>
+                      <a:pt x="6797" y="2103"/>
+                    </a:lnTo>
+                    <a:cubicBezTo>
+                      <a:pt x="6900" y="1799"/>
+                      <a:pt x="7148" y="1600"/>
+                      <a:pt x="7424" y="1600"/>
+                    </a:cubicBezTo>
+                    <a:lnTo>
+                      <a:pt x="14174" y="1600"/>
+                    </a:lnTo>
+                    <a:cubicBezTo>
+                      <a:pt x="14450" y="1600"/>
+                      <a:pt x="14698" y="1799"/>
+                      <a:pt x="14801" y="2103"/>
+                    </a:cubicBezTo>
+                    <a:lnTo>
+                      <a:pt x="16010" y="5684"/>
+                    </a:lnTo>
+                    <a:lnTo>
+                      <a:pt x="19685" y="6411"/>
+                    </a:lnTo>
+                    <a:cubicBezTo>
+                      <a:pt x="20011" y="6475"/>
+                      <a:pt x="20249" y="6809"/>
+                      <a:pt x="20249" y="7200"/>
+                    </a:cubicBezTo>
+                    <a:cubicBezTo>
+                      <a:pt x="20249" y="7200"/>
+                      <a:pt x="20249" y="19199"/>
+                      <a:pt x="20249" y="19199"/>
+                    </a:cubicBezTo>
+                    <a:close/>
+                    <a:moveTo>
+                      <a:pt x="19907" y="4832"/>
+                    </a:moveTo>
+                    <a:lnTo>
+                      <a:pt x="16981" y="4254"/>
+                    </a:lnTo>
+                    <a:lnTo>
+                      <a:pt x="16054" y="1507"/>
+                    </a:lnTo>
+                    <a:cubicBezTo>
+                      <a:pt x="15745" y="591"/>
+                      <a:pt x="15006" y="0"/>
+                      <a:pt x="14174" y="0"/>
+                    </a:cubicBezTo>
+                    <a:lnTo>
+                      <a:pt x="7424" y="0"/>
+                    </a:lnTo>
+                    <a:cubicBezTo>
+                      <a:pt x="6593" y="0"/>
+                      <a:pt x="5854" y="591"/>
+                      <a:pt x="5543" y="1509"/>
+                    </a:cubicBezTo>
+                    <a:lnTo>
+                      <a:pt x="4618" y="4254"/>
+                    </a:lnTo>
+                    <a:lnTo>
+                      <a:pt x="1692" y="4832"/>
+                    </a:lnTo>
+                    <a:cubicBezTo>
+                      <a:pt x="711" y="5025"/>
+                      <a:pt x="0" y="6020"/>
+                      <a:pt x="0" y="7200"/>
+                    </a:cubicBezTo>
+                    <a:lnTo>
+                      <a:pt x="0" y="19199"/>
+                    </a:lnTo>
+                    <a:cubicBezTo>
+                      <a:pt x="0" y="20523"/>
+                      <a:pt x="908" y="21600"/>
+                      <a:pt x="2024" y="21600"/>
+                    </a:cubicBezTo>
+                    <a:lnTo>
+                      <a:pt x="19575" y="21600"/>
+                    </a:lnTo>
+                    <a:cubicBezTo>
+                      <a:pt x="20691" y="21600"/>
+                      <a:pt x="21600" y="20523"/>
+                      <a:pt x="21600" y="19199"/>
+                    </a:cubicBezTo>
+                    <a:lnTo>
+                      <a:pt x="21600" y="7200"/>
+                    </a:lnTo>
+                    <a:cubicBezTo>
+                      <a:pt x="21600" y="6020"/>
+                      <a:pt x="20888" y="5025"/>
+                      <a:pt x="19907" y="4832"/>
+                    </a:cubicBezTo>
+                  </a:path>
+                </a:pathLst>
+              </a:custGeom>
+              <a:grpFill/>
+              <a:ln>
+                <a:noFill/>
+              </a:ln>
+              <a:effectLst/>
+              <a:extLst>
+                <a:ext uri="{91240B29-F687-4f45-9708-019B960494DF}">
+                  <a14:hiddenLine xmlns:a14="http://schemas.microsoft.com/office/drawing/2010/main" xmlns="" w="12700" cap="flat" cmpd="sng">
+                    <a:solidFill>
+                      <a:srgbClr val="000000"/>
+                    </a:solidFill>
+                    <a:prstDash val="solid"/>
+                    <a:miter lim="0"/>
+                    <a:headEnd/>
+                    <a:tailEnd/>
+                  </a14:hiddenLine>
+                </a:ext>
+                <a:ext uri="{AF507438-7753-43e0-B8FC-AC1667EBCBE1}">
+                  <a14:hiddenEffects xmlns:a14="http://schemas.microsoft.com/office/drawing/2010/main" xmlns="">
+                    <a:effectLst>
+                      <a:outerShdw blurRad="63500" dist="38099" dir="2700000" algn="ctr" rotWithShape="0">
+                        <a:srgbClr val="000000">
+                          <a:alpha val="74998"/>
+                        </a:srgbClr>
+                      </a:outerShdw>
+                    </a:effectLst>
+                  </a14:hiddenEffects>
+                </a:ext>
+              </a:extLst>
+            </p:spPr>
+            <p:txBody>
+              <a:bodyPr lIns="50800" tIns="50800" rIns="50800" bIns="50800" anchor="ctr"/>
+              <a:lstStyle/>
+              <a:p>
+                <a:pPr defTabSz="609585"/>
+                <a:endParaRPr lang="en-US" sz="4000" dirty="0">
+                  <a:solidFill>
+                    <a:srgbClr val="FFFFFF"/>
+                  </a:solidFill>
+                  <a:effectLst>
+                    <a:outerShdw blurRad="38100" dist="38100" dir="2700000" algn="tl">
+                      <a:srgbClr val="000000"/>
+                    </a:outerShdw>
+                  </a:effectLst>
+                </a:endParaRPr>
+              </a:p>
+            </p:txBody>
+          </p:sp>
+        </p:grpSp>
+      </p:grpSp>
+      <p:grpSp>
+        <p:nvGrpSpPr>
+          <p:cNvPr id="86" name="Group 85"/>
+          <p:cNvGrpSpPr/>
+          <p:nvPr/>
+        </p:nvGrpSpPr>
+        <p:grpSpPr>
+          <a:xfrm>
+            <a:off x="2971800" y="4975225"/>
+            <a:ext cx="847725" cy="847725"/>
+            <a:chOff x="2971800" y="4975225"/>
+            <a:chExt cx="847725" cy="847725"/>
+          </a:xfrm>
+        </p:grpSpPr>
+        <p:sp>
+          <p:nvSpPr>
+            <p:cNvPr id="15" name="Rectangle 14"/>
+            <p:cNvSpPr/>
+            <p:nvPr/>
+          </p:nvSpPr>
+          <p:spPr>
+            <a:xfrm>
+              <a:off x="2971800" y="4975225"/>
+              <a:ext cx="847725" cy="847725"/>
+            </a:xfrm>
+            <a:prstGeom prst="rect">
+              <a:avLst/>
+            </a:prstGeom>
+            <a:solidFill>
+              <a:schemeClr val="accent1">
+                <a:lumMod val="50000"/>
+              </a:schemeClr>
+            </a:solidFill>
+            <a:ln>
+              <a:noFill/>
+            </a:ln>
+          </p:spPr>
+          <p:style>
+            <a:lnRef idx="2">
+              <a:schemeClr val="accent1">
+                <a:shade val="50000"/>
+              </a:schemeClr>
+            </a:lnRef>
+            <a:fillRef idx="1">
+              <a:schemeClr val="accent1"/>
+            </a:fillRef>
+            <a:effectRef idx="0">
+              <a:schemeClr val="accent1"/>
+            </a:effectRef>
+            <a:fontRef idx="minor">
+              <a:schemeClr val="lt1"/>
+            </a:fontRef>
+          </p:style>
+          <p:txBody>
+            <a:bodyPr rtlCol="0" anchor="ctr"/>
+            <a:lstStyle/>
+            <a:p>
+              <a:pPr algn="ctr"/>
+              <a:endParaRPr lang="en-US"/>
+            </a:p>
+          </p:txBody>
+        </p:sp>
+        <p:sp>
+          <p:nvSpPr>
+            <p:cNvPr id="81" name="Freeform 39"/>
+            <p:cNvSpPr>
+              <a:spLocks noEditPoints="1"/>
+            </p:cNvSpPr>
+            <p:nvPr/>
+          </p:nvSpPr>
+          <p:spPr bwMode="auto">
+            <a:xfrm>
+              <a:off x="3141108" y="5140789"/>
+              <a:ext cx="509109" cy="516597"/>
+            </a:xfrm>
+            <a:custGeom>
+              <a:avLst/>
+              <a:gdLst/>
+              <a:ahLst/>
+              <a:cxnLst>
+                <a:cxn ang="0">
+                  <a:pos x="272" y="172"/>
+                </a:cxn>
+                <a:cxn ang="0">
+                  <a:pos x="271" y="145"/>
+                </a:cxn>
+                <a:cxn ang="0">
+                  <a:pos x="261" y="122"/>
+                </a:cxn>
+                <a:cxn ang="0">
+                  <a:pos x="258" y="119"/>
+                </a:cxn>
+                <a:cxn ang="0">
+                  <a:pos x="241" y="109"/>
+                </a:cxn>
+                <a:cxn ang="0">
+                  <a:pos x="219" y="106"/>
+                </a:cxn>
+                <a:cxn ang="0">
+                  <a:pos x="221" y="89"/>
+                </a:cxn>
+                <a:cxn ang="0">
+                  <a:pos x="221" y="72"/>
+                </a:cxn>
+                <a:cxn ang="0">
+                  <a:pos x="215" y="43"/>
+                </a:cxn>
+                <a:cxn ang="0">
+                  <a:pos x="200" y="21"/>
+                </a:cxn>
+                <a:cxn ang="0">
+                  <a:pos x="176" y="6"/>
+                </a:cxn>
+                <a:cxn ang="0">
+                  <a:pos x="147" y="0"/>
+                </a:cxn>
+                <a:cxn ang="0">
+                  <a:pos x="82" y="0"/>
+                </a:cxn>
+                <a:cxn ang="0">
+                  <a:pos x="80" y="0"/>
+                </a:cxn>
+                <a:cxn ang="0">
+                  <a:pos x="47" y="6"/>
+                </a:cxn>
+                <a:cxn ang="0">
+                  <a:pos x="21" y="22"/>
+                </a:cxn>
+                <a:cxn ang="0">
+                  <a:pos x="15" y="30"/>
+                </a:cxn>
+                <a:cxn ang="0">
+                  <a:pos x="2" y="56"/>
+                </a:cxn>
+                <a:cxn ang="0">
+                  <a:pos x="0" y="178"/>
+                </a:cxn>
+                <a:cxn ang="0">
+                  <a:pos x="0" y="183"/>
+                </a:cxn>
+                <a:cxn ang="0">
+                  <a:pos x="0" y="206"/>
+                </a:cxn>
+                <a:cxn ang="0">
+                  <a:pos x="10" y="239"/>
+                </a:cxn>
+                <a:cxn ang="0">
+                  <a:pos x="19" y="252"/>
+                </a:cxn>
+                <a:cxn ang="0">
+                  <a:pos x="47" y="269"/>
+                </a:cxn>
+                <a:cxn ang="0">
+                  <a:pos x="85" y="276"/>
+                </a:cxn>
+                <a:cxn ang="0">
+                  <a:pos x="87" y="276"/>
+                </a:cxn>
+                <a:cxn ang="0">
+                  <a:pos x="185" y="276"/>
+                </a:cxn>
+                <a:cxn ang="0">
+                  <a:pos x="204" y="274"/>
+                </a:cxn>
+                <a:cxn ang="0">
+                  <a:pos x="235" y="261"/>
+                </a:cxn>
+                <a:cxn ang="0">
+                  <a:pos x="248" y="250"/>
+                </a:cxn>
+                <a:cxn ang="0">
+                  <a:pos x="265" y="222"/>
+                </a:cxn>
+                <a:cxn ang="0">
+                  <a:pos x="272" y="187"/>
+                </a:cxn>
+                <a:cxn ang="0">
+                  <a:pos x="272" y="172"/>
+                </a:cxn>
+                <a:cxn ang="0">
+                  <a:pos x="87" y="56"/>
+                </a:cxn>
+                <a:cxn ang="0">
+                  <a:pos x="143" y="56"/>
+                </a:cxn>
+                <a:cxn ang="0">
+                  <a:pos x="160" y="63"/>
+                </a:cxn>
+                <a:cxn ang="0">
+                  <a:pos x="165" y="80"/>
+                </a:cxn>
+                <a:cxn ang="0">
+                  <a:pos x="163" y="89"/>
+                </a:cxn>
+                <a:cxn ang="0">
+                  <a:pos x="150" y="102"/>
+                </a:cxn>
+                <a:cxn ang="0">
+                  <a:pos x="141" y="102"/>
+                </a:cxn>
+                <a:cxn ang="0">
+                  <a:pos x="85" y="102"/>
+                </a:cxn>
+                <a:cxn ang="0">
+                  <a:pos x="69" y="96"/>
+                </a:cxn>
+                <a:cxn ang="0">
+                  <a:pos x="63" y="78"/>
+                </a:cxn>
+                <a:cxn ang="0">
+                  <a:pos x="65" y="70"/>
+                </a:cxn>
+                <a:cxn ang="0">
+                  <a:pos x="78" y="58"/>
+                </a:cxn>
+                <a:cxn ang="0">
+                  <a:pos x="87" y="56"/>
+                </a:cxn>
+                <a:cxn ang="0">
+                  <a:pos x="80" y="211"/>
+                </a:cxn>
+                <a:cxn ang="0">
+                  <a:pos x="71" y="209"/>
+                </a:cxn>
+                <a:cxn ang="0">
+                  <a:pos x="58" y="196"/>
+                </a:cxn>
+                <a:cxn ang="0">
+                  <a:pos x="56" y="187"/>
+                </a:cxn>
+                <a:cxn ang="0">
+                  <a:pos x="63" y="170"/>
+                </a:cxn>
+                <a:cxn ang="0">
+                  <a:pos x="80" y="165"/>
+                </a:cxn>
+                <a:cxn ang="0">
+                  <a:pos x="191" y="165"/>
+                </a:cxn>
+                <a:cxn ang="0">
+                  <a:pos x="208" y="170"/>
+                </a:cxn>
+                <a:cxn ang="0">
+                  <a:pos x="215" y="187"/>
+                </a:cxn>
+                <a:cxn ang="0">
+                  <a:pos x="213" y="196"/>
+                </a:cxn>
+                <a:cxn ang="0">
+                  <a:pos x="200" y="209"/>
+                </a:cxn>
+                <a:cxn ang="0">
+                  <a:pos x="191" y="211"/>
+                </a:cxn>
+              </a:cxnLst>
+              <a:rect l="0" t="0" r="r" b="b"/>
+              <a:pathLst>
+                <a:path w="272" h="276">
+                  <a:moveTo>
+                    <a:pt x="272" y="172"/>
+                  </a:moveTo>
+                  <a:lnTo>
+                    <a:pt x="272" y="172"/>
+                  </a:lnTo>
+                  <a:lnTo>
+                    <a:pt x="272" y="158"/>
+                  </a:lnTo>
+                  <a:lnTo>
+                    <a:pt x="271" y="145"/>
+                  </a:lnTo>
+                  <a:lnTo>
+                    <a:pt x="267" y="133"/>
+                  </a:lnTo>
+                  <a:lnTo>
+                    <a:pt x="261" y="122"/>
+                  </a:lnTo>
+                  <a:lnTo>
+                    <a:pt x="261" y="122"/>
+                  </a:lnTo>
+                  <a:lnTo>
+                    <a:pt x="258" y="119"/>
+                  </a:lnTo>
+                  <a:lnTo>
+                    <a:pt x="252" y="115"/>
+                  </a:lnTo>
+                  <a:lnTo>
+                    <a:pt x="241" y="109"/>
+                  </a:lnTo>
+                  <a:lnTo>
+                    <a:pt x="230" y="106"/>
+                  </a:lnTo>
+                  <a:lnTo>
+                    <a:pt x="219" y="106"/>
+                  </a:lnTo>
+                  <a:lnTo>
+                    <a:pt x="219" y="106"/>
+                  </a:lnTo>
+                  <a:lnTo>
+                    <a:pt x="221" y="89"/>
+                  </a:lnTo>
+                  <a:lnTo>
+                    <a:pt x="221" y="72"/>
+                  </a:lnTo>
+                  <a:lnTo>
+                    <a:pt x="221" y="72"/>
+                  </a:lnTo>
+                  <a:lnTo>
+                    <a:pt x="219" y="56"/>
+                  </a:lnTo>
+                  <a:lnTo>
+                    <a:pt x="215" y="43"/>
+                  </a:lnTo>
+                  <a:lnTo>
+                    <a:pt x="208" y="32"/>
+                  </a:lnTo>
+                  <a:lnTo>
+                    <a:pt x="200" y="21"/>
+                  </a:lnTo>
+                  <a:lnTo>
+                    <a:pt x="189" y="11"/>
+                  </a:lnTo>
+                  <a:lnTo>
+                    <a:pt x="176" y="6"/>
+                  </a:lnTo>
+                  <a:lnTo>
+                    <a:pt x="163" y="2"/>
+                  </a:lnTo>
+                  <a:lnTo>
+                    <a:pt x="147" y="0"/>
+                  </a:lnTo>
+                  <a:lnTo>
+                    <a:pt x="147" y="0"/>
+                  </a:lnTo>
+                  <a:lnTo>
+                    <a:pt x="82" y="0"/>
+                  </a:lnTo>
+                  <a:lnTo>
+                    <a:pt x="80" y="0"/>
+                  </a:lnTo>
+                  <a:lnTo>
+                    <a:pt x="80" y="0"/>
+                  </a:lnTo>
+                  <a:lnTo>
+                    <a:pt x="63" y="0"/>
+                  </a:lnTo>
+                  <a:lnTo>
+                    <a:pt x="47" y="6"/>
+                  </a:lnTo>
+                  <a:lnTo>
+                    <a:pt x="34" y="13"/>
+                  </a:lnTo>
+                  <a:lnTo>
+                    <a:pt x="21" y="22"/>
+                  </a:lnTo>
+                  <a:lnTo>
+                    <a:pt x="21" y="22"/>
+                  </a:lnTo>
+                  <a:lnTo>
+                    <a:pt x="15" y="30"/>
+                  </a:lnTo>
+                  <a:lnTo>
+                    <a:pt x="8" y="41"/>
+                  </a:lnTo>
+                  <a:lnTo>
+                    <a:pt x="2" y="56"/>
+                  </a:lnTo>
+                  <a:lnTo>
+                    <a:pt x="0" y="74"/>
+                  </a:lnTo>
+                  <a:lnTo>
+                    <a:pt x="0" y="178"/>
+                  </a:lnTo>
+                  <a:lnTo>
+                    <a:pt x="0" y="178"/>
+                  </a:lnTo>
+                  <a:lnTo>
+                    <a:pt x="0" y="183"/>
+                  </a:lnTo>
+                  <a:lnTo>
+                    <a:pt x="0" y="183"/>
+                  </a:lnTo>
+                  <a:lnTo>
+                    <a:pt x="0" y="206"/>
+                  </a:lnTo>
+                  <a:lnTo>
+                    <a:pt x="4" y="222"/>
+                  </a:lnTo>
+                  <a:lnTo>
+                    <a:pt x="10" y="239"/>
+                  </a:lnTo>
+                  <a:lnTo>
+                    <a:pt x="19" y="252"/>
+                  </a:lnTo>
+                  <a:lnTo>
+                    <a:pt x="19" y="252"/>
+                  </a:lnTo>
+                  <a:lnTo>
+                    <a:pt x="32" y="261"/>
+                  </a:lnTo>
+                  <a:lnTo>
+                    <a:pt x="47" y="269"/>
+                  </a:lnTo>
+                  <a:lnTo>
+                    <a:pt x="65" y="274"/>
+                  </a:lnTo>
+                  <a:lnTo>
+                    <a:pt x="85" y="276"/>
+                  </a:lnTo>
+                  <a:lnTo>
+                    <a:pt x="85" y="276"/>
+                  </a:lnTo>
+                  <a:lnTo>
+                    <a:pt x="87" y="276"/>
+                  </a:lnTo>
+                  <a:lnTo>
+                    <a:pt x="185" y="276"/>
+                  </a:lnTo>
+                  <a:lnTo>
+                    <a:pt x="185" y="276"/>
+                  </a:lnTo>
+                  <a:lnTo>
+                    <a:pt x="185" y="276"/>
+                  </a:lnTo>
+                  <a:lnTo>
+                    <a:pt x="204" y="274"/>
+                  </a:lnTo>
+                  <a:lnTo>
+                    <a:pt x="221" y="269"/>
+                  </a:lnTo>
+                  <a:lnTo>
+                    <a:pt x="235" y="261"/>
+                  </a:lnTo>
+                  <a:lnTo>
+                    <a:pt x="248" y="250"/>
+                  </a:lnTo>
+                  <a:lnTo>
+                    <a:pt x="248" y="250"/>
+                  </a:lnTo>
+                  <a:lnTo>
+                    <a:pt x="258" y="237"/>
+                  </a:lnTo>
+                  <a:lnTo>
+                    <a:pt x="265" y="222"/>
+                  </a:lnTo>
+                  <a:lnTo>
+                    <a:pt x="271" y="206"/>
+                  </a:lnTo>
+                  <a:lnTo>
+                    <a:pt x="272" y="187"/>
+                  </a:lnTo>
+                  <a:lnTo>
+                    <a:pt x="272" y="187"/>
+                  </a:lnTo>
+                  <a:lnTo>
+                    <a:pt x="272" y="172"/>
+                  </a:lnTo>
+                  <a:lnTo>
+                    <a:pt x="272" y="172"/>
+                  </a:lnTo>
+                  <a:close/>
+                  <a:moveTo>
+                    <a:pt x="87" y="56"/>
+                  </a:moveTo>
+                  <a:lnTo>
+                    <a:pt x="143" y="56"/>
+                  </a:lnTo>
+                  <a:lnTo>
+                    <a:pt x="143" y="56"/>
+                  </a:lnTo>
+                  <a:lnTo>
+                    <a:pt x="152" y="58"/>
+                  </a:lnTo>
+                  <a:lnTo>
+                    <a:pt x="160" y="63"/>
+                  </a:lnTo>
+                  <a:lnTo>
+                    <a:pt x="163" y="70"/>
+                  </a:lnTo>
+                  <a:lnTo>
+                    <a:pt x="165" y="80"/>
+                  </a:lnTo>
+                  <a:lnTo>
+                    <a:pt x="165" y="80"/>
+                  </a:lnTo>
+                  <a:lnTo>
+                    <a:pt x="163" y="89"/>
+                  </a:lnTo>
+                  <a:lnTo>
+                    <a:pt x="158" y="96"/>
+                  </a:lnTo>
+                  <a:lnTo>
+                    <a:pt x="150" y="102"/>
+                  </a:lnTo>
+                  <a:lnTo>
+                    <a:pt x="141" y="102"/>
+                  </a:lnTo>
+                  <a:lnTo>
+                    <a:pt x="141" y="102"/>
+                  </a:lnTo>
+                  <a:lnTo>
+                    <a:pt x="85" y="102"/>
+                  </a:lnTo>
+                  <a:lnTo>
+                    <a:pt x="85" y="102"/>
+                  </a:lnTo>
+                  <a:lnTo>
+                    <a:pt x="76" y="100"/>
+                  </a:lnTo>
+                  <a:lnTo>
+                    <a:pt x="69" y="96"/>
+                  </a:lnTo>
+                  <a:lnTo>
+                    <a:pt x="65" y="87"/>
+                  </a:lnTo>
+                  <a:lnTo>
+                    <a:pt x="63" y="78"/>
+                  </a:lnTo>
+                  <a:lnTo>
+                    <a:pt x="63" y="78"/>
+                  </a:lnTo>
+                  <a:lnTo>
+                    <a:pt x="65" y="70"/>
+                  </a:lnTo>
+                  <a:lnTo>
+                    <a:pt x="71" y="61"/>
+                  </a:lnTo>
+                  <a:lnTo>
+                    <a:pt x="78" y="58"/>
+                  </a:lnTo>
+                  <a:lnTo>
+                    <a:pt x="87" y="56"/>
+                  </a:lnTo>
+                  <a:lnTo>
+                    <a:pt x="87" y="56"/>
+                  </a:lnTo>
+                  <a:close/>
+                  <a:moveTo>
+                    <a:pt x="191" y="211"/>
+                  </a:moveTo>
+                  <a:lnTo>
+                    <a:pt x="80" y="211"/>
+                  </a:lnTo>
+                  <a:lnTo>
+                    <a:pt x="80" y="211"/>
+                  </a:lnTo>
+                  <a:lnTo>
+                    <a:pt x="71" y="209"/>
+                  </a:lnTo>
+                  <a:lnTo>
+                    <a:pt x="63" y="204"/>
+                  </a:lnTo>
+                  <a:lnTo>
+                    <a:pt x="58" y="196"/>
+                  </a:lnTo>
+                  <a:lnTo>
+                    <a:pt x="56" y="187"/>
+                  </a:lnTo>
+                  <a:lnTo>
+                    <a:pt x="56" y="187"/>
+                  </a:lnTo>
+                  <a:lnTo>
+                    <a:pt x="58" y="178"/>
+                  </a:lnTo>
+                  <a:lnTo>
+                    <a:pt x="63" y="170"/>
+                  </a:lnTo>
+                  <a:lnTo>
+                    <a:pt x="71" y="167"/>
+                  </a:lnTo>
+                  <a:lnTo>
+                    <a:pt x="80" y="165"/>
+                  </a:lnTo>
+                  <a:lnTo>
+                    <a:pt x="191" y="165"/>
+                  </a:lnTo>
+                  <a:lnTo>
+                    <a:pt x="191" y="165"/>
+                  </a:lnTo>
+                  <a:lnTo>
+                    <a:pt x="200" y="167"/>
+                  </a:lnTo>
+                  <a:lnTo>
+                    <a:pt x="208" y="170"/>
+                  </a:lnTo>
+                  <a:lnTo>
+                    <a:pt x="213" y="178"/>
+                  </a:lnTo>
+                  <a:lnTo>
+                    <a:pt x="215" y="187"/>
+                  </a:lnTo>
+                  <a:lnTo>
+                    <a:pt x="215" y="187"/>
+                  </a:lnTo>
+                  <a:lnTo>
+                    <a:pt x="213" y="196"/>
+                  </a:lnTo>
+                  <a:lnTo>
+                    <a:pt x="208" y="204"/>
+                  </a:lnTo>
+                  <a:lnTo>
+                    <a:pt x="200" y="209"/>
+                  </a:lnTo>
+                  <a:lnTo>
+                    <a:pt x="191" y="211"/>
+                  </a:lnTo>
+                  <a:lnTo>
+                    <a:pt x="191" y="211"/>
+                  </a:lnTo>
+                  <a:close/>
+                </a:path>
+              </a:pathLst>
+            </a:custGeom>
+            <a:solidFill>
+              <a:schemeClr val="bg1"/>
+            </a:solidFill>
+            <a:ln w="9525">
+              <a:noFill/>
+              <a:round/>
+              <a:headEnd/>
+              <a:tailEnd/>
+            </a:ln>
+          </p:spPr>
+          <p:txBody>
+            <a:bodyPr vert="horz" wrap="square" lIns="121920" tIns="60960" rIns="121920" bIns="60960" numCol="1" anchor="t" anchorCtr="0" compatLnSpc="1">
+              <a:prstTxWarp prst="textNoShape">
+                <a:avLst/>
+              </a:prstTxWarp>
+            </a:bodyPr>
+            <a:lstStyle/>
+            <a:p>
+              <a:endParaRPr lang="en-US" sz="2400" dirty="0">
+                <a:solidFill>
+                  <a:srgbClr val="7F7F7F"/>
+                </a:solidFill>
+              </a:endParaRPr>
+            </a:p>
+          </p:txBody>
+        </p:sp>
+      </p:grpSp>
+      <p:grpSp>
+        <p:nvGrpSpPr>
+          <p:cNvPr id="85" name="Group 84"/>
+          <p:cNvGrpSpPr/>
+          <p:nvPr/>
+        </p:nvGrpSpPr>
+        <p:grpSpPr>
+          <a:xfrm>
+            <a:off x="2968052" y="3330575"/>
+            <a:ext cx="847725" cy="847725"/>
+            <a:chOff x="2968052" y="3330575"/>
+            <a:chExt cx="847725" cy="847725"/>
+          </a:xfrm>
+        </p:grpSpPr>
+        <p:sp>
+          <p:nvSpPr>
+            <p:cNvPr id="16" name="Rectangle 15"/>
+            <p:cNvSpPr/>
+            <p:nvPr/>
+          </p:nvSpPr>
+          <p:spPr>
+            <a:xfrm>
+              <a:off x="2968052" y="3330575"/>
+              <a:ext cx="847725" cy="847725"/>
+            </a:xfrm>
+            <a:prstGeom prst="rect">
+              <a:avLst/>
+            </a:prstGeom>
+            <a:solidFill>
+              <a:schemeClr val="accent6">
+                <a:lumMod val="75000"/>
+              </a:schemeClr>
+            </a:solidFill>
+            <a:ln>
+              <a:noFill/>
+            </a:ln>
+          </p:spPr>
+          <p:style>
+            <a:lnRef idx="2">
+              <a:schemeClr val="accent1">
+                <a:shade val="50000"/>
+              </a:schemeClr>
+            </a:lnRef>
+            <a:fillRef idx="1">
+              <a:schemeClr val="accent1"/>
+            </a:fillRef>
+            <a:effectRef idx="0">
+              <a:schemeClr val="accent1"/>
+            </a:effectRef>
+            <a:fontRef idx="minor">
+              <a:schemeClr val="lt1"/>
+            </a:fontRef>
+          </p:style>
+          <p:txBody>
+            <a:bodyPr rtlCol="0" anchor="ctr"/>
+            <a:lstStyle/>
+            <a:p>
+              <a:pPr algn="ctr"/>
+              <a:endParaRPr lang="en-US"/>
+            </a:p>
+          </p:txBody>
+        </p:sp>
+        <p:sp>
+          <p:nvSpPr>
+            <p:cNvPr id="82" name="Freeform 56"/>
+            <p:cNvSpPr>
+              <a:spLocks noEditPoints="1"/>
+            </p:cNvSpPr>
+            <p:nvPr/>
+          </p:nvSpPr>
+          <p:spPr bwMode="auto">
+            <a:xfrm>
+              <a:off x="3129872" y="3494267"/>
+              <a:ext cx="524085" cy="520341"/>
+            </a:xfrm>
+            <a:custGeom>
+              <a:avLst/>
+              <a:gdLst/>
+              <a:ahLst/>
+              <a:cxnLst>
+                <a:cxn ang="0">
+                  <a:pos x="111" y="2"/>
+                </a:cxn>
+                <a:cxn ang="0">
+                  <a:pos x="61" y="24"/>
+                </a:cxn>
+                <a:cxn ang="0">
+                  <a:pos x="24" y="61"/>
+                </a:cxn>
+                <a:cxn ang="0">
+                  <a:pos x="2" y="111"/>
+                </a:cxn>
+                <a:cxn ang="0">
+                  <a:pos x="0" y="154"/>
+                </a:cxn>
+                <a:cxn ang="0">
+                  <a:pos x="17" y="206"/>
+                </a:cxn>
+                <a:cxn ang="0">
+                  <a:pos x="50" y="247"/>
+                </a:cxn>
+                <a:cxn ang="0">
+                  <a:pos x="98" y="272"/>
+                </a:cxn>
+                <a:cxn ang="0">
+                  <a:pos x="139" y="278"/>
+                </a:cxn>
+                <a:cxn ang="0">
+                  <a:pos x="194" y="267"/>
+                </a:cxn>
+                <a:cxn ang="0">
+                  <a:pos x="239" y="237"/>
+                </a:cxn>
+                <a:cxn ang="0">
+                  <a:pos x="268" y="193"/>
+                </a:cxn>
+                <a:cxn ang="0">
+                  <a:pos x="279" y="139"/>
+                </a:cxn>
+                <a:cxn ang="0">
+                  <a:pos x="272" y="98"/>
+                </a:cxn>
+                <a:cxn ang="0">
+                  <a:pos x="246" y="50"/>
+                </a:cxn>
+                <a:cxn ang="0">
+                  <a:pos x="205" y="17"/>
+                </a:cxn>
+                <a:cxn ang="0">
+                  <a:pos x="154" y="0"/>
+                </a:cxn>
+                <a:cxn ang="0">
+                  <a:pos x="231" y="65"/>
+                </a:cxn>
+                <a:cxn ang="0">
+                  <a:pos x="257" y="137"/>
+                </a:cxn>
+                <a:cxn ang="0">
+                  <a:pos x="204" y="132"/>
+                </a:cxn>
+                <a:cxn ang="0">
+                  <a:pos x="174" y="128"/>
+                </a:cxn>
+                <a:cxn ang="0">
+                  <a:pos x="179" y="106"/>
+                </a:cxn>
+                <a:cxn ang="0">
+                  <a:pos x="231" y="65"/>
+                </a:cxn>
+                <a:cxn ang="0">
+                  <a:pos x="161" y="24"/>
+                </a:cxn>
+                <a:cxn ang="0">
+                  <a:pos x="217" y="50"/>
+                </a:cxn>
+                <a:cxn ang="0">
+                  <a:pos x="170" y="87"/>
+                </a:cxn>
+                <a:cxn ang="0">
+                  <a:pos x="129" y="48"/>
+                </a:cxn>
+                <a:cxn ang="0">
+                  <a:pos x="139" y="23"/>
+                </a:cxn>
+                <a:cxn ang="0">
+                  <a:pos x="105" y="56"/>
+                </a:cxn>
+                <a:cxn ang="0">
+                  <a:pos x="63" y="113"/>
+                </a:cxn>
+                <a:cxn ang="0">
+                  <a:pos x="24" y="115"/>
+                </a:cxn>
+                <a:cxn ang="0">
+                  <a:pos x="39" y="78"/>
+                </a:cxn>
+                <a:cxn ang="0">
+                  <a:pos x="78" y="39"/>
+                </a:cxn>
+                <a:cxn ang="0">
+                  <a:pos x="22" y="139"/>
+                </a:cxn>
+                <a:cxn ang="0">
+                  <a:pos x="24" y="137"/>
+                </a:cxn>
+                <a:cxn ang="0">
+                  <a:pos x="142" y="121"/>
+                </a:cxn>
+                <a:cxn ang="0">
+                  <a:pos x="148" y="139"/>
+                </a:cxn>
+                <a:cxn ang="0">
+                  <a:pos x="92" y="171"/>
+                </a:cxn>
+                <a:cxn ang="0">
+                  <a:pos x="52" y="217"/>
+                </a:cxn>
+                <a:cxn ang="0">
+                  <a:pos x="24" y="161"/>
+                </a:cxn>
+                <a:cxn ang="0">
+                  <a:pos x="139" y="258"/>
+                </a:cxn>
+                <a:cxn ang="0">
+                  <a:pos x="67" y="234"/>
+                </a:cxn>
+                <a:cxn ang="0">
+                  <a:pos x="91" y="202"/>
+                </a:cxn>
+                <a:cxn ang="0">
+                  <a:pos x="159" y="160"/>
+                </a:cxn>
+                <a:cxn ang="0">
+                  <a:pos x="170" y="189"/>
+                </a:cxn>
+                <a:cxn ang="0">
+                  <a:pos x="174" y="252"/>
+                </a:cxn>
+                <a:cxn ang="0">
+                  <a:pos x="139" y="258"/>
+                </a:cxn>
+                <a:cxn ang="0">
+                  <a:pos x="192" y="182"/>
+                </a:cxn>
+                <a:cxn ang="0">
+                  <a:pos x="207" y="152"/>
+                </a:cxn>
+                <a:cxn ang="0">
+                  <a:pos x="255" y="160"/>
+                </a:cxn>
+                <a:cxn ang="0">
+                  <a:pos x="239" y="204"/>
+                </a:cxn>
+                <a:cxn ang="0">
+                  <a:pos x="205" y="237"/>
+                </a:cxn>
+              </a:cxnLst>
+              <a:rect l="0" t="0" r="r" b="b"/>
+              <a:pathLst>
+                <a:path w="279" h="278">
+                  <a:moveTo>
+                    <a:pt x="139" y="0"/>
+                  </a:moveTo>
+                  <a:lnTo>
+                    <a:pt x="139" y="0"/>
+                  </a:lnTo>
+                  <a:lnTo>
+                    <a:pt x="126" y="0"/>
+                  </a:lnTo>
+                  <a:lnTo>
+                    <a:pt x="111" y="2"/>
+                  </a:lnTo>
+                  <a:lnTo>
+                    <a:pt x="98" y="6"/>
+                  </a:lnTo>
+                  <a:lnTo>
+                    <a:pt x="85" y="11"/>
+                  </a:lnTo>
+                  <a:lnTo>
+                    <a:pt x="72" y="17"/>
+                  </a:lnTo>
+                  <a:lnTo>
+                    <a:pt x="61" y="24"/>
+                  </a:lnTo>
+                  <a:lnTo>
+                    <a:pt x="50" y="32"/>
+                  </a:lnTo>
+                  <a:lnTo>
+                    <a:pt x="41" y="41"/>
+                  </a:lnTo>
+                  <a:lnTo>
+                    <a:pt x="31" y="50"/>
+                  </a:lnTo>
+                  <a:lnTo>
+                    <a:pt x="24" y="61"/>
+                  </a:lnTo>
+                  <a:lnTo>
+                    <a:pt x="17" y="72"/>
+                  </a:lnTo>
+                  <a:lnTo>
+                    <a:pt x="11" y="85"/>
+                  </a:lnTo>
+                  <a:lnTo>
+                    <a:pt x="5" y="98"/>
+                  </a:lnTo>
+                  <a:lnTo>
+                    <a:pt x="2" y="111"/>
+                  </a:lnTo>
+                  <a:lnTo>
+                    <a:pt x="0" y="124"/>
+                  </a:lnTo>
+                  <a:lnTo>
+                    <a:pt x="0" y="139"/>
+                  </a:lnTo>
+                  <a:lnTo>
+                    <a:pt x="0" y="139"/>
+                  </a:lnTo>
+                  <a:lnTo>
+                    <a:pt x="0" y="154"/>
+                  </a:lnTo>
+                  <a:lnTo>
+                    <a:pt x="2" y="167"/>
+                  </a:lnTo>
+                  <a:lnTo>
+                    <a:pt x="5" y="182"/>
+                  </a:lnTo>
+                  <a:lnTo>
+                    <a:pt x="11" y="193"/>
+                  </a:lnTo>
+                  <a:lnTo>
+                    <a:pt x="17" y="206"/>
+                  </a:lnTo>
+                  <a:lnTo>
+                    <a:pt x="24" y="217"/>
+                  </a:lnTo>
+                  <a:lnTo>
+                    <a:pt x="31" y="228"/>
+                  </a:lnTo>
+                  <a:lnTo>
+                    <a:pt x="41" y="237"/>
+                  </a:lnTo>
+                  <a:lnTo>
+                    <a:pt x="50" y="247"/>
+                  </a:lnTo>
+                  <a:lnTo>
+                    <a:pt x="61" y="256"/>
+                  </a:lnTo>
+                  <a:lnTo>
+                    <a:pt x="72" y="261"/>
+                  </a:lnTo>
+                  <a:lnTo>
+                    <a:pt x="85" y="267"/>
+                  </a:lnTo>
+                  <a:lnTo>
+                    <a:pt x="98" y="272"/>
+                  </a:lnTo>
+                  <a:lnTo>
+                    <a:pt x="111" y="276"/>
+                  </a:lnTo>
+                  <a:lnTo>
+                    <a:pt x="126" y="278"/>
+                  </a:lnTo>
+                  <a:lnTo>
+                    <a:pt x="139" y="278"/>
+                  </a:lnTo>
+                  <a:lnTo>
+                    <a:pt x="139" y="278"/>
+                  </a:lnTo>
+                  <a:lnTo>
+                    <a:pt x="154" y="278"/>
+                  </a:lnTo>
+                  <a:lnTo>
+                    <a:pt x="167" y="276"/>
+                  </a:lnTo>
+                  <a:lnTo>
+                    <a:pt x="181" y="272"/>
+                  </a:lnTo>
+                  <a:lnTo>
+                    <a:pt x="194" y="267"/>
+                  </a:lnTo>
+                  <a:lnTo>
+                    <a:pt x="205" y="261"/>
+                  </a:lnTo>
+                  <a:lnTo>
+                    <a:pt x="217" y="256"/>
+                  </a:lnTo>
+                  <a:lnTo>
+                    <a:pt x="228" y="247"/>
+                  </a:lnTo>
+                  <a:lnTo>
+                    <a:pt x="239" y="237"/>
+                  </a:lnTo>
+                  <a:lnTo>
+                    <a:pt x="246" y="228"/>
+                  </a:lnTo>
+                  <a:lnTo>
+                    <a:pt x="255" y="217"/>
+                  </a:lnTo>
+                  <a:lnTo>
+                    <a:pt x="263" y="206"/>
+                  </a:lnTo>
+                  <a:lnTo>
+                    <a:pt x="268" y="193"/>
+                  </a:lnTo>
+                  <a:lnTo>
+                    <a:pt x="272" y="182"/>
+                  </a:lnTo>
+                  <a:lnTo>
+                    <a:pt x="276" y="167"/>
+                  </a:lnTo>
+                  <a:lnTo>
+                    <a:pt x="278" y="154"/>
+                  </a:lnTo>
+                  <a:lnTo>
+                    <a:pt x="279" y="139"/>
+                  </a:lnTo>
+                  <a:lnTo>
+                    <a:pt x="279" y="139"/>
+                  </a:lnTo>
+                  <a:lnTo>
+                    <a:pt x="278" y="124"/>
+                  </a:lnTo>
+                  <a:lnTo>
+                    <a:pt x="276" y="111"/>
+                  </a:lnTo>
+                  <a:lnTo>
+                    <a:pt x="272" y="98"/>
+                  </a:lnTo>
+                  <a:lnTo>
+                    <a:pt x="268" y="85"/>
+                  </a:lnTo>
+                  <a:lnTo>
+                    <a:pt x="263" y="72"/>
+                  </a:lnTo>
+                  <a:lnTo>
+                    <a:pt x="255" y="61"/>
+                  </a:lnTo>
+                  <a:lnTo>
+                    <a:pt x="246" y="50"/>
+                  </a:lnTo>
+                  <a:lnTo>
+                    <a:pt x="239" y="41"/>
+                  </a:lnTo>
+                  <a:lnTo>
+                    <a:pt x="228" y="32"/>
+                  </a:lnTo>
+                  <a:lnTo>
+                    <a:pt x="217" y="24"/>
+                  </a:lnTo>
+                  <a:lnTo>
+                    <a:pt x="205" y="17"/>
+                  </a:lnTo>
+                  <a:lnTo>
+                    <a:pt x="194" y="11"/>
+                  </a:lnTo>
+                  <a:lnTo>
+                    <a:pt x="181" y="6"/>
+                  </a:lnTo>
+                  <a:lnTo>
+                    <a:pt x="167" y="2"/>
+                  </a:lnTo>
+                  <a:lnTo>
+                    <a:pt x="154" y="0"/>
+                  </a:lnTo>
+                  <a:lnTo>
+                    <a:pt x="139" y="0"/>
+                  </a:lnTo>
+                  <a:lnTo>
+                    <a:pt x="139" y="0"/>
+                  </a:lnTo>
+                  <a:close/>
+                  <a:moveTo>
+                    <a:pt x="231" y="65"/>
+                  </a:moveTo>
+                  <a:lnTo>
+                    <a:pt x="231" y="65"/>
+                  </a:lnTo>
+                  <a:lnTo>
+                    <a:pt x="242" y="82"/>
+                  </a:lnTo>
+                  <a:lnTo>
+                    <a:pt x="250" y="98"/>
+                  </a:lnTo>
+                  <a:lnTo>
+                    <a:pt x="255" y="117"/>
+                  </a:lnTo>
+                  <a:lnTo>
+                    <a:pt x="257" y="137"/>
+                  </a:lnTo>
+                  <a:lnTo>
+                    <a:pt x="257" y="137"/>
+                  </a:lnTo>
+                  <a:lnTo>
+                    <a:pt x="239" y="135"/>
+                  </a:lnTo>
+                  <a:lnTo>
+                    <a:pt x="222" y="134"/>
+                  </a:lnTo>
+                  <a:lnTo>
+                    <a:pt x="204" y="132"/>
+                  </a:lnTo>
+                  <a:lnTo>
+                    <a:pt x="204" y="132"/>
+                  </a:lnTo>
+                  <a:lnTo>
+                    <a:pt x="176" y="134"/>
+                  </a:lnTo>
+                  <a:lnTo>
+                    <a:pt x="176" y="134"/>
+                  </a:lnTo>
+                  <a:lnTo>
+                    <a:pt x="174" y="128"/>
+                  </a:lnTo>
+                  <a:lnTo>
+                    <a:pt x="174" y="128"/>
+                  </a:lnTo>
+                  <a:lnTo>
+                    <a:pt x="167" y="111"/>
+                  </a:lnTo>
+                  <a:lnTo>
+                    <a:pt x="167" y="111"/>
+                  </a:lnTo>
+                  <a:lnTo>
+                    <a:pt x="179" y="106"/>
+                  </a:lnTo>
+                  <a:lnTo>
+                    <a:pt x="192" y="98"/>
+                  </a:lnTo>
+                  <a:lnTo>
+                    <a:pt x="213" y="84"/>
+                  </a:lnTo>
+                  <a:lnTo>
+                    <a:pt x="226" y="72"/>
+                  </a:lnTo>
+                  <a:lnTo>
+                    <a:pt x="231" y="65"/>
+                  </a:lnTo>
+                  <a:lnTo>
+                    <a:pt x="231" y="65"/>
+                  </a:lnTo>
+                  <a:close/>
+                  <a:moveTo>
+                    <a:pt x="139" y="23"/>
+                  </a:moveTo>
+                  <a:lnTo>
+                    <a:pt x="139" y="23"/>
+                  </a:lnTo>
+                  <a:lnTo>
+                    <a:pt x="161" y="24"/>
+                  </a:lnTo>
+                  <a:lnTo>
+                    <a:pt x="181" y="30"/>
+                  </a:lnTo>
+                  <a:lnTo>
+                    <a:pt x="200" y="39"/>
+                  </a:lnTo>
+                  <a:lnTo>
+                    <a:pt x="217" y="50"/>
+                  </a:lnTo>
+                  <a:lnTo>
+                    <a:pt x="217" y="50"/>
+                  </a:lnTo>
+                  <a:lnTo>
+                    <a:pt x="211" y="58"/>
+                  </a:lnTo>
+                  <a:lnTo>
+                    <a:pt x="200" y="69"/>
+                  </a:lnTo>
+                  <a:lnTo>
+                    <a:pt x="181" y="80"/>
+                  </a:lnTo>
+                  <a:lnTo>
+                    <a:pt x="170" y="87"/>
+                  </a:lnTo>
+                  <a:lnTo>
+                    <a:pt x="155" y="93"/>
+                  </a:lnTo>
+                  <a:lnTo>
+                    <a:pt x="155" y="93"/>
+                  </a:lnTo>
+                  <a:lnTo>
+                    <a:pt x="142" y="69"/>
+                  </a:lnTo>
+                  <a:lnTo>
+                    <a:pt x="129" y="48"/>
+                  </a:lnTo>
+                  <a:lnTo>
+                    <a:pt x="113" y="24"/>
+                  </a:lnTo>
+                  <a:lnTo>
+                    <a:pt x="113" y="24"/>
+                  </a:lnTo>
+                  <a:lnTo>
+                    <a:pt x="126" y="23"/>
+                  </a:lnTo>
+                  <a:lnTo>
+                    <a:pt x="139" y="23"/>
+                  </a:lnTo>
+                  <a:lnTo>
+                    <a:pt x="139" y="23"/>
+                  </a:lnTo>
+                  <a:close/>
+                  <a:moveTo>
+                    <a:pt x="89" y="34"/>
+                  </a:moveTo>
+                  <a:lnTo>
+                    <a:pt x="89" y="34"/>
+                  </a:lnTo>
+                  <a:lnTo>
+                    <a:pt x="105" y="56"/>
+                  </a:lnTo>
+                  <a:lnTo>
+                    <a:pt x="131" y="100"/>
+                  </a:lnTo>
+                  <a:lnTo>
+                    <a:pt x="131" y="100"/>
+                  </a:lnTo>
+                  <a:lnTo>
+                    <a:pt x="96" y="108"/>
+                  </a:lnTo>
+                  <a:lnTo>
+                    <a:pt x="63" y="113"/>
+                  </a:lnTo>
+                  <a:lnTo>
+                    <a:pt x="39" y="115"/>
+                  </a:lnTo>
+                  <a:lnTo>
+                    <a:pt x="26" y="115"/>
+                  </a:lnTo>
+                  <a:lnTo>
+                    <a:pt x="26" y="115"/>
+                  </a:lnTo>
+                  <a:lnTo>
+                    <a:pt x="24" y="115"/>
+                  </a:lnTo>
+                  <a:lnTo>
+                    <a:pt x="24" y="115"/>
+                  </a:lnTo>
+                  <a:lnTo>
+                    <a:pt x="28" y="102"/>
+                  </a:lnTo>
+                  <a:lnTo>
+                    <a:pt x="33" y="89"/>
+                  </a:lnTo>
+                  <a:lnTo>
+                    <a:pt x="39" y="78"/>
+                  </a:lnTo>
+                  <a:lnTo>
+                    <a:pt x="48" y="67"/>
+                  </a:lnTo>
+                  <a:lnTo>
+                    <a:pt x="55" y="56"/>
+                  </a:lnTo>
+                  <a:lnTo>
+                    <a:pt x="67" y="47"/>
+                  </a:lnTo>
+                  <a:lnTo>
+                    <a:pt x="78" y="39"/>
+                  </a:lnTo>
+                  <a:lnTo>
+                    <a:pt x="89" y="34"/>
+                  </a:lnTo>
+                  <a:lnTo>
+                    <a:pt x="89" y="34"/>
+                  </a:lnTo>
+                  <a:close/>
+                  <a:moveTo>
+                    <a:pt x="22" y="139"/>
+                  </a:moveTo>
+                  <a:lnTo>
+                    <a:pt x="22" y="139"/>
+                  </a:lnTo>
+                  <a:lnTo>
+                    <a:pt x="22" y="137"/>
+                  </a:lnTo>
+                  <a:lnTo>
+                    <a:pt x="22" y="137"/>
+                  </a:lnTo>
+                  <a:lnTo>
+                    <a:pt x="24" y="137"/>
+                  </a:lnTo>
+                  <a:lnTo>
+                    <a:pt x="24" y="137"/>
+                  </a:lnTo>
+                  <a:lnTo>
+                    <a:pt x="42" y="135"/>
+                  </a:lnTo>
+                  <a:lnTo>
+                    <a:pt x="68" y="134"/>
+                  </a:lnTo>
+                  <a:lnTo>
+                    <a:pt x="104" y="130"/>
+                  </a:lnTo>
+                  <a:lnTo>
+                    <a:pt x="142" y="121"/>
+                  </a:lnTo>
+                  <a:lnTo>
+                    <a:pt x="142" y="121"/>
+                  </a:lnTo>
+                  <a:lnTo>
+                    <a:pt x="152" y="139"/>
+                  </a:lnTo>
+                  <a:lnTo>
+                    <a:pt x="152" y="139"/>
+                  </a:lnTo>
+                  <a:lnTo>
+                    <a:pt x="148" y="139"/>
+                  </a:lnTo>
+                  <a:lnTo>
+                    <a:pt x="148" y="139"/>
+                  </a:lnTo>
+                  <a:lnTo>
+                    <a:pt x="126" y="148"/>
+                  </a:lnTo>
+                  <a:lnTo>
+                    <a:pt x="109" y="160"/>
+                  </a:lnTo>
+                  <a:lnTo>
+                    <a:pt x="92" y="171"/>
+                  </a:lnTo>
+                  <a:lnTo>
+                    <a:pt x="80" y="184"/>
+                  </a:lnTo>
+                  <a:lnTo>
+                    <a:pt x="68" y="195"/>
+                  </a:lnTo>
+                  <a:lnTo>
+                    <a:pt x="59" y="204"/>
+                  </a:lnTo>
+                  <a:lnTo>
+                    <a:pt x="52" y="217"/>
+                  </a:lnTo>
+                  <a:lnTo>
+                    <a:pt x="52" y="217"/>
+                  </a:lnTo>
+                  <a:lnTo>
+                    <a:pt x="39" y="200"/>
+                  </a:lnTo>
+                  <a:lnTo>
+                    <a:pt x="30" y="182"/>
+                  </a:lnTo>
+                  <a:lnTo>
+                    <a:pt x="24" y="161"/>
+                  </a:lnTo>
+                  <a:lnTo>
+                    <a:pt x="22" y="139"/>
+                  </a:lnTo>
+                  <a:lnTo>
+                    <a:pt x="22" y="139"/>
+                  </a:lnTo>
+                  <a:close/>
+                  <a:moveTo>
+                    <a:pt x="139" y="258"/>
+                  </a:moveTo>
+                  <a:lnTo>
+                    <a:pt x="139" y="258"/>
+                  </a:lnTo>
+                  <a:lnTo>
+                    <a:pt x="120" y="256"/>
+                  </a:lnTo>
+                  <a:lnTo>
+                    <a:pt x="100" y="250"/>
+                  </a:lnTo>
+                  <a:lnTo>
+                    <a:pt x="83" y="243"/>
+                  </a:lnTo>
+                  <a:lnTo>
+                    <a:pt x="67" y="234"/>
+                  </a:lnTo>
+                  <a:lnTo>
+                    <a:pt x="67" y="234"/>
+                  </a:lnTo>
+                  <a:lnTo>
+                    <a:pt x="74" y="222"/>
+                  </a:lnTo>
+                  <a:lnTo>
+                    <a:pt x="81" y="213"/>
+                  </a:lnTo>
+                  <a:lnTo>
+                    <a:pt x="91" y="202"/>
+                  </a:lnTo>
+                  <a:lnTo>
+                    <a:pt x="104" y="191"/>
+                  </a:lnTo>
+                  <a:lnTo>
+                    <a:pt x="118" y="180"/>
+                  </a:lnTo>
+                  <a:lnTo>
+                    <a:pt x="137" y="169"/>
+                  </a:lnTo>
+                  <a:lnTo>
+                    <a:pt x="159" y="160"/>
+                  </a:lnTo>
+                  <a:lnTo>
+                    <a:pt x="159" y="160"/>
+                  </a:lnTo>
+                  <a:lnTo>
+                    <a:pt x="159" y="160"/>
+                  </a:lnTo>
+                  <a:lnTo>
+                    <a:pt x="159" y="160"/>
+                  </a:lnTo>
+                  <a:lnTo>
+                    <a:pt x="170" y="189"/>
+                  </a:lnTo>
+                  <a:lnTo>
+                    <a:pt x="178" y="215"/>
+                  </a:lnTo>
+                  <a:lnTo>
+                    <a:pt x="185" y="248"/>
+                  </a:lnTo>
+                  <a:lnTo>
+                    <a:pt x="185" y="248"/>
+                  </a:lnTo>
+                  <a:lnTo>
+                    <a:pt x="174" y="252"/>
+                  </a:lnTo>
+                  <a:lnTo>
+                    <a:pt x="163" y="256"/>
+                  </a:lnTo>
+                  <a:lnTo>
+                    <a:pt x="152" y="258"/>
+                  </a:lnTo>
+                  <a:lnTo>
+                    <a:pt x="139" y="258"/>
+                  </a:lnTo>
+                  <a:lnTo>
+                    <a:pt x="139" y="258"/>
+                  </a:lnTo>
+                  <a:close/>
+                  <a:moveTo>
+                    <a:pt x="205" y="237"/>
+                  </a:moveTo>
+                  <a:lnTo>
+                    <a:pt x="205" y="237"/>
+                  </a:lnTo>
+                  <a:lnTo>
+                    <a:pt x="200" y="208"/>
+                  </a:lnTo>
+                  <a:lnTo>
+                    <a:pt x="192" y="182"/>
+                  </a:lnTo>
+                  <a:lnTo>
+                    <a:pt x="183" y="154"/>
+                  </a:lnTo>
+                  <a:lnTo>
+                    <a:pt x="183" y="154"/>
+                  </a:lnTo>
+                  <a:lnTo>
+                    <a:pt x="207" y="152"/>
+                  </a:lnTo>
+                  <a:lnTo>
+                    <a:pt x="207" y="152"/>
+                  </a:lnTo>
+                  <a:lnTo>
+                    <a:pt x="224" y="152"/>
+                  </a:lnTo>
+                  <a:lnTo>
+                    <a:pt x="239" y="156"/>
+                  </a:lnTo>
+                  <a:lnTo>
+                    <a:pt x="255" y="160"/>
+                  </a:lnTo>
+                  <a:lnTo>
+                    <a:pt x="255" y="160"/>
+                  </a:lnTo>
+                  <a:lnTo>
+                    <a:pt x="254" y="171"/>
+                  </a:lnTo>
+                  <a:lnTo>
+                    <a:pt x="250" y="182"/>
+                  </a:lnTo>
+                  <a:lnTo>
+                    <a:pt x="244" y="193"/>
+                  </a:lnTo>
+                  <a:lnTo>
+                    <a:pt x="239" y="204"/>
+                  </a:lnTo>
+                  <a:lnTo>
+                    <a:pt x="231" y="213"/>
+                  </a:lnTo>
+                  <a:lnTo>
+                    <a:pt x="224" y="221"/>
+                  </a:lnTo>
+                  <a:lnTo>
+                    <a:pt x="215" y="230"/>
+                  </a:lnTo>
+                  <a:lnTo>
+                    <a:pt x="205" y="237"/>
+                  </a:lnTo>
+                  <a:lnTo>
+                    <a:pt x="205" y="237"/>
+                  </a:lnTo>
+                  <a:close/>
+                </a:path>
+              </a:pathLst>
+            </a:custGeom>
+            <a:solidFill>
+              <a:schemeClr val="bg1"/>
+            </a:solidFill>
+            <a:ln w="9525">
+              <a:noFill/>
+              <a:round/>
+              <a:headEnd/>
+              <a:tailEnd/>
+            </a:ln>
+          </p:spPr>
+          <p:txBody>
+            <a:bodyPr vert="horz" wrap="square" lIns="121920" tIns="60960" rIns="121920" bIns="60960" numCol="1" anchor="t" anchorCtr="0" compatLnSpc="1">
+              <a:prstTxWarp prst="textNoShape">
+                <a:avLst/>
+              </a:prstTxWarp>
+            </a:bodyPr>
+            <a:lstStyle/>
+            <a:p>
+              <a:endParaRPr lang="en-US" sz="2400" dirty="0">
+                <a:solidFill>
+                  <a:srgbClr val="7F7F7F"/>
+                </a:solidFill>
+              </a:endParaRPr>
+            </a:p>
+          </p:txBody>
+        </p:sp>
+      </p:grpSp>
     </p:spTree>
     <p:extLst>
       <p:ext uri="{BB962C8B-B14F-4D97-AF65-F5344CB8AC3E}">
@@ -12610,6 +16698,848 @@
   <p:clrMapOvr>
     <a:masterClrMapping/>
   </p:clrMapOvr>
+  <p:timing>
+    <p:tnLst>
+      <p:par>
+        <p:cTn id="1" dur="indefinite" restart="never" nodeType="tmRoot"/>
+      </p:par>
+    </p:tnLst>
+  </p:timing>
+</p:sld>
+</file>
+
+<file path=ppt/slides/slide6.xml><?xml version="1.0" encoding="utf-8"?>
+<p:sld xmlns:a="http://schemas.openxmlformats.org/drawingml/2006/main" xmlns:r="http://schemas.openxmlformats.org/officeDocument/2006/relationships" xmlns:p="http://schemas.openxmlformats.org/presentationml/2006/main">
+  <p:cSld>
+    <p:spTree>
+      <p:nvGrpSpPr>
+        <p:cNvPr id="1" name=""/>
+        <p:cNvGrpSpPr/>
+        <p:nvPr/>
+      </p:nvGrpSpPr>
+      <p:grpSpPr>
+        <a:xfrm>
+          <a:off x="0" y="0"/>
+          <a:ext cx="0" cy="0"/>
+          <a:chOff x="0" y="0"/>
+          <a:chExt cx="0" cy="0"/>
+        </a:xfrm>
+      </p:grpSpPr>
+      <p:sp>
+        <p:nvSpPr>
+          <p:cNvPr id="2" name="Oval 1"/>
+          <p:cNvSpPr/>
+          <p:nvPr/>
+        </p:nvSpPr>
+        <p:spPr>
+          <a:xfrm>
+            <a:off x="1349828" y="2296886"/>
+            <a:ext cx="2264229" cy="2264229"/>
+          </a:xfrm>
+          <a:prstGeom prst="ellipse">
+            <a:avLst/>
+          </a:prstGeom>
+          <a:solidFill>
+            <a:schemeClr val="accent2"/>
+          </a:solidFill>
+          <a:ln>
+            <a:noFill/>
+          </a:ln>
+        </p:spPr>
+        <p:style>
+          <a:lnRef idx="2">
+            <a:schemeClr val="accent1">
+              <a:shade val="50000"/>
+            </a:schemeClr>
+          </a:lnRef>
+          <a:fillRef idx="1">
+            <a:schemeClr val="accent1"/>
+          </a:fillRef>
+          <a:effectRef idx="0">
+            <a:schemeClr val="accent1"/>
+          </a:effectRef>
+          <a:fontRef idx="minor">
+            <a:schemeClr val="lt1"/>
+          </a:fontRef>
+        </p:style>
+        <p:txBody>
+          <a:bodyPr rtlCol="0" anchor="ctr"/>
+          <a:lstStyle/>
+          <a:p>
+            <a:pPr algn="ctr"/>
+            <a:endParaRPr lang="en-US"/>
+          </a:p>
+        </p:txBody>
+      </p:sp>
+      <p:sp>
+        <p:nvSpPr>
+          <p:cNvPr id="6" name="Oval 5"/>
+          <p:cNvSpPr/>
+          <p:nvPr/>
+        </p:nvSpPr>
+        <p:spPr>
+          <a:xfrm>
+            <a:off x="8577942" y="2296886"/>
+            <a:ext cx="2264229" cy="2264229"/>
+          </a:xfrm>
+          <a:prstGeom prst="ellipse">
+            <a:avLst/>
+          </a:prstGeom>
+          <a:solidFill>
+            <a:schemeClr val="accent1"/>
+          </a:solidFill>
+          <a:ln>
+            <a:noFill/>
+          </a:ln>
+        </p:spPr>
+        <p:style>
+          <a:lnRef idx="2">
+            <a:schemeClr val="accent1">
+              <a:shade val="50000"/>
+            </a:schemeClr>
+          </a:lnRef>
+          <a:fillRef idx="1">
+            <a:schemeClr val="accent1"/>
+          </a:fillRef>
+          <a:effectRef idx="0">
+            <a:schemeClr val="accent1"/>
+          </a:effectRef>
+          <a:fontRef idx="minor">
+            <a:schemeClr val="lt1"/>
+          </a:fontRef>
+        </p:style>
+        <p:txBody>
+          <a:bodyPr rtlCol="0" anchor="ctr"/>
+          <a:lstStyle/>
+          <a:p>
+            <a:pPr algn="ctr"/>
+            <a:endParaRPr lang="en-US"/>
+          </a:p>
+        </p:txBody>
+      </p:sp>
+      <p:sp>
+        <p:nvSpPr>
+          <p:cNvPr id="7" name="Oval 6"/>
+          <p:cNvSpPr/>
+          <p:nvPr/>
+        </p:nvSpPr>
+        <p:spPr>
+          <a:xfrm>
+            <a:off x="4963885" y="2296886"/>
+            <a:ext cx="2264229" cy="2264229"/>
+          </a:xfrm>
+          <a:prstGeom prst="ellipse">
+            <a:avLst/>
+          </a:prstGeom>
+          <a:solidFill>
+            <a:srgbClr val="FFFF00"/>
+          </a:solidFill>
+          <a:ln>
+            <a:noFill/>
+          </a:ln>
+        </p:spPr>
+        <p:style>
+          <a:lnRef idx="2">
+            <a:schemeClr val="accent1">
+              <a:shade val="50000"/>
+            </a:schemeClr>
+          </a:lnRef>
+          <a:fillRef idx="1">
+            <a:schemeClr val="accent1"/>
+          </a:fillRef>
+          <a:effectRef idx="0">
+            <a:schemeClr val="accent1"/>
+          </a:effectRef>
+          <a:fontRef idx="minor">
+            <a:schemeClr val="lt1"/>
+          </a:fontRef>
+        </p:style>
+        <p:txBody>
+          <a:bodyPr rtlCol="0" anchor="ctr"/>
+          <a:lstStyle/>
+          <a:p>
+            <a:pPr algn="ctr"/>
+            <a:endParaRPr lang="en-US"/>
+          </a:p>
+        </p:txBody>
+      </p:sp>
+    </p:spTree>
+    <p:extLst>
+      <p:ext uri="{BB962C8B-B14F-4D97-AF65-F5344CB8AC3E}">
+        <p14:creationId xmlns:p14="http://schemas.microsoft.com/office/powerpoint/2010/main" val="1558799035"/>
+      </p:ext>
+    </p:extLst>
+  </p:cSld>
+  <p:clrMapOvr>
+    <a:masterClrMapping/>
+  </p:clrMapOvr>
+  <p:timing>
+    <p:tnLst>
+      <p:par>
+        <p:cTn id="1" dur="indefinite" restart="never" nodeType="tmRoot">
+          <p:childTnLst>
+            <p:seq concurrent="1" nextAc="seek">
+              <p:cTn id="2" dur="indefinite" nodeType="mainSeq">
+                <p:childTnLst>
+                  <p:par>
+                    <p:cTn id="3" fill="hold">
+                      <p:stCondLst>
+                        <p:cond delay="indefinite"/>
+                      </p:stCondLst>
+                      <p:childTnLst>
+                        <p:par>
+                          <p:cTn id="4" fill="hold">
+                            <p:stCondLst>
+                              <p:cond delay="0"/>
+                            </p:stCondLst>
+                            <p:childTnLst>
+                              <p:par>
+                                <p:cTn id="5" presetID="42" presetClass="entr" presetSubtype="0" fill="hold" grpId="0" nodeType="clickEffect">
+                                  <p:stCondLst>
+                                    <p:cond delay="0"/>
+                                  </p:stCondLst>
+                                  <p:childTnLst>
+                                    <p:set>
+                                      <p:cBhvr>
+                                        <p:cTn id="6" dur="1" fill="hold">
+                                          <p:stCondLst>
+                                            <p:cond delay="0"/>
+                                          </p:stCondLst>
+                                        </p:cTn>
+                                        <p:tgtEl>
+                                          <p:spTgt spid="2"/>
+                                        </p:tgtEl>
+                                        <p:attrNameLst>
+                                          <p:attrName>style.visibility</p:attrName>
+                                        </p:attrNameLst>
+                                      </p:cBhvr>
+                                      <p:to>
+                                        <p:strVal val="visible"/>
+                                      </p:to>
+                                    </p:set>
+                                    <p:animEffect transition="in" filter="fade">
+                                      <p:cBhvr>
+                                        <p:cTn id="7" dur="1000"/>
+                                        <p:tgtEl>
+                                          <p:spTgt spid="2"/>
+                                        </p:tgtEl>
+                                      </p:cBhvr>
+                                    </p:animEffect>
+                                    <p:anim calcmode="lin" valueType="num">
+                                      <p:cBhvr>
+                                        <p:cTn id="8" dur="1000" fill="hold"/>
+                                        <p:tgtEl>
+                                          <p:spTgt spid="2"/>
+                                        </p:tgtEl>
+                                        <p:attrNameLst>
+                                          <p:attrName>ppt_x</p:attrName>
+                                        </p:attrNameLst>
+                                      </p:cBhvr>
+                                      <p:tavLst>
+                                        <p:tav tm="0">
+                                          <p:val>
+                                            <p:strVal val="#ppt_x"/>
+                                          </p:val>
+                                        </p:tav>
+                                        <p:tav tm="100000">
+                                          <p:val>
+                                            <p:strVal val="#ppt_x"/>
+                                          </p:val>
+                                        </p:tav>
+                                      </p:tavLst>
+                                    </p:anim>
+                                    <p:anim calcmode="lin" valueType="num">
+                                      <p:cBhvr>
+                                        <p:cTn id="9" dur="1000" fill="hold"/>
+                                        <p:tgtEl>
+                                          <p:spTgt spid="2"/>
+                                        </p:tgtEl>
+                                        <p:attrNameLst>
+                                          <p:attrName>ppt_y</p:attrName>
+                                        </p:attrNameLst>
+                                      </p:cBhvr>
+                                      <p:tavLst>
+                                        <p:tav tm="0">
+                                          <p:val>
+                                            <p:strVal val="#ppt_y+.1"/>
+                                          </p:val>
+                                        </p:tav>
+                                        <p:tav tm="100000">
+                                          <p:val>
+                                            <p:strVal val="#ppt_y"/>
+                                          </p:val>
+                                        </p:tav>
+                                      </p:tavLst>
+                                    </p:anim>
+                                  </p:childTnLst>
+                                </p:cTn>
+                              </p:par>
+                            </p:childTnLst>
+                          </p:cTn>
+                        </p:par>
+                      </p:childTnLst>
+                    </p:cTn>
+                  </p:par>
+                  <p:par>
+                    <p:cTn id="10" fill="hold">
+                      <p:stCondLst>
+                        <p:cond delay="indefinite"/>
+                      </p:stCondLst>
+                      <p:childTnLst>
+                        <p:par>
+                          <p:cTn id="11" fill="hold">
+                            <p:stCondLst>
+                              <p:cond delay="0"/>
+                            </p:stCondLst>
+                            <p:childTnLst>
+                              <p:par>
+                                <p:cTn id="12" presetID="2" presetClass="entr" presetSubtype="4" fill="hold" grpId="0" nodeType="clickEffect">
+                                  <p:stCondLst>
+                                    <p:cond delay="0"/>
+                                  </p:stCondLst>
+                                  <p:childTnLst>
+                                    <p:set>
+                                      <p:cBhvr>
+                                        <p:cTn id="13" dur="1" fill="hold">
+                                          <p:stCondLst>
+                                            <p:cond delay="0"/>
+                                          </p:stCondLst>
+                                        </p:cTn>
+                                        <p:tgtEl>
+                                          <p:spTgt spid="7"/>
+                                        </p:tgtEl>
+                                        <p:attrNameLst>
+                                          <p:attrName>style.visibility</p:attrName>
+                                        </p:attrNameLst>
+                                      </p:cBhvr>
+                                      <p:to>
+                                        <p:strVal val="visible"/>
+                                      </p:to>
+                                    </p:set>
+                                    <p:anim calcmode="lin" valueType="num">
+                                      <p:cBhvr additive="base">
+                                        <p:cTn id="14" dur="500" fill="hold"/>
+                                        <p:tgtEl>
+                                          <p:spTgt spid="7"/>
+                                        </p:tgtEl>
+                                        <p:attrNameLst>
+                                          <p:attrName>ppt_x</p:attrName>
+                                        </p:attrNameLst>
+                                      </p:cBhvr>
+                                      <p:tavLst>
+                                        <p:tav tm="0">
+                                          <p:val>
+                                            <p:strVal val="#ppt_x"/>
+                                          </p:val>
+                                        </p:tav>
+                                        <p:tav tm="100000">
+                                          <p:val>
+                                            <p:strVal val="#ppt_x"/>
+                                          </p:val>
+                                        </p:tav>
+                                      </p:tavLst>
+                                    </p:anim>
+                                    <p:anim calcmode="lin" valueType="num">
+                                      <p:cBhvr additive="base">
+                                        <p:cTn id="15" dur="500" fill="hold"/>
+                                        <p:tgtEl>
+                                          <p:spTgt spid="7"/>
+                                        </p:tgtEl>
+                                        <p:attrNameLst>
+                                          <p:attrName>ppt_y</p:attrName>
+                                        </p:attrNameLst>
+                                      </p:cBhvr>
+                                      <p:tavLst>
+                                        <p:tav tm="0">
+                                          <p:val>
+                                            <p:strVal val="1+#ppt_h/2"/>
+                                          </p:val>
+                                        </p:tav>
+                                        <p:tav tm="100000">
+                                          <p:val>
+                                            <p:strVal val="#ppt_y"/>
+                                          </p:val>
+                                        </p:tav>
+                                      </p:tavLst>
+                                    </p:anim>
+                                  </p:childTnLst>
+                                </p:cTn>
+                              </p:par>
+                            </p:childTnLst>
+                          </p:cTn>
+                        </p:par>
+                      </p:childTnLst>
+                    </p:cTn>
+                  </p:par>
+                  <p:par>
+                    <p:cTn id="16" fill="hold">
+                      <p:stCondLst>
+                        <p:cond delay="indefinite"/>
+                      </p:stCondLst>
+                      <p:childTnLst>
+                        <p:par>
+                          <p:cTn id="17" fill="hold">
+                            <p:stCondLst>
+                              <p:cond delay="0"/>
+                            </p:stCondLst>
+                            <p:childTnLst>
+                              <p:par>
+                                <p:cTn id="18" presetID="45" presetClass="entr" presetSubtype="0" fill="hold" grpId="0" nodeType="clickEffect">
+                                  <p:stCondLst>
+                                    <p:cond delay="0"/>
+                                  </p:stCondLst>
+                                  <p:childTnLst>
+                                    <p:set>
+                                      <p:cBhvr>
+                                        <p:cTn id="19" dur="1" fill="hold">
+                                          <p:stCondLst>
+                                            <p:cond delay="0"/>
+                                          </p:stCondLst>
+                                        </p:cTn>
+                                        <p:tgtEl>
+                                          <p:spTgt spid="6"/>
+                                        </p:tgtEl>
+                                        <p:attrNameLst>
+                                          <p:attrName>style.visibility</p:attrName>
+                                        </p:attrNameLst>
+                                      </p:cBhvr>
+                                      <p:to>
+                                        <p:strVal val="visible"/>
+                                      </p:to>
+                                    </p:set>
+                                    <p:animEffect transition="in" filter="fade">
+                                      <p:cBhvr>
+                                        <p:cTn id="20" dur="2000"/>
+                                        <p:tgtEl>
+                                          <p:spTgt spid="6"/>
+                                        </p:tgtEl>
+                                      </p:cBhvr>
+                                    </p:animEffect>
+                                    <p:anim calcmode="lin" valueType="num">
+                                      <p:cBhvr>
+                                        <p:cTn id="21" dur="2000" fill="hold"/>
+                                        <p:tgtEl>
+                                          <p:spTgt spid="6"/>
+                                        </p:tgtEl>
+                                        <p:attrNameLst>
+                                          <p:attrName>ppt_w</p:attrName>
+                                        </p:attrNameLst>
+                                      </p:cBhvr>
+                                      <p:tavLst>
+                                        <p:tav tm="0" fmla="#ppt_w*sin(2.5*pi*$)">
+                                          <p:val>
+                                            <p:fltVal val="0"/>
+                                          </p:val>
+                                        </p:tav>
+                                        <p:tav tm="100000">
+                                          <p:val>
+                                            <p:fltVal val="1"/>
+                                          </p:val>
+                                        </p:tav>
+                                      </p:tavLst>
+                                    </p:anim>
+                                    <p:anim calcmode="lin" valueType="num">
+                                      <p:cBhvr>
+                                        <p:cTn id="22" dur="2000" fill="hold"/>
+                                        <p:tgtEl>
+                                          <p:spTgt spid="6"/>
+                                        </p:tgtEl>
+                                        <p:attrNameLst>
+                                          <p:attrName>ppt_h</p:attrName>
+                                        </p:attrNameLst>
+                                      </p:cBhvr>
+                                      <p:tavLst>
+                                        <p:tav tm="0">
+                                          <p:val>
+                                            <p:strVal val="#ppt_h"/>
+                                          </p:val>
+                                        </p:tav>
+                                        <p:tav tm="100000">
+                                          <p:val>
+                                            <p:strVal val="#ppt_h"/>
+                                          </p:val>
+                                        </p:tav>
+                                      </p:tavLst>
+                                    </p:anim>
+                                  </p:childTnLst>
+                                </p:cTn>
+                              </p:par>
+                            </p:childTnLst>
+                          </p:cTn>
+                        </p:par>
+                      </p:childTnLst>
+                    </p:cTn>
+                  </p:par>
+                  <p:par>
+                    <p:cTn id="23" fill="hold">
+                      <p:stCondLst>
+                        <p:cond delay="indefinite"/>
+                      </p:stCondLst>
+                      <p:childTnLst>
+                        <p:par>
+                          <p:cTn id="24" fill="hold">
+                            <p:stCondLst>
+                              <p:cond delay="0"/>
+                            </p:stCondLst>
+                            <p:childTnLst>
+                              <p:par>
+                                <p:cTn id="25" presetID="2" presetClass="entr" presetSubtype="4" fill="hold" grpId="1" nodeType="clickEffect">
+                                  <p:stCondLst>
+                                    <p:cond delay="0"/>
+                                  </p:stCondLst>
+                                  <p:childTnLst>
+                                    <p:set>
+                                      <p:cBhvr>
+                                        <p:cTn id="26" dur="1" fill="hold">
+                                          <p:stCondLst>
+                                            <p:cond delay="0"/>
+                                          </p:stCondLst>
+                                        </p:cTn>
+                                        <p:tgtEl>
+                                          <p:spTgt spid="7"/>
+                                        </p:tgtEl>
+                                        <p:attrNameLst>
+                                          <p:attrName>style.visibility</p:attrName>
+                                        </p:attrNameLst>
+                                      </p:cBhvr>
+                                      <p:to>
+                                        <p:strVal val="visible"/>
+                                      </p:to>
+                                    </p:set>
+                                    <p:anim calcmode="lin" valueType="num">
+                                      <p:cBhvr additive="base">
+                                        <p:cTn id="27" dur="500" fill="hold"/>
+                                        <p:tgtEl>
+                                          <p:spTgt spid="7"/>
+                                        </p:tgtEl>
+                                        <p:attrNameLst>
+                                          <p:attrName>ppt_x</p:attrName>
+                                        </p:attrNameLst>
+                                      </p:cBhvr>
+                                      <p:tavLst>
+                                        <p:tav tm="0">
+                                          <p:val>
+                                            <p:strVal val="#ppt_x"/>
+                                          </p:val>
+                                        </p:tav>
+                                        <p:tav tm="100000">
+                                          <p:val>
+                                            <p:strVal val="#ppt_x"/>
+                                          </p:val>
+                                        </p:tav>
+                                      </p:tavLst>
+                                    </p:anim>
+                                    <p:anim calcmode="lin" valueType="num">
+                                      <p:cBhvr additive="base">
+                                        <p:cTn id="28" dur="500" fill="hold"/>
+                                        <p:tgtEl>
+                                          <p:spTgt spid="7"/>
+                                        </p:tgtEl>
+                                        <p:attrNameLst>
+                                          <p:attrName>ppt_y</p:attrName>
+                                        </p:attrNameLst>
+                                      </p:cBhvr>
+                                      <p:tavLst>
+                                        <p:tav tm="0">
+                                          <p:val>
+                                            <p:strVal val="1+#ppt_h/2"/>
+                                          </p:val>
+                                        </p:tav>
+                                        <p:tav tm="100000">
+                                          <p:val>
+                                            <p:strVal val="#ppt_y"/>
+                                          </p:val>
+                                        </p:tav>
+                                      </p:tavLst>
+                                    </p:anim>
+                                  </p:childTnLst>
+                                </p:cTn>
+                              </p:par>
+                            </p:childTnLst>
+                          </p:cTn>
+                        </p:par>
+                      </p:childTnLst>
+                    </p:cTn>
+                  </p:par>
+                  <p:par>
+                    <p:cTn id="29" fill="hold">
+                      <p:stCondLst>
+                        <p:cond delay="indefinite"/>
+                      </p:stCondLst>
+                      <p:childTnLst>
+                        <p:par>
+                          <p:cTn id="30" fill="hold">
+                            <p:stCondLst>
+                              <p:cond delay="0"/>
+                            </p:stCondLst>
+                            <p:childTnLst>
+                              <p:par>
+                                <p:cTn id="31" presetID="14" presetClass="entr" presetSubtype="10" fill="hold" grpId="2" nodeType="clickEffect">
+                                  <p:stCondLst>
+                                    <p:cond delay="0"/>
+                                  </p:stCondLst>
+                                  <p:childTnLst>
+                                    <p:set>
+                                      <p:cBhvr>
+                                        <p:cTn id="32" dur="1" fill="hold">
+                                          <p:stCondLst>
+                                            <p:cond delay="0"/>
+                                          </p:stCondLst>
+                                        </p:cTn>
+                                        <p:tgtEl>
+                                          <p:spTgt spid="7"/>
+                                        </p:tgtEl>
+                                        <p:attrNameLst>
+                                          <p:attrName>style.visibility</p:attrName>
+                                        </p:attrNameLst>
+                                      </p:cBhvr>
+                                      <p:to>
+                                        <p:strVal val="visible"/>
+                                      </p:to>
+                                    </p:set>
+                                    <p:animEffect transition="in" filter="randombar(horizontal)">
+                                      <p:cBhvr>
+                                        <p:cTn id="33" dur="500"/>
+                                        <p:tgtEl>
+                                          <p:spTgt spid="7"/>
+                                        </p:tgtEl>
+                                      </p:cBhvr>
+                                    </p:animEffect>
+                                  </p:childTnLst>
+                                </p:cTn>
+                              </p:par>
+                            </p:childTnLst>
+                          </p:cTn>
+                        </p:par>
+                        <p:par>
+                          <p:cTn id="34" fill="hold">
+                            <p:stCondLst>
+                              <p:cond delay="500"/>
+                            </p:stCondLst>
+                            <p:childTnLst>
+                              <p:par>
+                                <p:cTn id="35" presetID="31" presetClass="entr" presetSubtype="0" fill="hold" grpId="1" nodeType="afterEffect">
+                                  <p:stCondLst>
+                                    <p:cond delay="0"/>
+                                  </p:stCondLst>
+                                  <p:childTnLst>
+                                    <p:set>
+                                      <p:cBhvr>
+                                        <p:cTn id="36" dur="1" fill="hold">
+                                          <p:stCondLst>
+                                            <p:cond delay="0"/>
+                                          </p:stCondLst>
+                                        </p:cTn>
+                                        <p:tgtEl>
+                                          <p:spTgt spid="6"/>
+                                        </p:tgtEl>
+                                        <p:attrNameLst>
+                                          <p:attrName>style.visibility</p:attrName>
+                                        </p:attrNameLst>
+                                      </p:cBhvr>
+                                      <p:to>
+                                        <p:strVal val="visible"/>
+                                      </p:to>
+                                    </p:set>
+                                    <p:anim calcmode="lin" valueType="num">
+                                      <p:cBhvr>
+                                        <p:cTn id="37" dur="1000" fill="hold"/>
+                                        <p:tgtEl>
+                                          <p:spTgt spid="6"/>
+                                        </p:tgtEl>
+                                        <p:attrNameLst>
+                                          <p:attrName>ppt_w</p:attrName>
+                                        </p:attrNameLst>
+                                      </p:cBhvr>
+                                      <p:tavLst>
+                                        <p:tav tm="0">
+                                          <p:val>
+                                            <p:fltVal val="0"/>
+                                          </p:val>
+                                        </p:tav>
+                                        <p:tav tm="100000">
+                                          <p:val>
+                                            <p:strVal val="#ppt_w"/>
+                                          </p:val>
+                                        </p:tav>
+                                      </p:tavLst>
+                                    </p:anim>
+                                    <p:anim calcmode="lin" valueType="num">
+                                      <p:cBhvr>
+                                        <p:cTn id="38" dur="1000" fill="hold"/>
+                                        <p:tgtEl>
+                                          <p:spTgt spid="6"/>
+                                        </p:tgtEl>
+                                        <p:attrNameLst>
+                                          <p:attrName>ppt_h</p:attrName>
+                                        </p:attrNameLst>
+                                      </p:cBhvr>
+                                      <p:tavLst>
+                                        <p:tav tm="0">
+                                          <p:val>
+                                            <p:fltVal val="0"/>
+                                          </p:val>
+                                        </p:tav>
+                                        <p:tav tm="100000">
+                                          <p:val>
+                                            <p:strVal val="#ppt_h"/>
+                                          </p:val>
+                                        </p:tav>
+                                      </p:tavLst>
+                                    </p:anim>
+                                    <p:anim calcmode="lin" valueType="num">
+                                      <p:cBhvr>
+                                        <p:cTn id="39" dur="1000" fill="hold"/>
+                                        <p:tgtEl>
+                                          <p:spTgt spid="6"/>
+                                        </p:tgtEl>
+                                        <p:attrNameLst>
+                                          <p:attrName>style.rotation</p:attrName>
+                                        </p:attrNameLst>
+                                      </p:cBhvr>
+                                      <p:tavLst>
+                                        <p:tav tm="0">
+                                          <p:val>
+                                            <p:fltVal val="90"/>
+                                          </p:val>
+                                        </p:tav>
+                                        <p:tav tm="100000">
+                                          <p:val>
+                                            <p:fltVal val="0"/>
+                                          </p:val>
+                                        </p:tav>
+                                      </p:tavLst>
+                                    </p:anim>
+                                    <p:animEffect transition="in" filter="fade">
+                                      <p:cBhvr>
+                                        <p:cTn id="40" dur="1000"/>
+                                        <p:tgtEl>
+                                          <p:spTgt spid="6"/>
+                                        </p:tgtEl>
+                                      </p:cBhvr>
+                                    </p:animEffect>
+                                  </p:childTnLst>
+                                </p:cTn>
+                              </p:par>
+                            </p:childTnLst>
+                          </p:cTn>
+                        </p:par>
+                        <p:par>
+                          <p:cTn id="41" fill="hold">
+                            <p:stCondLst>
+                              <p:cond delay="1500"/>
+                            </p:stCondLst>
+                            <p:childTnLst>
+                              <p:par>
+                                <p:cTn id="42" presetID="2" presetClass="entr" presetSubtype="4" fill="hold" grpId="2" nodeType="afterEffect">
+                                  <p:stCondLst>
+                                    <p:cond delay="0"/>
+                                  </p:stCondLst>
+                                  <p:childTnLst>
+                                    <p:set>
+                                      <p:cBhvr>
+                                        <p:cTn id="43" dur="1" fill="hold">
+                                          <p:stCondLst>
+                                            <p:cond delay="0"/>
+                                          </p:stCondLst>
+                                        </p:cTn>
+                                        <p:tgtEl>
+                                          <p:spTgt spid="6"/>
+                                        </p:tgtEl>
+                                        <p:attrNameLst>
+                                          <p:attrName>style.visibility</p:attrName>
+                                        </p:attrNameLst>
+                                      </p:cBhvr>
+                                      <p:to>
+                                        <p:strVal val="visible"/>
+                                      </p:to>
+                                    </p:set>
+                                    <p:anim calcmode="lin" valueType="num">
+                                      <p:cBhvr additive="base">
+                                        <p:cTn id="44" dur="500" fill="hold"/>
+                                        <p:tgtEl>
+                                          <p:spTgt spid="6"/>
+                                        </p:tgtEl>
+                                        <p:attrNameLst>
+                                          <p:attrName>ppt_x</p:attrName>
+                                        </p:attrNameLst>
+                                      </p:cBhvr>
+                                      <p:tavLst>
+                                        <p:tav tm="0">
+                                          <p:val>
+                                            <p:strVal val="#ppt_x"/>
+                                          </p:val>
+                                        </p:tav>
+                                        <p:tav tm="100000">
+                                          <p:val>
+                                            <p:strVal val="#ppt_x"/>
+                                          </p:val>
+                                        </p:tav>
+                                      </p:tavLst>
+                                    </p:anim>
+                                    <p:anim calcmode="lin" valueType="num">
+                                      <p:cBhvr additive="base">
+                                        <p:cTn id="45" dur="500" fill="hold"/>
+                                        <p:tgtEl>
+                                          <p:spTgt spid="6"/>
+                                        </p:tgtEl>
+                                        <p:attrNameLst>
+                                          <p:attrName>ppt_y</p:attrName>
+                                        </p:attrNameLst>
+                                      </p:cBhvr>
+                                      <p:tavLst>
+                                        <p:tav tm="0">
+                                          <p:val>
+                                            <p:strVal val="1+#ppt_h/2"/>
+                                          </p:val>
+                                        </p:tav>
+                                        <p:tav tm="100000">
+                                          <p:val>
+                                            <p:strVal val="#ppt_y"/>
+                                          </p:val>
+                                        </p:tav>
+                                      </p:tavLst>
+                                    </p:anim>
+                                  </p:childTnLst>
+                                </p:cTn>
+                              </p:par>
+                            </p:childTnLst>
+                          </p:cTn>
+                        </p:par>
+                      </p:childTnLst>
+                    </p:cTn>
+                  </p:par>
+                </p:childTnLst>
+              </p:cTn>
+              <p:prevCondLst>
+                <p:cond evt="onPrev" delay="0">
+                  <p:tgtEl>
+                    <p:sldTgt/>
+                  </p:tgtEl>
+                </p:cond>
+              </p:prevCondLst>
+              <p:nextCondLst>
+                <p:cond evt="onNext" delay="0">
+                  <p:tgtEl>
+                    <p:sldTgt/>
+                  </p:tgtEl>
+                </p:cond>
+              </p:nextCondLst>
+            </p:seq>
+          </p:childTnLst>
+        </p:cTn>
+      </p:par>
+    </p:tnLst>
+    <p:bldLst>
+      <p:bldP spid="2" grpId="0" animBg="1"/>
+      <p:bldP spid="6" grpId="0" animBg="1"/>
+      <p:bldP spid="6" grpId="1" animBg="1"/>
+      <p:bldP spid="6" grpId="2" animBg="1"/>
+      <p:bldP spid="7" grpId="0" animBg="1"/>
+      <p:bldP spid="7" grpId="1" animBg="1"/>
+      <p:bldP spid="7" grpId="2" animBg="1"/>
+    </p:bldLst>
+  </p:timing>
 </p:sld>
 </file>
 
